--- a/01-HTML-CSS/05-grid/CSS Grid.pptx
+++ b/01-HTML-CSS/05-grid/CSS Grid.pptx
@@ -6,13 +6,14 @@
   </p:sldMasterIdLst>
   <p:sldIdLst>
     <p:sldId id="256" r:id="rId2"/>
-    <p:sldId id="257" r:id="rId3"/>
-    <p:sldId id="258" r:id="rId4"/>
-    <p:sldId id="259" r:id="rId5"/>
-    <p:sldId id="260" r:id="rId6"/>
-    <p:sldId id="263" r:id="rId7"/>
-    <p:sldId id="261" r:id="rId8"/>
-    <p:sldId id="262" r:id="rId9"/>
+    <p:sldId id="264" r:id="rId3"/>
+    <p:sldId id="257" r:id="rId4"/>
+    <p:sldId id="258" r:id="rId5"/>
+    <p:sldId id="259" r:id="rId6"/>
+    <p:sldId id="260" r:id="rId7"/>
+    <p:sldId id="263" r:id="rId8"/>
+    <p:sldId id="261" r:id="rId9"/>
+    <p:sldId id="262" r:id="rId10"/>
   </p:sldIdLst>
   <p:sldSz cx="12192000" cy="6858000"/>
   <p:notesSz cx="6858000" cy="9144000"/>
@@ -111,6 +112,11 @@
       </a:defRPr>
     </a:lvl9pPr>
   </p:defaultTextStyle>
+  <p:extLst>
+    <p:ext uri="{EFAFB233-063F-42B5-8137-9DF3F51BA10A}">
+      <p15:sldGuideLst xmlns:p15="http://schemas.microsoft.com/office/powerpoint/2012/main"/>
+    </p:ext>
+  </p:extLst>
 </p:presentation>
 </file>
 
@@ -164,7 +170,7 @@
           <a:noFill/>
           <a:extLst>
             <a:ext uri="{909E8E84-426E-40dd-AFC4-6F175D3DCCD1}">
-              <a14:hiddenFill xmlns:a14="http://schemas.microsoft.com/office/drawing/2010/main" xmlns="">
+              <a14:hiddenFill xmlns="" xmlns:a14="http://schemas.microsoft.com/office/drawing/2010/main">
                 <a:solidFill>
                   <a:srgbClr val="FFFFFF"/>
                 </a:solidFill>
@@ -224,7 +230,7 @@
             </a:ln>
             <a:extLst>
               <a:ext uri="{91240B29-F687-4f45-9708-019B960494DF}">
-                <a14:hiddenLine xmlns:a14="http://schemas.microsoft.com/office/drawing/2010/main" xmlns="" w="9525">
+                <a14:hiddenLine xmlns="" xmlns:a14="http://schemas.microsoft.com/office/drawing/2010/main" w="9525">
                   <a:solidFill>
                     <a:srgbClr val="000000"/>
                   </a:solidFill>
@@ -314,7 +320,7 @@
             </a:ln>
             <a:extLst>
               <a:ext uri="{91240B29-F687-4f45-9708-019B960494DF}">
-                <a14:hiddenLine xmlns:a14="http://schemas.microsoft.com/office/drawing/2010/main" xmlns="" w="9525">
+                <a14:hiddenLine xmlns="" xmlns:a14="http://schemas.microsoft.com/office/drawing/2010/main" w="9525">
                   <a:solidFill>
                     <a:srgbClr val="000000"/>
                   </a:solidFill>
@@ -404,7 +410,7 @@
             </a:ln>
             <a:extLst>
               <a:ext uri="{91240B29-F687-4f45-9708-019B960494DF}">
-                <a14:hiddenLine xmlns:a14="http://schemas.microsoft.com/office/drawing/2010/main" xmlns="" w="9525">
+                <a14:hiddenLine xmlns="" xmlns:a14="http://schemas.microsoft.com/office/drawing/2010/main" w="9525">
                   <a:solidFill>
                     <a:srgbClr val="000000"/>
                   </a:solidFill>
@@ -438,7 +444,7 @@
             </a:ln>
             <a:extLst>
               <a:ext uri="{91240B29-F687-4f45-9708-019B960494DF}">
-                <a14:hiddenLine xmlns:a14="http://schemas.microsoft.com/office/drawing/2010/main" xmlns="" w="9525">
+                <a14:hiddenLine xmlns="" xmlns:a14="http://schemas.microsoft.com/office/drawing/2010/main" w="9525">
                   <a:solidFill>
                     <a:srgbClr val="000000"/>
                   </a:solidFill>
@@ -528,7 +534,7 @@
             </a:ln>
             <a:extLst>
               <a:ext uri="{91240B29-F687-4f45-9708-019B960494DF}">
-                <a14:hiddenLine xmlns:a14="http://schemas.microsoft.com/office/drawing/2010/main" xmlns="" w="9525">
+                <a14:hiddenLine xmlns="" xmlns:a14="http://schemas.microsoft.com/office/drawing/2010/main" w="9525">
                   <a:solidFill>
                     <a:srgbClr val="000000"/>
                   </a:solidFill>
@@ -590,7 +596,7 @@
             </a:ln>
             <a:extLst>
               <a:ext uri="{91240B29-F687-4f45-9708-019B960494DF}">
-                <a14:hiddenLine xmlns:a14="http://schemas.microsoft.com/office/drawing/2010/main" xmlns="" w="9525">
+                <a14:hiddenLine xmlns="" xmlns:a14="http://schemas.microsoft.com/office/drawing/2010/main" w="9525">
                   <a:solidFill>
                     <a:srgbClr val="000000"/>
                   </a:solidFill>
@@ -652,7 +658,7 @@
             </a:ln>
             <a:extLst>
               <a:ext uri="{91240B29-F687-4f45-9708-019B960494DF}">
-                <a14:hiddenLine xmlns:a14="http://schemas.microsoft.com/office/drawing/2010/main" xmlns="" w="9525">
+                <a14:hiddenLine xmlns="" xmlns:a14="http://schemas.microsoft.com/office/drawing/2010/main" w="9525">
                   <a:solidFill>
                     <a:srgbClr val="000000"/>
                   </a:solidFill>
@@ -742,7 +748,7 @@
             </a:ln>
             <a:extLst>
               <a:ext uri="{91240B29-F687-4f45-9708-019B960494DF}">
-                <a14:hiddenLine xmlns:a14="http://schemas.microsoft.com/office/drawing/2010/main" xmlns="" w="9525">
+                <a14:hiddenLine xmlns="" xmlns:a14="http://schemas.microsoft.com/office/drawing/2010/main" w="9525">
                   <a:solidFill>
                     <a:srgbClr val="000000"/>
                   </a:solidFill>
@@ -804,7 +810,7 @@
             </a:ln>
             <a:extLst>
               <a:ext uri="{91240B29-F687-4f45-9708-019B960494DF}">
-                <a14:hiddenLine xmlns:a14="http://schemas.microsoft.com/office/drawing/2010/main" xmlns="" w="9525">
+                <a14:hiddenLine xmlns="" xmlns:a14="http://schemas.microsoft.com/office/drawing/2010/main" w="9525">
                   <a:solidFill>
                     <a:srgbClr val="000000"/>
                   </a:solidFill>
@@ -866,7 +872,7 @@
             </a:ln>
             <a:extLst>
               <a:ext uri="{91240B29-F687-4f45-9708-019B960494DF}">
-                <a14:hiddenLine xmlns:a14="http://schemas.microsoft.com/office/drawing/2010/main" xmlns="" w="9525">
+                <a14:hiddenLine xmlns="" xmlns:a14="http://schemas.microsoft.com/office/drawing/2010/main" w="9525">
                   <a:solidFill>
                     <a:srgbClr val="000000"/>
                   </a:solidFill>
@@ -956,7 +962,7 @@
             </a:ln>
             <a:extLst>
               <a:ext uri="{91240B29-F687-4f45-9708-019B960494DF}">
-                <a14:hiddenLine xmlns:a14="http://schemas.microsoft.com/office/drawing/2010/main" xmlns="" w="9525">
+                <a14:hiddenLine xmlns="" xmlns:a14="http://schemas.microsoft.com/office/drawing/2010/main" w="9525">
                   <a:solidFill>
                     <a:srgbClr val="000000"/>
                   </a:solidFill>
@@ -1046,7 +1052,7 @@
             </a:ln>
             <a:extLst>
               <a:ext uri="{91240B29-F687-4f45-9708-019B960494DF}">
-                <a14:hiddenLine xmlns:a14="http://schemas.microsoft.com/office/drawing/2010/main" xmlns="" w="9525">
+                <a14:hiddenLine xmlns="" xmlns:a14="http://schemas.microsoft.com/office/drawing/2010/main" w="9525">
                   <a:solidFill>
                     <a:srgbClr val="000000"/>
                   </a:solidFill>
@@ -1108,7 +1114,7 @@
             </a:ln>
             <a:extLst>
               <a:ext uri="{91240B29-F687-4f45-9708-019B960494DF}">
-                <a14:hiddenLine xmlns:a14="http://schemas.microsoft.com/office/drawing/2010/main" xmlns="" w="9525">
+                <a14:hiddenLine xmlns="" xmlns:a14="http://schemas.microsoft.com/office/drawing/2010/main" w="9525">
                   <a:solidFill>
                     <a:srgbClr val="000000"/>
                   </a:solidFill>
@@ -1218,7 +1224,7 @@
             </a:ln>
             <a:extLst>
               <a:ext uri="{91240B29-F687-4f45-9708-019B960494DF}">
-                <a14:hiddenLine xmlns:a14="http://schemas.microsoft.com/office/drawing/2010/main" xmlns="" w="9525">
+                <a14:hiddenLine xmlns="" xmlns:a14="http://schemas.microsoft.com/office/drawing/2010/main" w="9525">
                   <a:solidFill>
                     <a:srgbClr val="000000"/>
                   </a:solidFill>
@@ -1280,7 +1286,7 @@
             </a:ln>
             <a:extLst>
               <a:ext uri="{91240B29-F687-4f45-9708-019B960494DF}">
-                <a14:hiddenLine xmlns:a14="http://schemas.microsoft.com/office/drawing/2010/main" xmlns="" w="9525">
+                <a14:hiddenLine xmlns="" xmlns:a14="http://schemas.microsoft.com/office/drawing/2010/main" w="9525">
                   <a:solidFill>
                     <a:srgbClr val="000000"/>
                   </a:solidFill>
@@ -1370,7 +1376,7 @@
             </a:ln>
             <a:extLst>
               <a:ext uri="{91240B29-F687-4f45-9708-019B960494DF}">
-                <a14:hiddenLine xmlns:a14="http://schemas.microsoft.com/office/drawing/2010/main" xmlns="" w="9525">
+                <a14:hiddenLine xmlns="" xmlns:a14="http://schemas.microsoft.com/office/drawing/2010/main" w="9525">
                   <a:solidFill>
                     <a:srgbClr val="000000"/>
                   </a:solidFill>
@@ -1460,7 +1466,7 @@
             </a:ln>
             <a:extLst>
               <a:ext uri="{91240B29-F687-4f45-9708-019B960494DF}">
-                <a14:hiddenLine xmlns:a14="http://schemas.microsoft.com/office/drawing/2010/main" xmlns="" w="9525">
+                <a14:hiddenLine xmlns="" xmlns:a14="http://schemas.microsoft.com/office/drawing/2010/main" w="9525">
                   <a:solidFill>
                     <a:srgbClr val="000000"/>
                   </a:solidFill>
@@ -1522,7 +1528,7 @@
             </a:ln>
             <a:extLst>
               <a:ext uri="{91240B29-F687-4f45-9708-019B960494DF}">
-                <a14:hiddenLine xmlns:a14="http://schemas.microsoft.com/office/drawing/2010/main" xmlns="" w="9525">
+                <a14:hiddenLine xmlns="" xmlns:a14="http://schemas.microsoft.com/office/drawing/2010/main" w="9525">
                   <a:solidFill>
                     <a:srgbClr val="000000"/>
                   </a:solidFill>
@@ -1612,7 +1618,7 @@
             </a:ln>
             <a:extLst>
               <a:ext uri="{91240B29-F687-4f45-9708-019B960494DF}">
-                <a14:hiddenLine xmlns:a14="http://schemas.microsoft.com/office/drawing/2010/main" xmlns="" w="9525">
+                <a14:hiddenLine xmlns="" xmlns:a14="http://schemas.microsoft.com/office/drawing/2010/main" w="9525">
                   <a:solidFill>
                     <a:srgbClr val="000000"/>
                   </a:solidFill>
@@ -1702,7 +1708,7 @@
             </a:ln>
             <a:extLst>
               <a:ext uri="{91240B29-F687-4f45-9708-019B960494DF}">
-                <a14:hiddenLine xmlns:a14="http://schemas.microsoft.com/office/drawing/2010/main" xmlns="" w="9525">
+                <a14:hiddenLine xmlns="" xmlns:a14="http://schemas.microsoft.com/office/drawing/2010/main" w="9525">
                   <a:solidFill>
                     <a:srgbClr val="000000"/>
                   </a:solidFill>
@@ -1758,7 +1764,7 @@
             </a:ln>
             <a:extLst>
               <a:ext uri="{91240B29-F687-4f45-9708-019B960494DF}">
-                <a14:hiddenLine xmlns:a14="http://schemas.microsoft.com/office/drawing/2010/main" xmlns="" w="9525">
+                <a14:hiddenLine xmlns="" xmlns:a14="http://schemas.microsoft.com/office/drawing/2010/main" w="9525">
                   <a:solidFill>
                     <a:srgbClr val="000000"/>
                   </a:solidFill>
@@ -1848,7 +1854,7 @@
             </a:ln>
             <a:extLst>
               <a:ext uri="{91240B29-F687-4f45-9708-019B960494DF}">
-                <a14:hiddenLine xmlns:a14="http://schemas.microsoft.com/office/drawing/2010/main" xmlns="" w="9525">
+                <a14:hiddenLine xmlns="" xmlns:a14="http://schemas.microsoft.com/office/drawing/2010/main" w="9525">
                   <a:solidFill>
                     <a:srgbClr val="000000"/>
                   </a:solidFill>
@@ -1904,7 +1910,7 @@
             </a:ln>
             <a:extLst>
               <a:ext uri="{91240B29-F687-4f45-9708-019B960494DF}">
-                <a14:hiddenLine xmlns:a14="http://schemas.microsoft.com/office/drawing/2010/main" xmlns="" w="9525">
+                <a14:hiddenLine xmlns="" xmlns:a14="http://schemas.microsoft.com/office/drawing/2010/main" w="9525">
                   <a:solidFill>
                     <a:srgbClr val="000000"/>
                   </a:solidFill>
@@ -1994,7 +2000,7 @@
             </a:ln>
             <a:extLst>
               <a:ext uri="{91240B29-F687-4f45-9708-019B960494DF}">
-                <a14:hiddenLine xmlns:a14="http://schemas.microsoft.com/office/drawing/2010/main" xmlns="" w="9525">
+                <a14:hiddenLine xmlns="" xmlns:a14="http://schemas.microsoft.com/office/drawing/2010/main" w="9525">
                   <a:solidFill>
                     <a:srgbClr val="000000"/>
                   </a:solidFill>
@@ -2062,7 +2068,7 @@
             </a:ln>
             <a:extLst>
               <a:ext uri="{91240B29-F687-4f45-9708-019B960494DF}">
-                <a14:hiddenLine xmlns:a14="http://schemas.microsoft.com/office/drawing/2010/main" xmlns="" w="9525">
+                <a14:hiddenLine xmlns="" xmlns:a14="http://schemas.microsoft.com/office/drawing/2010/main" w="9525">
                   <a:solidFill>
                     <a:srgbClr val="000000"/>
                   </a:solidFill>
@@ -2152,7 +2158,7 @@
             </a:ln>
             <a:extLst>
               <a:ext uri="{91240B29-F687-4f45-9708-019B960494DF}">
-                <a14:hiddenLine xmlns:a14="http://schemas.microsoft.com/office/drawing/2010/main" xmlns="" w="9525">
+                <a14:hiddenLine xmlns="" xmlns:a14="http://schemas.microsoft.com/office/drawing/2010/main" w="9525">
                   <a:solidFill>
                     <a:srgbClr val="000000"/>
                   </a:solidFill>
@@ -2220,7 +2226,7 @@
             </a:ln>
             <a:extLst>
               <a:ext uri="{91240B29-F687-4f45-9708-019B960494DF}">
-                <a14:hiddenLine xmlns:a14="http://schemas.microsoft.com/office/drawing/2010/main" xmlns="" w="9525">
+                <a14:hiddenLine xmlns="" xmlns:a14="http://schemas.microsoft.com/office/drawing/2010/main" w="9525">
                   <a:solidFill>
                     <a:srgbClr val="000000"/>
                   </a:solidFill>
@@ -2310,7 +2316,7 @@
             </a:ln>
             <a:extLst>
               <a:ext uri="{91240B29-F687-4f45-9708-019B960494DF}">
-                <a14:hiddenLine xmlns:a14="http://schemas.microsoft.com/office/drawing/2010/main" xmlns="" w="9525">
+                <a14:hiddenLine xmlns="" xmlns:a14="http://schemas.microsoft.com/office/drawing/2010/main" w="9525">
                   <a:solidFill>
                     <a:srgbClr val="000000"/>
                   </a:solidFill>
@@ -2344,7 +2350,7 @@
             </a:ln>
             <a:extLst>
               <a:ext uri="{91240B29-F687-4f45-9708-019B960494DF}">
-                <a14:hiddenLine xmlns:a14="http://schemas.microsoft.com/office/drawing/2010/main" xmlns="" w="9525">
+                <a14:hiddenLine xmlns="" xmlns:a14="http://schemas.microsoft.com/office/drawing/2010/main" w="9525">
                   <a:solidFill>
                     <a:srgbClr val="000000"/>
                   </a:solidFill>
@@ -2434,7 +2440,7 @@
             </a:ln>
             <a:extLst>
               <a:ext uri="{91240B29-F687-4f45-9708-019B960494DF}">
-                <a14:hiddenLine xmlns:a14="http://schemas.microsoft.com/office/drawing/2010/main" xmlns="" w="9525">
+                <a14:hiddenLine xmlns="" xmlns:a14="http://schemas.microsoft.com/office/drawing/2010/main" w="9525">
                   <a:solidFill>
                     <a:srgbClr val="000000"/>
                   </a:solidFill>
@@ -2496,7 +2502,7 @@
             </a:ln>
             <a:extLst>
               <a:ext uri="{91240B29-F687-4f45-9708-019B960494DF}">
-                <a14:hiddenLine xmlns:a14="http://schemas.microsoft.com/office/drawing/2010/main" xmlns="" w="9525">
+                <a14:hiddenLine xmlns="" xmlns:a14="http://schemas.microsoft.com/office/drawing/2010/main" w="9525">
                   <a:solidFill>
                     <a:srgbClr val="000000"/>
                   </a:solidFill>
@@ -2558,7 +2564,7 @@
             </a:ln>
             <a:extLst>
               <a:ext uri="{91240B29-F687-4f45-9708-019B960494DF}">
-                <a14:hiddenLine xmlns:a14="http://schemas.microsoft.com/office/drawing/2010/main" xmlns="" w="9525">
+                <a14:hiddenLine xmlns="" xmlns:a14="http://schemas.microsoft.com/office/drawing/2010/main" w="9525">
                   <a:solidFill>
                     <a:srgbClr val="000000"/>
                   </a:solidFill>
@@ -2648,7 +2654,7 @@
             </a:ln>
             <a:extLst>
               <a:ext uri="{91240B29-F687-4f45-9708-019B960494DF}">
-                <a14:hiddenLine xmlns:a14="http://schemas.microsoft.com/office/drawing/2010/main" xmlns="" w="9525">
+                <a14:hiddenLine xmlns="" xmlns:a14="http://schemas.microsoft.com/office/drawing/2010/main" w="9525">
                   <a:solidFill>
                     <a:srgbClr val="000000"/>
                   </a:solidFill>
@@ -2716,7 +2722,7 @@
             </a:ln>
             <a:extLst>
               <a:ext uri="{91240B29-F687-4f45-9708-019B960494DF}">
-                <a14:hiddenLine xmlns:a14="http://schemas.microsoft.com/office/drawing/2010/main" xmlns="" w="9525">
+                <a14:hiddenLine xmlns="" xmlns:a14="http://schemas.microsoft.com/office/drawing/2010/main" w="9525">
                   <a:solidFill>
                     <a:srgbClr val="000000"/>
                   </a:solidFill>
@@ -2778,7 +2784,7 @@
             </a:ln>
             <a:extLst>
               <a:ext uri="{91240B29-F687-4f45-9708-019B960494DF}">
-                <a14:hiddenLine xmlns:a14="http://schemas.microsoft.com/office/drawing/2010/main" xmlns="" w="9525">
+                <a14:hiddenLine xmlns="" xmlns:a14="http://schemas.microsoft.com/office/drawing/2010/main" w="9525">
                   <a:solidFill>
                     <a:srgbClr val="000000"/>
                   </a:solidFill>
@@ -2868,7 +2874,7 @@
             </a:ln>
             <a:extLst>
               <a:ext uri="{91240B29-F687-4f45-9708-019B960494DF}">
-                <a14:hiddenLine xmlns:a14="http://schemas.microsoft.com/office/drawing/2010/main" xmlns="" w="9525">
+                <a14:hiddenLine xmlns="" xmlns:a14="http://schemas.microsoft.com/office/drawing/2010/main" w="9525">
                   <a:solidFill>
                     <a:srgbClr val="000000"/>
                   </a:solidFill>
@@ -2930,7 +2936,7 @@
             </a:ln>
             <a:extLst>
               <a:ext uri="{91240B29-F687-4f45-9708-019B960494DF}">
-                <a14:hiddenLine xmlns:a14="http://schemas.microsoft.com/office/drawing/2010/main" xmlns="" w="9525">
+                <a14:hiddenLine xmlns="" xmlns:a14="http://schemas.microsoft.com/office/drawing/2010/main" w="9525">
                   <a:solidFill>
                     <a:srgbClr val="000000"/>
                   </a:solidFill>
@@ -3020,7 +3026,7 @@
             </a:ln>
             <a:extLst>
               <a:ext uri="{91240B29-F687-4f45-9708-019B960494DF}">
-                <a14:hiddenLine xmlns:a14="http://schemas.microsoft.com/office/drawing/2010/main" xmlns="" w="9525">
+                <a14:hiddenLine xmlns="" xmlns:a14="http://schemas.microsoft.com/office/drawing/2010/main" w="9525">
                   <a:solidFill>
                     <a:srgbClr val="000000"/>
                   </a:solidFill>
@@ -3082,7 +3088,7 @@
             </a:ln>
             <a:extLst>
               <a:ext uri="{91240B29-F687-4f45-9708-019B960494DF}">
-                <a14:hiddenLine xmlns:a14="http://schemas.microsoft.com/office/drawing/2010/main" xmlns="" w="9525">
+                <a14:hiddenLine xmlns="" xmlns:a14="http://schemas.microsoft.com/office/drawing/2010/main" w="9525">
                   <a:solidFill>
                     <a:srgbClr val="000000"/>
                   </a:solidFill>
@@ -3172,7 +3178,7 @@
             </a:ln>
             <a:extLst>
               <a:ext uri="{91240B29-F687-4f45-9708-019B960494DF}">
-                <a14:hiddenLine xmlns:a14="http://schemas.microsoft.com/office/drawing/2010/main" xmlns="" w="9525">
+                <a14:hiddenLine xmlns="" xmlns:a14="http://schemas.microsoft.com/office/drawing/2010/main" w="9525">
                   <a:solidFill>
                     <a:srgbClr val="000000"/>
                   </a:solidFill>
@@ -3206,7 +3212,7 @@
             </a:ln>
             <a:extLst>
               <a:ext uri="{91240B29-F687-4f45-9708-019B960494DF}">
-                <a14:hiddenLine xmlns:a14="http://schemas.microsoft.com/office/drawing/2010/main" xmlns="" w="9525">
+                <a14:hiddenLine xmlns="" xmlns:a14="http://schemas.microsoft.com/office/drawing/2010/main" w="9525">
                   <a:solidFill>
                     <a:srgbClr val="000000"/>
                   </a:solidFill>
@@ -3271,7 +3277,7 @@
             </a:ln>
             <a:extLst>
               <a:ext uri="{91240B29-F687-4f45-9708-019B960494DF}">
-                <a14:hiddenLine xmlns:a14="http://schemas.microsoft.com/office/drawing/2010/main" xmlns="" w="9525">
+                <a14:hiddenLine xmlns="" xmlns:a14="http://schemas.microsoft.com/office/drawing/2010/main" w="9525">
                   <a:solidFill>
                     <a:srgbClr val="000000"/>
                   </a:solidFill>
@@ -3361,7 +3367,7 @@
             </a:ln>
             <a:extLst>
               <a:ext uri="{91240B29-F687-4f45-9708-019B960494DF}">
-                <a14:hiddenLine xmlns:a14="http://schemas.microsoft.com/office/drawing/2010/main" xmlns="" w="9525">
+                <a14:hiddenLine xmlns="" xmlns:a14="http://schemas.microsoft.com/office/drawing/2010/main" w="9525">
                   <a:solidFill>
                     <a:srgbClr val="000000"/>
                   </a:solidFill>
@@ -3423,7 +3429,7 @@
             </a:ln>
             <a:extLst>
               <a:ext uri="{91240B29-F687-4f45-9708-019B960494DF}">
-                <a14:hiddenLine xmlns:a14="http://schemas.microsoft.com/office/drawing/2010/main" xmlns="" w="9525">
+                <a14:hiddenLine xmlns="" xmlns:a14="http://schemas.microsoft.com/office/drawing/2010/main" w="9525">
                   <a:solidFill>
                     <a:srgbClr val="000000"/>
                   </a:solidFill>
@@ -3513,7 +3519,7 @@
             </a:ln>
             <a:extLst>
               <a:ext uri="{91240B29-F687-4f45-9708-019B960494DF}">
-                <a14:hiddenLine xmlns:a14="http://schemas.microsoft.com/office/drawing/2010/main" xmlns="" w="9525">
+                <a14:hiddenLine xmlns="" xmlns:a14="http://schemas.microsoft.com/office/drawing/2010/main" w="9525">
                   <a:solidFill>
                     <a:srgbClr val="000000"/>
                   </a:solidFill>
@@ -3603,7 +3609,7 @@
             </a:ln>
             <a:extLst>
               <a:ext uri="{91240B29-F687-4f45-9708-019B960494DF}">
-                <a14:hiddenLine xmlns:a14="http://schemas.microsoft.com/office/drawing/2010/main" xmlns="" w="9525">
+                <a14:hiddenLine xmlns="" xmlns:a14="http://schemas.microsoft.com/office/drawing/2010/main" w="9525">
                   <a:solidFill>
                     <a:srgbClr val="000000"/>
                   </a:solidFill>
@@ -3668,7 +3674,7 @@
             </a:ln>
             <a:extLst>
               <a:ext uri="{91240B29-F687-4f45-9708-019B960494DF}">
-                <a14:hiddenLine xmlns:a14="http://schemas.microsoft.com/office/drawing/2010/main" xmlns="" w="9525">
+                <a14:hiddenLine xmlns="" xmlns:a14="http://schemas.microsoft.com/office/drawing/2010/main" w="9525">
                   <a:solidFill>
                     <a:srgbClr val="000000"/>
                   </a:solidFill>
@@ -3730,7 +3736,7 @@
             </a:ln>
             <a:extLst>
               <a:ext uri="{91240B29-F687-4f45-9708-019B960494DF}">
-                <a14:hiddenLine xmlns:a14="http://schemas.microsoft.com/office/drawing/2010/main" xmlns="" w="9525">
+                <a14:hiddenLine xmlns="" xmlns:a14="http://schemas.microsoft.com/office/drawing/2010/main" w="9525">
                   <a:solidFill>
                     <a:srgbClr val="000000"/>
                   </a:solidFill>
@@ -3820,7 +3826,7 @@
             </a:ln>
             <a:extLst>
               <a:ext uri="{91240B29-F687-4f45-9708-019B960494DF}">
-                <a14:hiddenLine xmlns:a14="http://schemas.microsoft.com/office/drawing/2010/main" xmlns="" w="9525">
+                <a14:hiddenLine xmlns="" xmlns:a14="http://schemas.microsoft.com/office/drawing/2010/main" w="9525">
                   <a:solidFill>
                     <a:srgbClr val="000000"/>
                   </a:solidFill>
@@ -3910,7 +3916,7 @@
             </a:ln>
             <a:extLst>
               <a:ext uri="{91240B29-F687-4f45-9708-019B960494DF}">
-                <a14:hiddenLine xmlns:a14="http://schemas.microsoft.com/office/drawing/2010/main" xmlns="" w="9525">
+                <a14:hiddenLine xmlns="" xmlns:a14="http://schemas.microsoft.com/office/drawing/2010/main" w="9525">
                   <a:solidFill>
                     <a:srgbClr val="000000"/>
                   </a:solidFill>
@@ -3972,7 +3978,7 @@
             </a:ln>
             <a:extLst>
               <a:ext uri="{91240B29-F687-4f45-9708-019B960494DF}">
-                <a14:hiddenLine xmlns:a14="http://schemas.microsoft.com/office/drawing/2010/main" xmlns="" w="9525">
+                <a14:hiddenLine xmlns="" xmlns:a14="http://schemas.microsoft.com/office/drawing/2010/main" w="9525">
                   <a:solidFill>
                     <a:srgbClr val="000000"/>
                   </a:solidFill>
@@ -4092,7 +4098,7 @@
             </a:ln>
             <a:extLst>
               <a:ext uri="{91240B29-F687-4f45-9708-019B960494DF}">
-                <a14:hiddenLine xmlns:a14="http://schemas.microsoft.com/office/drawing/2010/main" xmlns="" w="9525">
+                <a14:hiddenLine xmlns="" xmlns:a14="http://schemas.microsoft.com/office/drawing/2010/main" w="9525">
                   <a:solidFill>
                     <a:srgbClr val="000000"/>
                   </a:solidFill>
@@ -4160,7 +4166,7 @@
             </a:ln>
             <a:extLst>
               <a:ext uri="{91240B29-F687-4f45-9708-019B960494DF}">
-                <a14:hiddenLine xmlns:a14="http://schemas.microsoft.com/office/drawing/2010/main" xmlns="" w="9525">
+                <a14:hiddenLine xmlns="" xmlns:a14="http://schemas.microsoft.com/office/drawing/2010/main" w="9525">
                   <a:solidFill>
                     <a:srgbClr val="000000"/>
                   </a:solidFill>
@@ -4250,7 +4256,7 @@
             </a:ln>
             <a:extLst>
               <a:ext uri="{91240B29-F687-4f45-9708-019B960494DF}">
-                <a14:hiddenLine xmlns:a14="http://schemas.microsoft.com/office/drawing/2010/main" xmlns="" w="9525">
+                <a14:hiddenLine xmlns="" xmlns:a14="http://schemas.microsoft.com/office/drawing/2010/main" w="9525">
                   <a:solidFill>
                     <a:srgbClr val="000000"/>
                   </a:solidFill>
@@ -8972,7 +8978,7 @@
           <a:noFill/>
           <a:extLst>
             <a:ext uri="{909E8E84-426E-40dd-AFC4-6F175D3DCCD1}">
-              <a14:hiddenFill xmlns:a14="http://schemas.microsoft.com/office/drawing/2010/main" xmlns="">
+              <a14:hiddenFill xmlns="" xmlns:a14="http://schemas.microsoft.com/office/drawing/2010/main">
                 <a:solidFill>
                   <a:srgbClr val="FFFFFF"/>
                 </a:solidFill>
@@ -9046,7 +9052,7 @@
               </a:ln>
               <a:extLst>
                 <a:ext uri="{91240B29-F687-4f45-9708-019B960494DF}">
-                  <a14:hiddenLine xmlns:a14="http://schemas.microsoft.com/office/drawing/2010/main" xmlns="" w="9525">
+                  <a14:hiddenLine xmlns="" xmlns:a14="http://schemas.microsoft.com/office/drawing/2010/main" w="9525">
                     <a:solidFill>
                       <a:srgbClr val="000000"/>
                     </a:solidFill>
@@ -9136,7 +9142,7 @@
               </a:ln>
               <a:extLst>
                 <a:ext uri="{91240B29-F687-4f45-9708-019B960494DF}">
-                  <a14:hiddenLine xmlns:a14="http://schemas.microsoft.com/office/drawing/2010/main" xmlns="" w="9525">
+                  <a14:hiddenLine xmlns="" xmlns:a14="http://schemas.microsoft.com/office/drawing/2010/main" w="9525">
                     <a:solidFill>
                       <a:srgbClr val="000000"/>
                     </a:solidFill>
@@ -9226,7 +9232,7 @@
               </a:ln>
               <a:extLst>
                 <a:ext uri="{91240B29-F687-4f45-9708-019B960494DF}">
-                  <a14:hiddenLine xmlns:a14="http://schemas.microsoft.com/office/drawing/2010/main" xmlns="" w="9525">
+                  <a14:hiddenLine xmlns="" xmlns:a14="http://schemas.microsoft.com/office/drawing/2010/main" w="9525">
                     <a:solidFill>
                       <a:srgbClr val="000000"/>
                     </a:solidFill>
@@ -9288,7 +9294,7 @@
               </a:ln>
               <a:extLst>
                 <a:ext uri="{91240B29-F687-4f45-9708-019B960494DF}">
-                  <a14:hiddenLine xmlns:a14="http://schemas.microsoft.com/office/drawing/2010/main" xmlns="" w="9525">
+                  <a14:hiddenLine xmlns="" xmlns:a14="http://schemas.microsoft.com/office/drawing/2010/main" w="9525">
                     <a:solidFill>
                       <a:srgbClr val="000000"/>
                     </a:solidFill>
@@ -9378,7 +9384,7 @@
               </a:ln>
               <a:extLst>
                 <a:ext uri="{91240B29-F687-4f45-9708-019B960494DF}">
-                  <a14:hiddenLine xmlns:a14="http://schemas.microsoft.com/office/drawing/2010/main" xmlns="" w="9525">
+                  <a14:hiddenLine xmlns="" xmlns:a14="http://schemas.microsoft.com/office/drawing/2010/main" w="9525">
                     <a:solidFill>
                       <a:srgbClr val="000000"/>
                     </a:solidFill>
@@ -9440,7 +9446,7 @@
               </a:ln>
               <a:extLst>
                 <a:ext uri="{91240B29-F687-4f45-9708-019B960494DF}">
-                  <a14:hiddenLine xmlns:a14="http://schemas.microsoft.com/office/drawing/2010/main" xmlns="" w="9525">
+                  <a14:hiddenLine xmlns="" xmlns:a14="http://schemas.microsoft.com/office/drawing/2010/main" w="9525">
                     <a:solidFill>
                       <a:srgbClr val="000000"/>
                     </a:solidFill>
@@ -9502,7 +9508,7 @@
               </a:ln>
               <a:extLst>
                 <a:ext uri="{91240B29-F687-4f45-9708-019B960494DF}">
-                  <a14:hiddenLine xmlns:a14="http://schemas.microsoft.com/office/drawing/2010/main" xmlns="" w="9525">
+                  <a14:hiddenLine xmlns="" xmlns:a14="http://schemas.microsoft.com/office/drawing/2010/main" w="9525">
                     <a:solidFill>
                       <a:srgbClr val="000000"/>
                     </a:solidFill>
@@ -9592,7 +9598,7 @@
               </a:ln>
               <a:extLst>
                 <a:ext uri="{91240B29-F687-4f45-9708-019B960494DF}">
-                  <a14:hiddenLine xmlns:a14="http://schemas.microsoft.com/office/drawing/2010/main" xmlns="" w="9525">
+                  <a14:hiddenLine xmlns="" xmlns:a14="http://schemas.microsoft.com/office/drawing/2010/main" w="9525">
                     <a:solidFill>
                       <a:srgbClr val="000000"/>
                     </a:solidFill>
@@ -9682,7 +9688,7 @@
               </a:ln>
               <a:extLst>
                 <a:ext uri="{91240B29-F687-4f45-9708-019B960494DF}">
-                  <a14:hiddenLine xmlns:a14="http://schemas.microsoft.com/office/drawing/2010/main" xmlns="" w="9525">
+                  <a14:hiddenLine xmlns="" xmlns:a14="http://schemas.microsoft.com/office/drawing/2010/main" w="9525">
                     <a:solidFill>
                       <a:srgbClr val="000000"/>
                     </a:solidFill>
@@ -9744,7 +9750,7 @@
               </a:ln>
               <a:extLst>
                 <a:ext uri="{91240B29-F687-4f45-9708-019B960494DF}">
-                  <a14:hiddenLine xmlns:a14="http://schemas.microsoft.com/office/drawing/2010/main" xmlns="" w="9525">
+                  <a14:hiddenLine xmlns="" xmlns:a14="http://schemas.microsoft.com/office/drawing/2010/main" w="9525">
                     <a:solidFill>
                       <a:srgbClr val="000000"/>
                     </a:solidFill>
@@ -9854,7 +9860,7 @@
               </a:ln>
               <a:extLst>
                 <a:ext uri="{91240B29-F687-4f45-9708-019B960494DF}">
-                  <a14:hiddenLine xmlns:a14="http://schemas.microsoft.com/office/drawing/2010/main" xmlns="" w="9525">
+                  <a14:hiddenLine xmlns="" xmlns:a14="http://schemas.microsoft.com/office/drawing/2010/main" w="9525">
                     <a:solidFill>
                       <a:srgbClr val="000000"/>
                     </a:solidFill>
@@ -9938,7 +9944,7 @@
               </a:ln>
               <a:extLst>
                 <a:ext uri="{91240B29-F687-4f45-9708-019B960494DF}">
-                  <a14:hiddenLine xmlns:a14="http://schemas.microsoft.com/office/drawing/2010/main" xmlns="" w="9525">
+                  <a14:hiddenLine xmlns="" xmlns:a14="http://schemas.microsoft.com/office/drawing/2010/main" w="9525">
                     <a:solidFill>
                       <a:srgbClr val="000000"/>
                     </a:solidFill>
@@ -10000,7 +10006,7 @@
               </a:ln>
               <a:extLst>
                 <a:ext uri="{91240B29-F687-4f45-9708-019B960494DF}">
-                  <a14:hiddenLine xmlns:a14="http://schemas.microsoft.com/office/drawing/2010/main" xmlns="" w="9525">
+                  <a14:hiddenLine xmlns="" xmlns:a14="http://schemas.microsoft.com/office/drawing/2010/main" w="9525">
                     <a:solidFill>
                       <a:srgbClr val="000000"/>
                     </a:solidFill>
@@ -10062,7 +10068,7 @@
               </a:ln>
               <a:extLst>
                 <a:ext uri="{91240B29-F687-4f45-9708-019B960494DF}">
-                  <a14:hiddenLine xmlns:a14="http://schemas.microsoft.com/office/drawing/2010/main" xmlns="" w="9525">
+                  <a14:hiddenLine xmlns="" xmlns:a14="http://schemas.microsoft.com/office/drawing/2010/main" w="9525">
                     <a:solidFill>
                       <a:srgbClr val="000000"/>
                     </a:solidFill>
@@ -10152,7 +10158,7 @@
               </a:ln>
               <a:extLst>
                 <a:ext uri="{91240B29-F687-4f45-9708-019B960494DF}">
-                  <a14:hiddenLine xmlns:a14="http://schemas.microsoft.com/office/drawing/2010/main" xmlns="" w="9525">
+                  <a14:hiddenLine xmlns="" xmlns:a14="http://schemas.microsoft.com/office/drawing/2010/main" w="9525">
                     <a:solidFill>
                       <a:srgbClr val="000000"/>
                     </a:solidFill>
@@ -10186,7 +10192,7 @@
               </a:ln>
               <a:extLst>
                 <a:ext uri="{91240B29-F687-4f45-9708-019B960494DF}">
-                  <a14:hiddenLine xmlns:a14="http://schemas.microsoft.com/office/drawing/2010/main" xmlns="" w="9525">
+                  <a14:hiddenLine xmlns="" xmlns:a14="http://schemas.microsoft.com/office/drawing/2010/main" w="9525">
                     <a:solidFill>
                       <a:srgbClr val="000000"/>
                     </a:solidFill>
@@ -10251,7 +10257,7 @@
               </a:ln>
               <a:extLst>
                 <a:ext uri="{91240B29-F687-4f45-9708-019B960494DF}">
-                  <a14:hiddenLine xmlns:a14="http://schemas.microsoft.com/office/drawing/2010/main" xmlns="" w="9525">
+                  <a14:hiddenLine xmlns="" xmlns:a14="http://schemas.microsoft.com/office/drawing/2010/main" w="9525">
                     <a:solidFill>
                       <a:srgbClr val="000000"/>
                     </a:solidFill>
@@ -10341,7 +10347,7 @@
               </a:ln>
               <a:extLst>
                 <a:ext uri="{91240B29-F687-4f45-9708-019B960494DF}">
-                  <a14:hiddenLine xmlns:a14="http://schemas.microsoft.com/office/drawing/2010/main" xmlns="" w="9525">
+                  <a14:hiddenLine xmlns="" xmlns:a14="http://schemas.microsoft.com/office/drawing/2010/main" w="9525">
                     <a:solidFill>
                       <a:srgbClr val="000000"/>
                     </a:solidFill>
@@ -10403,7 +10409,7 @@
               </a:ln>
               <a:extLst>
                 <a:ext uri="{91240B29-F687-4f45-9708-019B960494DF}">
-                  <a14:hiddenLine xmlns:a14="http://schemas.microsoft.com/office/drawing/2010/main" xmlns="" w="9525">
+                  <a14:hiddenLine xmlns="" xmlns:a14="http://schemas.microsoft.com/office/drawing/2010/main" w="9525">
                     <a:solidFill>
                       <a:srgbClr val="000000"/>
                     </a:solidFill>
@@ -10493,7 +10499,7 @@
               </a:ln>
               <a:extLst>
                 <a:ext uri="{91240B29-F687-4f45-9708-019B960494DF}">
-                  <a14:hiddenLine xmlns:a14="http://schemas.microsoft.com/office/drawing/2010/main" xmlns="" w="9525">
+                  <a14:hiddenLine xmlns="" xmlns:a14="http://schemas.microsoft.com/office/drawing/2010/main" w="9525">
                     <a:solidFill>
                       <a:srgbClr val="000000"/>
                     </a:solidFill>
@@ -10558,7 +10564,7 @@
               </a:ln>
               <a:extLst>
                 <a:ext uri="{91240B29-F687-4f45-9708-019B960494DF}">
-                  <a14:hiddenLine xmlns:a14="http://schemas.microsoft.com/office/drawing/2010/main" xmlns="" w="9525">
+                  <a14:hiddenLine xmlns="" xmlns:a14="http://schemas.microsoft.com/office/drawing/2010/main" w="9525">
                     <a:solidFill>
                       <a:srgbClr val="000000"/>
                     </a:solidFill>
@@ -10620,7 +10626,7 @@
               </a:ln>
               <a:extLst>
                 <a:ext uri="{91240B29-F687-4f45-9708-019B960494DF}">
-                  <a14:hiddenLine xmlns:a14="http://schemas.microsoft.com/office/drawing/2010/main" xmlns="" w="9525">
+                  <a14:hiddenLine xmlns="" xmlns:a14="http://schemas.microsoft.com/office/drawing/2010/main" w="9525">
                     <a:solidFill>
                       <a:srgbClr val="000000"/>
                     </a:solidFill>
@@ -10710,7 +10716,7 @@
               </a:ln>
               <a:extLst>
                 <a:ext uri="{91240B29-F687-4f45-9708-019B960494DF}">
-                  <a14:hiddenLine xmlns:a14="http://schemas.microsoft.com/office/drawing/2010/main" xmlns="" w="9525">
+                  <a14:hiddenLine xmlns="" xmlns:a14="http://schemas.microsoft.com/office/drawing/2010/main" w="9525">
                     <a:solidFill>
                       <a:srgbClr val="000000"/>
                     </a:solidFill>
@@ -10800,7 +10806,7 @@
               </a:ln>
               <a:extLst>
                 <a:ext uri="{91240B29-F687-4f45-9708-019B960494DF}">
-                  <a14:hiddenLine xmlns:a14="http://schemas.microsoft.com/office/drawing/2010/main" xmlns="" w="9525">
+                  <a14:hiddenLine xmlns="" xmlns:a14="http://schemas.microsoft.com/office/drawing/2010/main" w="9525">
                     <a:solidFill>
                       <a:srgbClr val="000000"/>
                     </a:solidFill>
@@ -10865,7 +10871,7 @@
               </a:ln>
               <a:extLst>
                 <a:ext uri="{91240B29-F687-4f45-9708-019B960494DF}">
-                  <a14:hiddenLine xmlns:a14="http://schemas.microsoft.com/office/drawing/2010/main" xmlns="" w="9525">
+                  <a14:hiddenLine xmlns="" xmlns:a14="http://schemas.microsoft.com/office/drawing/2010/main" w="9525">
                     <a:solidFill>
                       <a:srgbClr val="000000"/>
                     </a:solidFill>
@@ -10985,7 +10991,7 @@
               </a:ln>
               <a:extLst>
                 <a:ext uri="{91240B29-F687-4f45-9708-019B960494DF}">
-                  <a14:hiddenLine xmlns:a14="http://schemas.microsoft.com/office/drawing/2010/main" xmlns="" w="9525">
+                  <a14:hiddenLine xmlns="" xmlns:a14="http://schemas.microsoft.com/office/drawing/2010/main" w="9525">
                     <a:solidFill>
                       <a:srgbClr val="000000"/>
                     </a:solidFill>
@@ -11083,7 +11089,7 @@
               </a:ln>
               <a:extLst>
                 <a:ext uri="{91240B29-F687-4f45-9708-019B960494DF}">
-                  <a14:hiddenLine xmlns:a14="http://schemas.microsoft.com/office/drawing/2010/main" xmlns="" w="9525">
+                  <a14:hiddenLine xmlns="" xmlns:a14="http://schemas.microsoft.com/office/drawing/2010/main" w="9525">
                     <a:solidFill>
                       <a:srgbClr val="000000"/>
                     </a:solidFill>
@@ -11198,7 +11204,7 @@
               </a:ln>
               <a:extLst>
                 <a:ext uri="{91240B29-F687-4f45-9708-019B960494DF}">
-                  <a14:hiddenLine xmlns:a14="http://schemas.microsoft.com/office/drawing/2010/main" xmlns="" w="9525">
+                  <a14:hiddenLine xmlns="" xmlns:a14="http://schemas.microsoft.com/office/drawing/2010/main" w="9525">
                     <a:solidFill>
                       <a:srgbClr val="000000"/>
                     </a:solidFill>
@@ -11288,7 +11294,7 @@
               </a:ln>
               <a:extLst>
                 <a:ext uri="{91240B29-F687-4f45-9708-019B960494DF}">
-                  <a14:hiddenLine xmlns:a14="http://schemas.microsoft.com/office/drawing/2010/main" xmlns="" w="9525">
+                  <a14:hiddenLine xmlns="" xmlns:a14="http://schemas.microsoft.com/office/drawing/2010/main" w="9525">
                     <a:solidFill>
                       <a:srgbClr val="000000"/>
                     </a:solidFill>
@@ -11353,7 +11359,7 @@
               </a:ln>
               <a:extLst>
                 <a:ext uri="{91240B29-F687-4f45-9708-019B960494DF}">
-                  <a14:hiddenLine xmlns:a14="http://schemas.microsoft.com/office/drawing/2010/main" xmlns="" w="9525">
+                  <a14:hiddenLine xmlns="" xmlns:a14="http://schemas.microsoft.com/office/drawing/2010/main" w="9525">
                     <a:solidFill>
                       <a:srgbClr val="000000"/>
                     </a:solidFill>
@@ -11443,7 +11449,7 @@
               </a:ln>
               <a:extLst>
                 <a:ext uri="{91240B29-F687-4f45-9708-019B960494DF}">
-                  <a14:hiddenLine xmlns:a14="http://schemas.microsoft.com/office/drawing/2010/main" xmlns="" w="9525">
+                  <a14:hiddenLine xmlns="" xmlns:a14="http://schemas.microsoft.com/office/drawing/2010/main" w="9525">
                     <a:solidFill>
                       <a:srgbClr val="000000"/>
                     </a:solidFill>
@@ -11511,7 +11517,7 @@
               </a:ln>
               <a:extLst>
                 <a:ext uri="{91240B29-F687-4f45-9708-019B960494DF}">
-                  <a14:hiddenLine xmlns:a14="http://schemas.microsoft.com/office/drawing/2010/main" xmlns="" w="9525">
+                  <a14:hiddenLine xmlns="" xmlns:a14="http://schemas.microsoft.com/office/drawing/2010/main" w="9525">
                     <a:solidFill>
                       <a:srgbClr val="000000"/>
                     </a:solidFill>
@@ -11601,7 +11607,7 @@
               </a:ln>
               <a:extLst>
                 <a:ext uri="{91240B29-F687-4f45-9708-019B960494DF}">
-                  <a14:hiddenLine xmlns:a14="http://schemas.microsoft.com/office/drawing/2010/main" xmlns="" w="9525">
+                  <a14:hiddenLine xmlns="" xmlns:a14="http://schemas.microsoft.com/office/drawing/2010/main" w="9525">
                     <a:solidFill>
                       <a:srgbClr val="000000"/>
                     </a:solidFill>
@@ -11669,7 +11675,7 @@
               </a:ln>
               <a:extLst>
                 <a:ext uri="{91240B29-F687-4f45-9708-019B960494DF}">
-                  <a14:hiddenLine xmlns:a14="http://schemas.microsoft.com/office/drawing/2010/main" xmlns="" w="9525">
+                  <a14:hiddenLine xmlns="" xmlns:a14="http://schemas.microsoft.com/office/drawing/2010/main" w="9525">
                     <a:solidFill>
                       <a:srgbClr val="000000"/>
                     </a:solidFill>
@@ -11759,7 +11765,7 @@
               </a:ln>
               <a:extLst>
                 <a:ext uri="{91240B29-F687-4f45-9708-019B960494DF}">
-                  <a14:hiddenLine xmlns:a14="http://schemas.microsoft.com/office/drawing/2010/main" xmlns="" w="9525">
+                  <a14:hiddenLine xmlns="" xmlns:a14="http://schemas.microsoft.com/office/drawing/2010/main" w="9525">
                     <a:solidFill>
                       <a:srgbClr val="000000"/>
                     </a:solidFill>
@@ -11793,7 +11799,7 @@
               </a:ln>
               <a:extLst>
                 <a:ext uri="{91240B29-F687-4f45-9708-019B960494DF}">
-                  <a14:hiddenLine xmlns:a14="http://schemas.microsoft.com/office/drawing/2010/main" xmlns="" w="9525">
+                  <a14:hiddenLine xmlns="" xmlns:a14="http://schemas.microsoft.com/office/drawing/2010/main" w="9525">
                     <a:solidFill>
                       <a:srgbClr val="000000"/>
                     </a:solidFill>
@@ -12402,10 +12408,286 @@
   <p:clrMapOvr>
     <a:masterClrMapping/>
   </p:clrMapOvr>
+  <p:timing>
+    <p:tnLst>
+      <p:par>
+        <p:cTn id="1" dur="indefinite" restart="never" nodeType="tmRoot"/>
+      </p:par>
+    </p:tnLst>
+  </p:timing>
 </p:sld>
 </file>
 
 <file path=ppt/slides/slide2.xml><?xml version="1.0" encoding="utf-8"?>
+<p:sld xmlns:a="http://schemas.openxmlformats.org/drawingml/2006/main" xmlns:r="http://schemas.openxmlformats.org/officeDocument/2006/relationships" xmlns:p="http://schemas.openxmlformats.org/presentationml/2006/main">
+  <p:cSld>
+    <p:spTree>
+      <p:nvGrpSpPr>
+        <p:cNvPr id="1" name=""/>
+        <p:cNvGrpSpPr/>
+        <p:nvPr/>
+      </p:nvGrpSpPr>
+      <p:grpSpPr>
+        <a:xfrm>
+          <a:off x="0" y="0"/>
+          <a:ext cx="0" cy="0"/>
+          <a:chOff x="0" y="0"/>
+          <a:chExt cx="0" cy="0"/>
+        </a:xfrm>
+      </p:grpSpPr>
+      <p:sp>
+        <p:nvSpPr>
+          <p:cNvPr id="2" name="כותרת 1"/>
+          <p:cNvSpPr>
+            <a:spLocks noGrp="1"/>
+          </p:cNvSpPr>
+          <p:nvPr>
+            <p:ph type="title"/>
+          </p:nvPr>
+        </p:nvSpPr>
+        <p:spPr/>
+        <p:txBody>
+          <a:bodyPr/>
+          <a:lstStyle/>
+          <a:p>
+            <a:r>
+              <a:rPr lang="en-US" dirty="0" smtClean="0"/>
+              <a:t>flex</a:t>
+            </a:r>
+            <a:endParaRPr lang="en-US" dirty="0"/>
+          </a:p>
+        </p:txBody>
+      </p:sp>
+      <p:sp>
+        <p:nvSpPr>
+          <p:cNvPr id="4" name="מלבן 3"/>
+          <p:cNvSpPr/>
+          <p:nvPr/>
+        </p:nvSpPr>
+        <p:spPr>
+          <a:xfrm>
+            <a:off x="1067305" y="2097087"/>
+            <a:ext cx="10053060" cy="1837603"/>
+          </a:xfrm>
+          <a:prstGeom prst="rect">
+            <a:avLst/>
+          </a:prstGeom>
+          <a:noFill/>
+          <a:ln w="28575">
+            <a:solidFill>
+              <a:schemeClr val="bg1">
+                <a:lumMod val="65000"/>
+                <a:lumOff val="35000"/>
+              </a:schemeClr>
+            </a:solidFill>
+          </a:ln>
+        </p:spPr>
+        <p:style>
+          <a:lnRef idx="2">
+            <a:schemeClr val="accent1">
+              <a:shade val="50000"/>
+            </a:schemeClr>
+          </a:lnRef>
+          <a:fillRef idx="1">
+            <a:schemeClr val="accent1"/>
+          </a:fillRef>
+          <a:effectRef idx="0">
+            <a:schemeClr val="accent1"/>
+          </a:effectRef>
+          <a:fontRef idx="minor">
+            <a:schemeClr val="lt1"/>
+          </a:fontRef>
+        </p:style>
+        <p:txBody>
+          <a:bodyPr rtlCol="0" anchor="ctr"/>
+          <a:lstStyle/>
+          <a:p>
+            <a:pPr algn="ctr"/>
+            <a:endParaRPr lang="en-US"/>
+          </a:p>
+        </p:txBody>
+      </p:sp>
+      <p:sp>
+        <p:nvSpPr>
+          <p:cNvPr id="5" name="מלבן 4"/>
+          <p:cNvSpPr/>
+          <p:nvPr/>
+        </p:nvSpPr>
+        <p:spPr>
+          <a:xfrm>
+            <a:off x="1260764" y="2258291"/>
+            <a:ext cx="1801091" cy="1537854"/>
+          </a:xfrm>
+          <a:prstGeom prst="rect">
+            <a:avLst/>
+          </a:prstGeom>
+        </p:spPr>
+        <p:style>
+          <a:lnRef idx="2">
+            <a:schemeClr val="accent1">
+              <a:shade val="50000"/>
+            </a:schemeClr>
+          </a:lnRef>
+          <a:fillRef idx="1">
+            <a:schemeClr val="accent1"/>
+          </a:fillRef>
+          <a:effectRef idx="0">
+            <a:schemeClr val="accent1"/>
+          </a:effectRef>
+          <a:fontRef idx="minor">
+            <a:schemeClr val="lt1"/>
+          </a:fontRef>
+        </p:style>
+        <p:txBody>
+          <a:bodyPr rtlCol="0" anchor="ctr"/>
+          <a:lstStyle/>
+          <a:p>
+            <a:pPr algn="ctr"/>
+            <a:endParaRPr lang="en-US"/>
+          </a:p>
+        </p:txBody>
+      </p:sp>
+      <p:sp>
+        <p:nvSpPr>
+          <p:cNvPr id="6" name="מלבן 5"/>
+          <p:cNvSpPr/>
+          <p:nvPr/>
+        </p:nvSpPr>
+        <p:spPr>
+          <a:xfrm>
+            <a:off x="3181206" y="2246962"/>
+            <a:ext cx="1801091" cy="1537854"/>
+          </a:xfrm>
+          <a:prstGeom prst="rect">
+            <a:avLst/>
+          </a:prstGeom>
+        </p:spPr>
+        <p:style>
+          <a:lnRef idx="2">
+            <a:schemeClr val="accent1">
+              <a:shade val="50000"/>
+            </a:schemeClr>
+          </a:lnRef>
+          <a:fillRef idx="1">
+            <a:schemeClr val="accent1"/>
+          </a:fillRef>
+          <a:effectRef idx="0">
+            <a:schemeClr val="accent1"/>
+          </a:effectRef>
+          <a:fontRef idx="minor">
+            <a:schemeClr val="lt1"/>
+          </a:fontRef>
+        </p:style>
+        <p:txBody>
+          <a:bodyPr rtlCol="0" anchor="ctr"/>
+          <a:lstStyle/>
+          <a:p>
+            <a:pPr algn="ctr"/>
+            <a:endParaRPr lang="en-US"/>
+          </a:p>
+        </p:txBody>
+      </p:sp>
+      <p:sp>
+        <p:nvSpPr>
+          <p:cNvPr id="7" name="מלבן 6"/>
+          <p:cNvSpPr/>
+          <p:nvPr/>
+        </p:nvSpPr>
+        <p:spPr>
+          <a:xfrm>
+            <a:off x="5193290" y="2246962"/>
+            <a:ext cx="1801091" cy="1537854"/>
+          </a:xfrm>
+          <a:prstGeom prst="rect">
+            <a:avLst/>
+          </a:prstGeom>
+        </p:spPr>
+        <p:style>
+          <a:lnRef idx="2">
+            <a:schemeClr val="accent1">
+              <a:shade val="50000"/>
+            </a:schemeClr>
+          </a:lnRef>
+          <a:fillRef idx="1">
+            <a:schemeClr val="accent1"/>
+          </a:fillRef>
+          <a:effectRef idx="0">
+            <a:schemeClr val="accent1"/>
+          </a:effectRef>
+          <a:fontRef idx="minor">
+            <a:schemeClr val="lt1"/>
+          </a:fontRef>
+        </p:style>
+        <p:txBody>
+          <a:bodyPr rtlCol="0" anchor="ctr"/>
+          <a:lstStyle/>
+          <a:p>
+            <a:pPr algn="ctr"/>
+            <a:endParaRPr lang="en-US"/>
+          </a:p>
+        </p:txBody>
+      </p:sp>
+      <p:sp>
+        <p:nvSpPr>
+          <p:cNvPr id="8" name="מלבן 7"/>
+          <p:cNvSpPr/>
+          <p:nvPr/>
+        </p:nvSpPr>
+        <p:spPr>
+          <a:xfrm>
+            <a:off x="7203209" y="2275934"/>
+            <a:ext cx="1801091" cy="1537854"/>
+          </a:xfrm>
+          <a:prstGeom prst="rect">
+            <a:avLst/>
+          </a:prstGeom>
+        </p:spPr>
+        <p:style>
+          <a:lnRef idx="2">
+            <a:schemeClr val="accent1">
+              <a:shade val="50000"/>
+            </a:schemeClr>
+          </a:lnRef>
+          <a:fillRef idx="1">
+            <a:schemeClr val="accent1"/>
+          </a:fillRef>
+          <a:effectRef idx="0">
+            <a:schemeClr val="accent1"/>
+          </a:effectRef>
+          <a:fontRef idx="minor">
+            <a:schemeClr val="lt1"/>
+          </a:fontRef>
+        </p:style>
+        <p:txBody>
+          <a:bodyPr rtlCol="0" anchor="ctr"/>
+          <a:lstStyle/>
+          <a:p>
+            <a:pPr algn="ctr"/>
+            <a:endParaRPr lang="en-US"/>
+          </a:p>
+        </p:txBody>
+      </p:sp>
+    </p:spTree>
+    <p:extLst>
+      <p:ext uri="{BB962C8B-B14F-4D97-AF65-F5344CB8AC3E}">
+        <p14:creationId xmlns:p14="http://schemas.microsoft.com/office/powerpoint/2010/main" val="4086339335"/>
+      </p:ext>
+    </p:extLst>
+  </p:cSld>
+  <p:clrMapOvr>
+    <a:masterClrMapping/>
+  </p:clrMapOvr>
+  <p:timing>
+    <p:tnLst>
+      <p:par>
+        <p:cTn id="1" dur="indefinite" restart="never" nodeType="tmRoot"/>
+      </p:par>
+    </p:tnLst>
+  </p:timing>
+</p:sld>
+</file>
+
+<file path=ppt/slides/slide3.xml><?xml version="1.0" encoding="utf-8"?>
 <p:sld xmlns:a="http://schemas.openxmlformats.org/drawingml/2006/main" xmlns:r="http://schemas.openxmlformats.org/officeDocument/2006/relationships" xmlns:p="http://schemas.openxmlformats.org/presentationml/2006/main">
   <p:cSld>
     <p:spTree>
@@ -12539,10 +12821,17 @@
   <p:clrMapOvr>
     <a:masterClrMapping/>
   </p:clrMapOvr>
+  <p:timing>
+    <p:tnLst>
+      <p:par>
+        <p:cTn id="1" dur="indefinite" restart="never" nodeType="tmRoot"/>
+      </p:par>
+    </p:tnLst>
+  </p:timing>
 </p:sld>
 </file>
 
-<file path=ppt/slides/slide3.xml><?xml version="1.0" encoding="utf-8"?>
+<file path=ppt/slides/slide4.xml><?xml version="1.0" encoding="utf-8"?>
 <p:sld xmlns:a="http://schemas.openxmlformats.org/drawingml/2006/main" xmlns:r="http://schemas.openxmlformats.org/officeDocument/2006/relationships" xmlns:p="http://schemas.openxmlformats.org/presentationml/2006/main">
   <p:cSld>
     <p:spTree>
@@ -12715,10 +13004,17 @@
   <p:clrMapOvr>
     <a:masterClrMapping/>
   </p:clrMapOvr>
+  <p:timing>
+    <p:tnLst>
+      <p:par>
+        <p:cTn id="1" dur="indefinite" restart="never" nodeType="tmRoot"/>
+      </p:par>
+    </p:tnLst>
+  </p:timing>
 </p:sld>
 </file>
 
-<file path=ppt/slides/slide4.xml><?xml version="1.0" encoding="utf-8"?>
+<file path=ppt/slides/slide5.xml><?xml version="1.0" encoding="utf-8"?>
 <p:sld xmlns:a="http://schemas.openxmlformats.org/drawingml/2006/main" xmlns:r="http://schemas.openxmlformats.org/officeDocument/2006/relationships" xmlns:p="http://schemas.openxmlformats.org/presentationml/2006/main">
   <p:cSld>
     <p:spTree>
@@ -12947,10 +13243,17 @@
   <p:clrMapOvr>
     <a:masterClrMapping/>
   </p:clrMapOvr>
+  <p:timing>
+    <p:tnLst>
+      <p:par>
+        <p:cTn id="1" dur="indefinite" restart="never" nodeType="tmRoot"/>
+      </p:par>
+    </p:tnLst>
+  </p:timing>
 </p:sld>
 </file>
 
-<file path=ppt/slides/slide5.xml><?xml version="1.0" encoding="utf-8"?>
+<file path=ppt/slides/slide6.xml><?xml version="1.0" encoding="utf-8"?>
 <p:sld xmlns:a="http://schemas.openxmlformats.org/drawingml/2006/main" xmlns:r="http://schemas.openxmlformats.org/officeDocument/2006/relationships" xmlns:p="http://schemas.openxmlformats.org/presentationml/2006/main">
   <p:cSld>
     <p:spTree>
@@ -13137,10 +13440,17 @@
   <p:clrMapOvr>
     <a:masterClrMapping/>
   </p:clrMapOvr>
+  <p:timing>
+    <p:tnLst>
+      <p:par>
+        <p:cTn id="1" dur="indefinite" restart="never" nodeType="tmRoot"/>
+      </p:par>
+    </p:tnLst>
+  </p:timing>
 </p:sld>
 </file>
 
-<file path=ppt/slides/slide6.xml><?xml version="1.0" encoding="utf-8"?>
+<file path=ppt/slides/slide7.xml><?xml version="1.0" encoding="utf-8"?>
 <p:sld xmlns:a="http://schemas.openxmlformats.org/drawingml/2006/main" xmlns:r="http://schemas.openxmlformats.org/officeDocument/2006/relationships" xmlns:p="http://schemas.openxmlformats.org/presentationml/2006/main">
   <p:cSld>
     <p:spTree>
@@ -13327,10 +13637,17 @@
   <p:clrMapOvr>
     <a:masterClrMapping/>
   </p:clrMapOvr>
+  <p:timing>
+    <p:tnLst>
+      <p:par>
+        <p:cTn id="1" dur="indefinite" restart="never" nodeType="tmRoot"/>
+      </p:par>
+    </p:tnLst>
+  </p:timing>
 </p:sld>
 </file>
 
-<file path=ppt/slides/slide7.xml><?xml version="1.0" encoding="utf-8"?>
+<file path=ppt/slides/slide8.xml><?xml version="1.0" encoding="utf-8"?>
 <p:sld xmlns:a="http://schemas.openxmlformats.org/drawingml/2006/main" xmlns:r="http://schemas.openxmlformats.org/officeDocument/2006/relationships" xmlns:p="http://schemas.openxmlformats.org/presentationml/2006/main">
   <p:cSld>
     <p:spTree>
@@ -13521,10 +13838,17 @@
   <p:clrMapOvr>
     <a:masterClrMapping/>
   </p:clrMapOvr>
+  <p:timing>
+    <p:tnLst>
+      <p:par>
+        <p:cTn id="1" dur="indefinite" restart="never" nodeType="tmRoot"/>
+      </p:par>
+    </p:tnLst>
+  </p:timing>
 </p:sld>
 </file>
 
-<file path=ppt/slides/slide8.xml><?xml version="1.0" encoding="utf-8"?>
+<file path=ppt/slides/slide9.xml><?xml version="1.0" encoding="utf-8"?>
 <p:sld xmlns:a="http://schemas.openxmlformats.org/drawingml/2006/main" xmlns:r="http://schemas.openxmlformats.org/officeDocument/2006/relationships" xmlns:p="http://schemas.openxmlformats.org/presentationml/2006/main">
   <p:cSld>
     <p:spTree>
@@ -13712,6 +14036,13 @@
   <p:clrMapOvr>
     <a:masterClrMapping/>
   </p:clrMapOvr>
+  <p:timing>
+    <p:tnLst>
+      <p:par>
+        <p:cTn id="1" dur="indefinite" restart="never" nodeType="tmRoot"/>
+      </p:par>
+    </p:tnLst>
+  </p:timing>
 </p:sld>
 </file>
 

--- a/01-HTML-CSS/05-grid/CSS Grid.pptx
+++ b/01-HTML-CSS/05-grid/CSS Grid.pptx
@@ -170,7 +170,7 @@
           <a:noFill/>
           <a:extLst>
             <a:ext uri="{909E8E84-426E-40dd-AFC4-6F175D3DCCD1}">
-              <a14:hiddenFill xmlns="" xmlns:a14="http://schemas.microsoft.com/office/drawing/2010/main">
+              <a14:hiddenFill xmlns:a14="http://schemas.microsoft.com/office/drawing/2010/main" xmlns="">
                 <a:solidFill>
                   <a:srgbClr val="FFFFFF"/>
                 </a:solidFill>
@@ -230,7 +230,7 @@
             </a:ln>
             <a:extLst>
               <a:ext uri="{91240B29-F687-4f45-9708-019B960494DF}">
-                <a14:hiddenLine xmlns="" xmlns:a14="http://schemas.microsoft.com/office/drawing/2010/main" w="9525">
+                <a14:hiddenLine xmlns:a14="http://schemas.microsoft.com/office/drawing/2010/main" xmlns="" w="9525">
                   <a:solidFill>
                     <a:srgbClr val="000000"/>
                   </a:solidFill>
@@ -320,7 +320,7 @@
             </a:ln>
             <a:extLst>
               <a:ext uri="{91240B29-F687-4f45-9708-019B960494DF}">
-                <a14:hiddenLine xmlns="" xmlns:a14="http://schemas.microsoft.com/office/drawing/2010/main" w="9525">
+                <a14:hiddenLine xmlns:a14="http://schemas.microsoft.com/office/drawing/2010/main" xmlns="" w="9525">
                   <a:solidFill>
                     <a:srgbClr val="000000"/>
                   </a:solidFill>
@@ -410,7 +410,7 @@
             </a:ln>
             <a:extLst>
               <a:ext uri="{91240B29-F687-4f45-9708-019B960494DF}">
-                <a14:hiddenLine xmlns="" xmlns:a14="http://schemas.microsoft.com/office/drawing/2010/main" w="9525">
+                <a14:hiddenLine xmlns:a14="http://schemas.microsoft.com/office/drawing/2010/main" xmlns="" w="9525">
                   <a:solidFill>
                     <a:srgbClr val="000000"/>
                   </a:solidFill>
@@ -444,7 +444,7 @@
             </a:ln>
             <a:extLst>
               <a:ext uri="{91240B29-F687-4f45-9708-019B960494DF}">
-                <a14:hiddenLine xmlns="" xmlns:a14="http://schemas.microsoft.com/office/drawing/2010/main" w="9525">
+                <a14:hiddenLine xmlns:a14="http://schemas.microsoft.com/office/drawing/2010/main" xmlns="" w="9525">
                   <a:solidFill>
                     <a:srgbClr val="000000"/>
                   </a:solidFill>
@@ -534,7 +534,7 @@
             </a:ln>
             <a:extLst>
               <a:ext uri="{91240B29-F687-4f45-9708-019B960494DF}">
-                <a14:hiddenLine xmlns="" xmlns:a14="http://schemas.microsoft.com/office/drawing/2010/main" w="9525">
+                <a14:hiddenLine xmlns:a14="http://schemas.microsoft.com/office/drawing/2010/main" xmlns="" w="9525">
                   <a:solidFill>
                     <a:srgbClr val="000000"/>
                   </a:solidFill>
@@ -596,7 +596,7 @@
             </a:ln>
             <a:extLst>
               <a:ext uri="{91240B29-F687-4f45-9708-019B960494DF}">
-                <a14:hiddenLine xmlns="" xmlns:a14="http://schemas.microsoft.com/office/drawing/2010/main" w="9525">
+                <a14:hiddenLine xmlns:a14="http://schemas.microsoft.com/office/drawing/2010/main" xmlns="" w="9525">
                   <a:solidFill>
                     <a:srgbClr val="000000"/>
                   </a:solidFill>
@@ -658,7 +658,7 @@
             </a:ln>
             <a:extLst>
               <a:ext uri="{91240B29-F687-4f45-9708-019B960494DF}">
-                <a14:hiddenLine xmlns="" xmlns:a14="http://schemas.microsoft.com/office/drawing/2010/main" w="9525">
+                <a14:hiddenLine xmlns:a14="http://schemas.microsoft.com/office/drawing/2010/main" xmlns="" w="9525">
                   <a:solidFill>
                     <a:srgbClr val="000000"/>
                   </a:solidFill>
@@ -748,7 +748,7 @@
             </a:ln>
             <a:extLst>
               <a:ext uri="{91240B29-F687-4f45-9708-019B960494DF}">
-                <a14:hiddenLine xmlns="" xmlns:a14="http://schemas.microsoft.com/office/drawing/2010/main" w="9525">
+                <a14:hiddenLine xmlns:a14="http://schemas.microsoft.com/office/drawing/2010/main" xmlns="" w="9525">
                   <a:solidFill>
                     <a:srgbClr val="000000"/>
                   </a:solidFill>
@@ -810,7 +810,7 @@
             </a:ln>
             <a:extLst>
               <a:ext uri="{91240B29-F687-4f45-9708-019B960494DF}">
-                <a14:hiddenLine xmlns="" xmlns:a14="http://schemas.microsoft.com/office/drawing/2010/main" w="9525">
+                <a14:hiddenLine xmlns:a14="http://schemas.microsoft.com/office/drawing/2010/main" xmlns="" w="9525">
                   <a:solidFill>
                     <a:srgbClr val="000000"/>
                   </a:solidFill>
@@ -872,7 +872,7 @@
             </a:ln>
             <a:extLst>
               <a:ext uri="{91240B29-F687-4f45-9708-019B960494DF}">
-                <a14:hiddenLine xmlns="" xmlns:a14="http://schemas.microsoft.com/office/drawing/2010/main" w="9525">
+                <a14:hiddenLine xmlns:a14="http://schemas.microsoft.com/office/drawing/2010/main" xmlns="" w="9525">
                   <a:solidFill>
                     <a:srgbClr val="000000"/>
                   </a:solidFill>
@@ -962,7 +962,7 @@
             </a:ln>
             <a:extLst>
               <a:ext uri="{91240B29-F687-4f45-9708-019B960494DF}">
-                <a14:hiddenLine xmlns="" xmlns:a14="http://schemas.microsoft.com/office/drawing/2010/main" w="9525">
+                <a14:hiddenLine xmlns:a14="http://schemas.microsoft.com/office/drawing/2010/main" xmlns="" w="9525">
                   <a:solidFill>
                     <a:srgbClr val="000000"/>
                   </a:solidFill>
@@ -1052,7 +1052,7 @@
             </a:ln>
             <a:extLst>
               <a:ext uri="{91240B29-F687-4f45-9708-019B960494DF}">
-                <a14:hiddenLine xmlns="" xmlns:a14="http://schemas.microsoft.com/office/drawing/2010/main" w="9525">
+                <a14:hiddenLine xmlns:a14="http://schemas.microsoft.com/office/drawing/2010/main" xmlns="" w="9525">
                   <a:solidFill>
                     <a:srgbClr val="000000"/>
                   </a:solidFill>
@@ -1114,7 +1114,7 @@
             </a:ln>
             <a:extLst>
               <a:ext uri="{91240B29-F687-4f45-9708-019B960494DF}">
-                <a14:hiddenLine xmlns="" xmlns:a14="http://schemas.microsoft.com/office/drawing/2010/main" w="9525">
+                <a14:hiddenLine xmlns:a14="http://schemas.microsoft.com/office/drawing/2010/main" xmlns="" w="9525">
                   <a:solidFill>
                     <a:srgbClr val="000000"/>
                   </a:solidFill>
@@ -1224,7 +1224,7 @@
             </a:ln>
             <a:extLst>
               <a:ext uri="{91240B29-F687-4f45-9708-019B960494DF}">
-                <a14:hiddenLine xmlns="" xmlns:a14="http://schemas.microsoft.com/office/drawing/2010/main" w="9525">
+                <a14:hiddenLine xmlns:a14="http://schemas.microsoft.com/office/drawing/2010/main" xmlns="" w="9525">
                   <a:solidFill>
                     <a:srgbClr val="000000"/>
                   </a:solidFill>
@@ -1286,7 +1286,7 @@
             </a:ln>
             <a:extLst>
               <a:ext uri="{91240B29-F687-4f45-9708-019B960494DF}">
-                <a14:hiddenLine xmlns="" xmlns:a14="http://schemas.microsoft.com/office/drawing/2010/main" w="9525">
+                <a14:hiddenLine xmlns:a14="http://schemas.microsoft.com/office/drawing/2010/main" xmlns="" w="9525">
                   <a:solidFill>
                     <a:srgbClr val="000000"/>
                   </a:solidFill>
@@ -1376,7 +1376,7 @@
             </a:ln>
             <a:extLst>
               <a:ext uri="{91240B29-F687-4f45-9708-019B960494DF}">
-                <a14:hiddenLine xmlns="" xmlns:a14="http://schemas.microsoft.com/office/drawing/2010/main" w="9525">
+                <a14:hiddenLine xmlns:a14="http://schemas.microsoft.com/office/drawing/2010/main" xmlns="" w="9525">
                   <a:solidFill>
                     <a:srgbClr val="000000"/>
                   </a:solidFill>
@@ -1466,7 +1466,7 @@
             </a:ln>
             <a:extLst>
               <a:ext uri="{91240B29-F687-4f45-9708-019B960494DF}">
-                <a14:hiddenLine xmlns="" xmlns:a14="http://schemas.microsoft.com/office/drawing/2010/main" w="9525">
+                <a14:hiddenLine xmlns:a14="http://schemas.microsoft.com/office/drawing/2010/main" xmlns="" w="9525">
                   <a:solidFill>
                     <a:srgbClr val="000000"/>
                   </a:solidFill>
@@ -1528,7 +1528,7 @@
             </a:ln>
             <a:extLst>
               <a:ext uri="{91240B29-F687-4f45-9708-019B960494DF}">
-                <a14:hiddenLine xmlns="" xmlns:a14="http://schemas.microsoft.com/office/drawing/2010/main" w="9525">
+                <a14:hiddenLine xmlns:a14="http://schemas.microsoft.com/office/drawing/2010/main" xmlns="" w="9525">
                   <a:solidFill>
                     <a:srgbClr val="000000"/>
                   </a:solidFill>
@@ -1618,7 +1618,7 @@
             </a:ln>
             <a:extLst>
               <a:ext uri="{91240B29-F687-4f45-9708-019B960494DF}">
-                <a14:hiddenLine xmlns="" xmlns:a14="http://schemas.microsoft.com/office/drawing/2010/main" w="9525">
+                <a14:hiddenLine xmlns:a14="http://schemas.microsoft.com/office/drawing/2010/main" xmlns="" w="9525">
                   <a:solidFill>
                     <a:srgbClr val="000000"/>
                   </a:solidFill>
@@ -1708,7 +1708,7 @@
             </a:ln>
             <a:extLst>
               <a:ext uri="{91240B29-F687-4f45-9708-019B960494DF}">
-                <a14:hiddenLine xmlns="" xmlns:a14="http://schemas.microsoft.com/office/drawing/2010/main" w="9525">
+                <a14:hiddenLine xmlns:a14="http://schemas.microsoft.com/office/drawing/2010/main" xmlns="" w="9525">
                   <a:solidFill>
                     <a:srgbClr val="000000"/>
                   </a:solidFill>
@@ -1764,7 +1764,7 @@
             </a:ln>
             <a:extLst>
               <a:ext uri="{91240B29-F687-4f45-9708-019B960494DF}">
-                <a14:hiddenLine xmlns="" xmlns:a14="http://schemas.microsoft.com/office/drawing/2010/main" w="9525">
+                <a14:hiddenLine xmlns:a14="http://schemas.microsoft.com/office/drawing/2010/main" xmlns="" w="9525">
                   <a:solidFill>
                     <a:srgbClr val="000000"/>
                   </a:solidFill>
@@ -1854,7 +1854,7 @@
             </a:ln>
             <a:extLst>
               <a:ext uri="{91240B29-F687-4f45-9708-019B960494DF}">
-                <a14:hiddenLine xmlns="" xmlns:a14="http://schemas.microsoft.com/office/drawing/2010/main" w="9525">
+                <a14:hiddenLine xmlns:a14="http://schemas.microsoft.com/office/drawing/2010/main" xmlns="" w="9525">
                   <a:solidFill>
                     <a:srgbClr val="000000"/>
                   </a:solidFill>
@@ -1910,7 +1910,7 @@
             </a:ln>
             <a:extLst>
               <a:ext uri="{91240B29-F687-4f45-9708-019B960494DF}">
-                <a14:hiddenLine xmlns="" xmlns:a14="http://schemas.microsoft.com/office/drawing/2010/main" w="9525">
+                <a14:hiddenLine xmlns:a14="http://schemas.microsoft.com/office/drawing/2010/main" xmlns="" w="9525">
                   <a:solidFill>
                     <a:srgbClr val="000000"/>
                   </a:solidFill>
@@ -2000,7 +2000,7 @@
             </a:ln>
             <a:extLst>
               <a:ext uri="{91240B29-F687-4f45-9708-019B960494DF}">
-                <a14:hiddenLine xmlns="" xmlns:a14="http://schemas.microsoft.com/office/drawing/2010/main" w="9525">
+                <a14:hiddenLine xmlns:a14="http://schemas.microsoft.com/office/drawing/2010/main" xmlns="" w="9525">
                   <a:solidFill>
                     <a:srgbClr val="000000"/>
                   </a:solidFill>
@@ -2068,7 +2068,7 @@
             </a:ln>
             <a:extLst>
               <a:ext uri="{91240B29-F687-4f45-9708-019B960494DF}">
-                <a14:hiddenLine xmlns="" xmlns:a14="http://schemas.microsoft.com/office/drawing/2010/main" w="9525">
+                <a14:hiddenLine xmlns:a14="http://schemas.microsoft.com/office/drawing/2010/main" xmlns="" w="9525">
                   <a:solidFill>
                     <a:srgbClr val="000000"/>
                   </a:solidFill>
@@ -2158,7 +2158,7 @@
             </a:ln>
             <a:extLst>
               <a:ext uri="{91240B29-F687-4f45-9708-019B960494DF}">
-                <a14:hiddenLine xmlns="" xmlns:a14="http://schemas.microsoft.com/office/drawing/2010/main" w="9525">
+                <a14:hiddenLine xmlns:a14="http://schemas.microsoft.com/office/drawing/2010/main" xmlns="" w="9525">
                   <a:solidFill>
                     <a:srgbClr val="000000"/>
                   </a:solidFill>
@@ -2226,7 +2226,7 @@
             </a:ln>
             <a:extLst>
               <a:ext uri="{91240B29-F687-4f45-9708-019B960494DF}">
-                <a14:hiddenLine xmlns="" xmlns:a14="http://schemas.microsoft.com/office/drawing/2010/main" w="9525">
+                <a14:hiddenLine xmlns:a14="http://schemas.microsoft.com/office/drawing/2010/main" xmlns="" w="9525">
                   <a:solidFill>
                     <a:srgbClr val="000000"/>
                   </a:solidFill>
@@ -2316,7 +2316,7 @@
             </a:ln>
             <a:extLst>
               <a:ext uri="{91240B29-F687-4f45-9708-019B960494DF}">
-                <a14:hiddenLine xmlns="" xmlns:a14="http://schemas.microsoft.com/office/drawing/2010/main" w="9525">
+                <a14:hiddenLine xmlns:a14="http://schemas.microsoft.com/office/drawing/2010/main" xmlns="" w="9525">
                   <a:solidFill>
                     <a:srgbClr val="000000"/>
                   </a:solidFill>
@@ -2350,7 +2350,7 @@
             </a:ln>
             <a:extLst>
               <a:ext uri="{91240B29-F687-4f45-9708-019B960494DF}">
-                <a14:hiddenLine xmlns="" xmlns:a14="http://schemas.microsoft.com/office/drawing/2010/main" w="9525">
+                <a14:hiddenLine xmlns:a14="http://schemas.microsoft.com/office/drawing/2010/main" xmlns="" w="9525">
                   <a:solidFill>
                     <a:srgbClr val="000000"/>
                   </a:solidFill>
@@ -2440,7 +2440,7 @@
             </a:ln>
             <a:extLst>
               <a:ext uri="{91240B29-F687-4f45-9708-019B960494DF}">
-                <a14:hiddenLine xmlns="" xmlns:a14="http://schemas.microsoft.com/office/drawing/2010/main" w="9525">
+                <a14:hiddenLine xmlns:a14="http://schemas.microsoft.com/office/drawing/2010/main" xmlns="" w="9525">
                   <a:solidFill>
                     <a:srgbClr val="000000"/>
                   </a:solidFill>
@@ -2502,7 +2502,7 @@
             </a:ln>
             <a:extLst>
               <a:ext uri="{91240B29-F687-4f45-9708-019B960494DF}">
-                <a14:hiddenLine xmlns="" xmlns:a14="http://schemas.microsoft.com/office/drawing/2010/main" w="9525">
+                <a14:hiddenLine xmlns:a14="http://schemas.microsoft.com/office/drawing/2010/main" xmlns="" w="9525">
                   <a:solidFill>
                     <a:srgbClr val="000000"/>
                   </a:solidFill>
@@ -2564,7 +2564,7 @@
             </a:ln>
             <a:extLst>
               <a:ext uri="{91240B29-F687-4f45-9708-019B960494DF}">
-                <a14:hiddenLine xmlns="" xmlns:a14="http://schemas.microsoft.com/office/drawing/2010/main" w="9525">
+                <a14:hiddenLine xmlns:a14="http://schemas.microsoft.com/office/drawing/2010/main" xmlns="" w="9525">
                   <a:solidFill>
                     <a:srgbClr val="000000"/>
                   </a:solidFill>
@@ -2654,7 +2654,7 @@
             </a:ln>
             <a:extLst>
               <a:ext uri="{91240B29-F687-4f45-9708-019B960494DF}">
-                <a14:hiddenLine xmlns="" xmlns:a14="http://schemas.microsoft.com/office/drawing/2010/main" w="9525">
+                <a14:hiddenLine xmlns:a14="http://schemas.microsoft.com/office/drawing/2010/main" xmlns="" w="9525">
                   <a:solidFill>
                     <a:srgbClr val="000000"/>
                   </a:solidFill>
@@ -2722,7 +2722,7 @@
             </a:ln>
             <a:extLst>
               <a:ext uri="{91240B29-F687-4f45-9708-019B960494DF}">
-                <a14:hiddenLine xmlns="" xmlns:a14="http://schemas.microsoft.com/office/drawing/2010/main" w="9525">
+                <a14:hiddenLine xmlns:a14="http://schemas.microsoft.com/office/drawing/2010/main" xmlns="" w="9525">
                   <a:solidFill>
                     <a:srgbClr val="000000"/>
                   </a:solidFill>
@@ -2784,7 +2784,7 @@
             </a:ln>
             <a:extLst>
               <a:ext uri="{91240B29-F687-4f45-9708-019B960494DF}">
-                <a14:hiddenLine xmlns="" xmlns:a14="http://schemas.microsoft.com/office/drawing/2010/main" w="9525">
+                <a14:hiddenLine xmlns:a14="http://schemas.microsoft.com/office/drawing/2010/main" xmlns="" w="9525">
                   <a:solidFill>
                     <a:srgbClr val="000000"/>
                   </a:solidFill>
@@ -2874,7 +2874,7 @@
             </a:ln>
             <a:extLst>
               <a:ext uri="{91240B29-F687-4f45-9708-019B960494DF}">
-                <a14:hiddenLine xmlns="" xmlns:a14="http://schemas.microsoft.com/office/drawing/2010/main" w="9525">
+                <a14:hiddenLine xmlns:a14="http://schemas.microsoft.com/office/drawing/2010/main" xmlns="" w="9525">
                   <a:solidFill>
                     <a:srgbClr val="000000"/>
                   </a:solidFill>
@@ -2936,7 +2936,7 @@
             </a:ln>
             <a:extLst>
               <a:ext uri="{91240B29-F687-4f45-9708-019B960494DF}">
-                <a14:hiddenLine xmlns="" xmlns:a14="http://schemas.microsoft.com/office/drawing/2010/main" w="9525">
+                <a14:hiddenLine xmlns:a14="http://schemas.microsoft.com/office/drawing/2010/main" xmlns="" w="9525">
                   <a:solidFill>
                     <a:srgbClr val="000000"/>
                   </a:solidFill>
@@ -3026,7 +3026,7 @@
             </a:ln>
             <a:extLst>
               <a:ext uri="{91240B29-F687-4f45-9708-019B960494DF}">
-                <a14:hiddenLine xmlns="" xmlns:a14="http://schemas.microsoft.com/office/drawing/2010/main" w="9525">
+                <a14:hiddenLine xmlns:a14="http://schemas.microsoft.com/office/drawing/2010/main" xmlns="" w="9525">
                   <a:solidFill>
                     <a:srgbClr val="000000"/>
                   </a:solidFill>
@@ -3088,7 +3088,7 @@
             </a:ln>
             <a:extLst>
               <a:ext uri="{91240B29-F687-4f45-9708-019B960494DF}">
-                <a14:hiddenLine xmlns="" xmlns:a14="http://schemas.microsoft.com/office/drawing/2010/main" w="9525">
+                <a14:hiddenLine xmlns:a14="http://schemas.microsoft.com/office/drawing/2010/main" xmlns="" w="9525">
                   <a:solidFill>
                     <a:srgbClr val="000000"/>
                   </a:solidFill>
@@ -3178,7 +3178,7 @@
             </a:ln>
             <a:extLst>
               <a:ext uri="{91240B29-F687-4f45-9708-019B960494DF}">
-                <a14:hiddenLine xmlns="" xmlns:a14="http://schemas.microsoft.com/office/drawing/2010/main" w="9525">
+                <a14:hiddenLine xmlns:a14="http://schemas.microsoft.com/office/drawing/2010/main" xmlns="" w="9525">
                   <a:solidFill>
                     <a:srgbClr val="000000"/>
                   </a:solidFill>
@@ -3212,7 +3212,7 @@
             </a:ln>
             <a:extLst>
               <a:ext uri="{91240B29-F687-4f45-9708-019B960494DF}">
-                <a14:hiddenLine xmlns="" xmlns:a14="http://schemas.microsoft.com/office/drawing/2010/main" w="9525">
+                <a14:hiddenLine xmlns:a14="http://schemas.microsoft.com/office/drawing/2010/main" xmlns="" w="9525">
                   <a:solidFill>
                     <a:srgbClr val="000000"/>
                   </a:solidFill>
@@ -3277,7 +3277,7 @@
             </a:ln>
             <a:extLst>
               <a:ext uri="{91240B29-F687-4f45-9708-019B960494DF}">
-                <a14:hiddenLine xmlns="" xmlns:a14="http://schemas.microsoft.com/office/drawing/2010/main" w="9525">
+                <a14:hiddenLine xmlns:a14="http://schemas.microsoft.com/office/drawing/2010/main" xmlns="" w="9525">
                   <a:solidFill>
                     <a:srgbClr val="000000"/>
                   </a:solidFill>
@@ -3367,7 +3367,7 @@
             </a:ln>
             <a:extLst>
               <a:ext uri="{91240B29-F687-4f45-9708-019B960494DF}">
-                <a14:hiddenLine xmlns="" xmlns:a14="http://schemas.microsoft.com/office/drawing/2010/main" w="9525">
+                <a14:hiddenLine xmlns:a14="http://schemas.microsoft.com/office/drawing/2010/main" xmlns="" w="9525">
                   <a:solidFill>
                     <a:srgbClr val="000000"/>
                   </a:solidFill>
@@ -3429,7 +3429,7 @@
             </a:ln>
             <a:extLst>
               <a:ext uri="{91240B29-F687-4f45-9708-019B960494DF}">
-                <a14:hiddenLine xmlns="" xmlns:a14="http://schemas.microsoft.com/office/drawing/2010/main" w="9525">
+                <a14:hiddenLine xmlns:a14="http://schemas.microsoft.com/office/drawing/2010/main" xmlns="" w="9525">
                   <a:solidFill>
                     <a:srgbClr val="000000"/>
                   </a:solidFill>
@@ -3519,7 +3519,7 @@
             </a:ln>
             <a:extLst>
               <a:ext uri="{91240B29-F687-4f45-9708-019B960494DF}">
-                <a14:hiddenLine xmlns="" xmlns:a14="http://schemas.microsoft.com/office/drawing/2010/main" w="9525">
+                <a14:hiddenLine xmlns:a14="http://schemas.microsoft.com/office/drawing/2010/main" xmlns="" w="9525">
                   <a:solidFill>
                     <a:srgbClr val="000000"/>
                   </a:solidFill>
@@ -3609,7 +3609,7 @@
             </a:ln>
             <a:extLst>
               <a:ext uri="{91240B29-F687-4f45-9708-019B960494DF}">
-                <a14:hiddenLine xmlns="" xmlns:a14="http://schemas.microsoft.com/office/drawing/2010/main" w="9525">
+                <a14:hiddenLine xmlns:a14="http://schemas.microsoft.com/office/drawing/2010/main" xmlns="" w="9525">
                   <a:solidFill>
                     <a:srgbClr val="000000"/>
                   </a:solidFill>
@@ -3674,7 +3674,7 @@
             </a:ln>
             <a:extLst>
               <a:ext uri="{91240B29-F687-4f45-9708-019B960494DF}">
-                <a14:hiddenLine xmlns="" xmlns:a14="http://schemas.microsoft.com/office/drawing/2010/main" w="9525">
+                <a14:hiddenLine xmlns:a14="http://schemas.microsoft.com/office/drawing/2010/main" xmlns="" w="9525">
                   <a:solidFill>
                     <a:srgbClr val="000000"/>
                   </a:solidFill>
@@ -3736,7 +3736,7 @@
             </a:ln>
             <a:extLst>
               <a:ext uri="{91240B29-F687-4f45-9708-019B960494DF}">
-                <a14:hiddenLine xmlns="" xmlns:a14="http://schemas.microsoft.com/office/drawing/2010/main" w="9525">
+                <a14:hiddenLine xmlns:a14="http://schemas.microsoft.com/office/drawing/2010/main" xmlns="" w="9525">
                   <a:solidFill>
                     <a:srgbClr val="000000"/>
                   </a:solidFill>
@@ -3826,7 +3826,7 @@
             </a:ln>
             <a:extLst>
               <a:ext uri="{91240B29-F687-4f45-9708-019B960494DF}">
-                <a14:hiddenLine xmlns="" xmlns:a14="http://schemas.microsoft.com/office/drawing/2010/main" w="9525">
+                <a14:hiddenLine xmlns:a14="http://schemas.microsoft.com/office/drawing/2010/main" xmlns="" w="9525">
                   <a:solidFill>
                     <a:srgbClr val="000000"/>
                   </a:solidFill>
@@ -3916,7 +3916,7 @@
             </a:ln>
             <a:extLst>
               <a:ext uri="{91240B29-F687-4f45-9708-019B960494DF}">
-                <a14:hiddenLine xmlns="" xmlns:a14="http://schemas.microsoft.com/office/drawing/2010/main" w="9525">
+                <a14:hiddenLine xmlns:a14="http://schemas.microsoft.com/office/drawing/2010/main" xmlns="" w="9525">
                   <a:solidFill>
                     <a:srgbClr val="000000"/>
                   </a:solidFill>
@@ -3978,7 +3978,7 @@
             </a:ln>
             <a:extLst>
               <a:ext uri="{91240B29-F687-4f45-9708-019B960494DF}">
-                <a14:hiddenLine xmlns="" xmlns:a14="http://schemas.microsoft.com/office/drawing/2010/main" w="9525">
+                <a14:hiddenLine xmlns:a14="http://schemas.microsoft.com/office/drawing/2010/main" xmlns="" w="9525">
                   <a:solidFill>
                     <a:srgbClr val="000000"/>
                   </a:solidFill>
@@ -4098,7 +4098,7 @@
             </a:ln>
             <a:extLst>
               <a:ext uri="{91240B29-F687-4f45-9708-019B960494DF}">
-                <a14:hiddenLine xmlns="" xmlns:a14="http://schemas.microsoft.com/office/drawing/2010/main" w="9525">
+                <a14:hiddenLine xmlns:a14="http://schemas.microsoft.com/office/drawing/2010/main" xmlns="" w="9525">
                   <a:solidFill>
                     <a:srgbClr val="000000"/>
                   </a:solidFill>
@@ -4166,7 +4166,7 @@
             </a:ln>
             <a:extLst>
               <a:ext uri="{91240B29-F687-4f45-9708-019B960494DF}">
-                <a14:hiddenLine xmlns="" xmlns:a14="http://schemas.microsoft.com/office/drawing/2010/main" w="9525">
+                <a14:hiddenLine xmlns:a14="http://schemas.microsoft.com/office/drawing/2010/main" xmlns="" w="9525">
                   <a:solidFill>
                     <a:srgbClr val="000000"/>
                   </a:solidFill>
@@ -4256,7 +4256,7 @@
             </a:ln>
             <a:extLst>
               <a:ext uri="{91240B29-F687-4f45-9708-019B960494DF}">
-                <a14:hiddenLine xmlns="" xmlns:a14="http://schemas.microsoft.com/office/drawing/2010/main" w="9525">
+                <a14:hiddenLine xmlns:a14="http://schemas.microsoft.com/office/drawing/2010/main" xmlns="" w="9525">
                   <a:solidFill>
                     <a:srgbClr val="000000"/>
                   </a:solidFill>
@@ -4296,7 +4296,7 @@
           </a:lstStyle>
           <a:p>
             <a:r>
-              <a:rPr lang="he-IL" smtClean="0"/>
+              <a:rPr lang="he-IL"/>
               <a:t>לחץ כדי לערוך סגנון כותרת של תבנית בסיס</a:t>
             </a:r>
             <a:endParaRPr lang="en-US" dirty="0"/>
@@ -4367,7 +4367,7 @@
           </a:lstStyle>
           <a:p>
             <a:r>
-              <a:rPr lang="he-IL" smtClean="0"/>
+              <a:rPr lang="he-IL"/>
               <a:t>לחץ כדי לערוך סגנון כותרת משנה של תבנית בסיס</a:t>
             </a:r>
             <a:endParaRPr lang="en-US" dirty="0"/>
@@ -4506,7 +4506,7 @@
           </a:lstStyle>
           <a:p>
             <a:r>
-              <a:rPr lang="he-IL" smtClean="0"/>
+              <a:rPr lang="he-IL"/>
               <a:t>לחץ כדי לערוך סגנון כותרת של תבנית בסיס</a:t>
             </a:r>
             <a:endParaRPr lang="en-US" dirty="0"/>
@@ -4567,7 +4567,7 @@
               <a:buNone/>
             </a:pPr>
             <a:r>
-              <a:rPr lang="he-IL" smtClean="0"/>
+              <a:rPr lang="he-IL"/>
               <a:t>לחץ על הסמל כדי להוסיף תמונה</a:t>
             </a:r>
             <a:endParaRPr lang="en-US" dirty="0"/>
@@ -4635,7 +4635,7 @@
           <a:p>
             <a:pPr lvl="0"/>
             <a:r>
-              <a:rPr lang="he-IL" smtClean="0"/>
+              <a:rPr lang="he-IL"/>
               <a:t>ערוך סגנונות טקסט של תבנית בסיס</a:t>
             </a:r>
           </a:p>
@@ -4758,7 +4758,7 @@
           </a:lstStyle>
           <a:p>
             <a:r>
-              <a:rPr lang="he-IL" smtClean="0"/>
+              <a:rPr lang="he-IL"/>
               <a:t>לחץ כדי לערוך סגנון כותרת של תבנית בסיס</a:t>
             </a:r>
             <a:endParaRPr lang="en-US" dirty="0"/>
@@ -4826,7 +4826,7 @@
           <a:p>
             <a:pPr lvl="0"/>
             <a:r>
-              <a:rPr lang="he-IL" smtClean="0"/>
+              <a:rPr lang="he-IL"/>
               <a:t>ערוך סגנונות טקסט של תבנית בסיס</a:t>
             </a:r>
           </a:p>
@@ -4949,7 +4949,7 @@
           </a:lstStyle>
           <a:p>
             <a:r>
-              <a:rPr lang="he-IL" smtClean="0"/>
+              <a:rPr lang="he-IL"/>
               <a:t>לחץ כדי לערוך סגנון כותרת של תבנית בסיס</a:t>
             </a:r>
             <a:endParaRPr lang="en-US" dirty="0"/>
@@ -5017,7 +5017,7 @@
           <a:p>
             <a:pPr lvl="0"/>
             <a:r>
-              <a:rPr lang="he-IL" smtClean="0"/>
+              <a:rPr lang="he-IL"/>
               <a:t>ערוך סגנונות טקסט של תבנית בסיס</a:t>
             </a:r>
           </a:p>
@@ -5084,7 +5084,7 @@
           <a:p>
             <a:pPr lvl="0"/>
             <a:r>
-              <a:rPr lang="he-IL" smtClean="0"/>
+              <a:rPr lang="he-IL"/>
               <a:t>ערוך סגנונות טקסט של תבנית בסיס</a:t>
             </a:r>
           </a:p>
@@ -5445,7 +5445,7 @@
           </a:lstStyle>
           <a:p>
             <a:r>
-              <a:rPr lang="he-IL" smtClean="0"/>
+              <a:rPr lang="he-IL"/>
               <a:t>לחץ כדי לערוך סגנון כותרת של תבנית בסיס</a:t>
             </a:r>
             <a:endParaRPr lang="en-US" dirty="0"/>
@@ -5513,7 +5513,7 @@
           <a:p>
             <a:pPr lvl="0"/>
             <a:r>
-              <a:rPr lang="he-IL" smtClean="0"/>
+              <a:rPr lang="he-IL"/>
               <a:t>ערוך סגנונות טקסט של תבנית בסיס</a:t>
             </a:r>
           </a:p>
@@ -5630,7 +5630,7 @@
           <a:lstStyle/>
           <a:p>
             <a:r>
-              <a:rPr lang="he-IL" smtClean="0"/>
+              <a:rPr lang="he-IL"/>
               <a:t>לחץ כדי לערוך סגנון כותרת של תבנית בסיס</a:t>
             </a:r>
             <a:endParaRPr lang="en-US" dirty="0"/>
@@ -5705,7 +5705,7 @@
           <a:p>
             <a:pPr lvl="0"/>
             <a:r>
-              <a:rPr lang="he-IL" smtClean="0"/>
+              <a:rPr lang="he-IL"/>
               <a:t>ערוך סגנונות טקסט של תבנית בסיס</a:t>
             </a:r>
           </a:p>
@@ -5772,7 +5772,7 @@
           <a:p>
             <a:pPr lvl="0"/>
             <a:r>
-              <a:rPr lang="he-IL" smtClean="0"/>
+              <a:rPr lang="he-IL"/>
               <a:t>ערוך סגנונות טקסט של תבנית בסיס</a:t>
             </a:r>
           </a:p>
@@ -5846,7 +5846,7 @@
           <a:p>
             <a:pPr lvl="0"/>
             <a:r>
-              <a:rPr lang="he-IL" smtClean="0"/>
+              <a:rPr lang="he-IL"/>
               <a:t>ערוך סגנונות טקסט של תבנית בסיס</a:t>
             </a:r>
           </a:p>
@@ -5913,7 +5913,7 @@
           <a:p>
             <a:pPr lvl="0"/>
             <a:r>
-              <a:rPr lang="he-IL" smtClean="0"/>
+              <a:rPr lang="he-IL"/>
               <a:t>ערוך סגנונות טקסט של תבנית בסיס</a:t>
             </a:r>
           </a:p>
@@ -5987,7 +5987,7 @@
           <a:p>
             <a:pPr lvl="0"/>
             <a:r>
-              <a:rPr lang="he-IL" smtClean="0"/>
+              <a:rPr lang="he-IL"/>
               <a:t>ערוך סגנונות טקסט של תבנית בסיס</a:t>
             </a:r>
           </a:p>
@@ -6054,7 +6054,7 @@
           <a:p>
             <a:pPr lvl="0"/>
             <a:r>
-              <a:rPr lang="he-IL" smtClean="0"/>
+              <a:rPr lang="he-IL"/>
               <a:t>ערוך סגנונות טקסט של תבנית בסיס</a:t>
             </a:r>
           </a:p>
@@ -6171,7 +6171,7 @@
           <a:lstStyle/>
           <a:p>
             <a:r>
-              <a:rPr lang="he-IL" smtClean="0"/>
+              <a:rPr lang="he-IL"/>
               <a:t>לחץ כדי לערוך סגנון כותרת של תבנית בסיס</a:t>
             </a:r>
             <a:endParaRPr lang="en-US" dirty="0"/>
@@ -6246,7 +6246,7 @@
           <a:p>
             <a:pPr lvl="0"/>
             <a:r>
-              <a:rPr lang="he-IL" smtClean="0"/>
+              <a:rPr lang="he-IL"/>
               <a:t>ערוך סגנונות טקסט של תבנית בסיס</a:t>
             </a:r>
           </a:p>
@@ -6303,7 +6303,7 @@
               <a:buNone/>
             </a:pPr>
             <a:r>
-              <a:rPr lang="he-IL" smtClean="0"/>
+              <a:rPr lang="he-IL"/>
               <a:t>לחץ על הסמל כדי להוסיף תמונה</a:t>
             </a:r>
             <a:endParaRPr lang="en-US" dirty="0"/>
@@ -6371,7 +6371,7 @@
           <a:p>
             <a:pPr lvl="0"/>
             <a:r>
-              <a:rPr lang="he-IL" smtClean="0"/>
+              <a:rPr lang="he-IL"/>
               <a:t>ערוך סגנונות טקסט של תבנית בסיס</a:t>
             </a:r>
           </a:p>
@@ -6445,7 +6445,7 @@
           <a:p>
             <a:pPr lvl="0"/>
             <a:r>
-              <a:rPr lang="he-IL" smtClean="0"/>
+              <a:rPr lang="he-IL"/>
               <a:t>ערוך סגנונות טקסט של תבנית בסיס</a:t>
             </a:r>
           </a:p>
@@ -6502,7 +6502,7 @@
               <a:buNone/>
             </a:pPr>
             <a:r>
-              <a:rPr lang="he-IL" smtClean="0"/>
+              <a:rPr lang="he-IL"/>
               <a:t>לחץ על הסמל כדי להוסיף תמונה</a:t>
             </a:r>
             <a:endParaRPr lang="en-US" dirty="0"/>
@@ -6570,7 +6570,7 @@
           <a:p>
             <a:pPr lvl="0"/>
             <a:r>
-              <a:rPr lang="he-IL" smtClean="0"/>
+              <a:rPr lang="he-IL"/>
               <a:t>ערוך סגנונות טקסט של תבנית בסיס</a:t>
             </a:r>
           </a:p>
@@ -6644,7 +6644,7 @@
           <a:p>
             <a:pPr lvl="0"/>
             <a:r>
-              <a:rPr lang="he-IL" smtClean="0"/>
+              <a:rPr lang="he-IL"/>
               <a:t>ערוך סגנונות טקסט של תבנית בסיס</a:t>
             </a:r>
           </a:p>
@@ -6701,7 +6701,7 @@
               <a:buNone/>
             </a:pPr>
             <a:r>
-              <a:rPr lang="he-IL" smtClean="0"/>
+              <a:rPr lang="he-IL"/>
               <a:t>לחץ על הסמל כדי להוסיף תמונה</a:t>
             </a:r>
             <a:endParaRPr lang="en-US" dirty="0"/>
@@ -6769,7 +6769,7 @@
           <a:p>
             <a:pPr lvl="0"/>
             <a:r>
-              <a:rPr lang="he-IL" smtClean="0"/>
+              <a:rPr lang="he-IL"/>
               <a:t>ערוך סגנונות טקסט של תבנית בסיס</a:t>
             </a:r>
           </a:p>
@@ -6881,7 +6881,7 @@
           <a:lstStyle/>
           <a:p>
             <a:r>
-              <a:rPr lang="he-IL" smtClean="0"/>
+              <a:rPr lang="he-IL"/>
               <a:t>לחץ כדי לערוך סגנון כותרת של תבנית בסיס</a:t>
             </a:r>
             <a:endParaRPr lang="en-US" dirty="0"/>
@@ -6905,35 +6905,35 @@
           <a:p>
             <a:pPr lvl="0"/>
             <a:r>
-              <a:rPr lang="he-IL" smtClean="0"/>
+              <a:rPr lang="he-IL"/>
               <a:t>ערוך סגנונות טקסט של תבנית בסיס</a:t>
             </a:r>
           </a:p>
           <a:p>
             <a:pPr lvl="1"/>
             <a:r>
-              <a:rPr lang="he-IL" smtClean="0"/>
+              <a:rPr lang="he-IL"/>
               <a:t>רמה שניה</a:t>
             </a:r>
           </a:p>
           <a:p>
             <a:pPr lvl="2"/>
             <a:r>
-              <a:rPr lang="he-IL" smtClean="0"/>
+              <a:rPr lang="he-IL"/>
               <a:t>רמה שלישית</a:t>
             </a:r>
           </a:p>
           <a:p>
             <a:pPr lvl="3"/>
             <a:r>
-              <a:rPr lang="he-IL" smtClean="0"/>
+              <a:rPr lang="he-IL"/>
               <a:t>רמה רביעית</a:t>
             </a:r>
           </a:p>
           <a:p>
             <a:pPr lvl="4"/>
             <a:r>
-              <a:rPr lang="he-IL" smtClean="0"/>
+              <a:rPr lang="he-IL"/>
               <a:t>רמה חמישית</a:t>
             </a:r>
             <a:endParaRPr lang="en-US" dirty="0"/>
@@ -7051,7 +7051,7 @@
           <a:lstStyle/>
           <a:p>
             <a:r>
-              <a:rPr lang="he-IL" smtClean="0"/>
+              <a:rPr lang="he-IL"/>
               <a:t>לחץ כדי לערוך סגנון כותרת של תבנית בסיס</a:t>
             </a:r>
             <a:endParaRPr lang="en-US" dirty="0"/>
@@ -7080,35 +7080,35 @@
           <a:p>
             <a:pPr lvl="0"/>
             <a:r>
-              <a:rPr lang="he-IL" smtClean="0"/>
+              <a:rPr lang="he-IL"/>
               <a:t>ערוך סגנונות טקסט של תבנית בסיס</a:t>
             </a:r>
           </a:p>
           <a:p>
             <a:pPr lvl="1"/>
             <a:r>
-              <a:rPr lang="he-IL" smtClean="0"/>
+              <a:rPr lang="he-IL"/>
               <a:t>רמה שניה</a:t>
             </a:r>
           </a:p>
           <a:p>
             <a:pPr lvl="2"/>
             <a:r>
-              <a:rPr lang="he-IL" smtClean="0"/>
+              <a:rPr lang="he-IL"/>
               <a:t>רמה שלישית</a:t>
             </a:r>
           </a:p>
           <a:p>
             <a:pPr lvl="3"/>
             <a:r>
-              <a:rPr lang="he-IL" smtClean="0"/>
+              <a:rPr lang="he-IL"/>
               <a:t>רמה רביעית</a:t>
             </a:r>
           </a:p>
           <a:p>
             <a:pPr lvl="4"/>
             <a:r>
-              <a:rPr lang="he-IL" smtClean="0"/>
+              <a:rPr lang="he-IL"/>
               <a:t>רמה חמישית</a:t>
             </a:r>
             <a:endParaRPr lang="en-US" dirty="0"/>
@@ -7221,7 +7221,7 @@
           <a:lstStyle/>
           <a:p>
             <a:r>
-              <a:rPr lang="he-IL" smtClean="0"/>
+              <a:rPr lang="he-IL"/>
               <a:t>לחץ כדי לערוך סגנון כותרת של תבנית בסיס</a:t>
             </a:r>
             <a:endParaRPr lang="en-US" dirty="0"/>
@@ -7245,35 +7245,35 @@
           <a:p>
             <a:pPr lvl="0"/>
             <a:r>
-              <a:rPr lang="he-IL" smtClean="0"/>
+              <a:rPr lang="he-IL"/>
               <a:t>ערוך סגנונות טקסט של תבנית בסיס</a:t>
             </a:r>
           </a:p>
           <a:p>
             <a:pPr lvl="1"/>
             <a:r>
-              <a:rPr lang="he-IL" smtClean="0"/>
+              <a:rPr lang="he-IL"/>
               <a:t>רמה שניה</a:t>
             </a:r>
           </a:p>
           <a:p>
             <a:pPr lvl="2"/>
             <a:r>
-              <a:rPr lang="he-IL" smtClean="0"/>
+              <a:rPr lang="he-IL"/>
               <a:t>רמה שלישית</a:t>
             </a:r>
           </a:p>
           <a:p>
             <a:pPr lvl="3"/>
             <a:r>
-              <a:rPr lang="he-IL" smtClean="0"/>
+              <a:rPr lang="he-IL"/>
               <a:t>רמה רביעית</a:t>
             </a:r>
           </a:p>
           <a:p>
             <a:pPr lvl="4"/>
             <a:r>
-              <a:rPr lang="he-IL" smtClean="0"/>
+              <a:rPr lang="he-IL"/>
               <a:t>רמה חמישית</a:t>
             </a:r>
             <a:endParaRPr lang="en-US" dirty="0"/>
@@ -7397,7 +7397,7 @@
           </a:lstStyle>
           <a:p>
             <a:r>
-              <a:rPr lang="he-IL" smtClean="0"/>
+              <a:rPr lang="he-IL"/>
               <a:t>לחץ כדי לערוך סגנון כותרת של תבנית בסיס</a:t>
             </a:r>
             <a:endParaRPr lang="en-US" dirty="0"/>
@@ -7519,7 +7519,7 @@
           <a:p>
             <a:pPr lvl="0"/>
             <a:r>
-              <a:rPr lang="he-IL" smtClean="0"/>
+              <a:rPr lang="he-IL"/>
               <a:t>ערוך סגנונות טקסט של תבנית בסיס</a:t>
             </a:r>
           </a:p>
@@ -7631,7 +7631,7 @@
           <a:lstStyle/>
           <a:p>
             <a:r>
-              <a:rPr lang="he-IL" smtClean="0"/>
+              <a:rPr lang="he-IL"/>
               <a:t>לחץ כדי לערוך סגנון כותרת של תבנית בסיס</a:t>
             </a:r>
             <a:endParaRPr lang="en-US" dirty="0"/>
@@ -7660,35 +7660,35 @@
           <a:p>
             <a:pPr lvl="0"/>
             <a:r>
-              <a:rPr lang="he-IL" smtClean="0"/>
+              <a:rPr lang="he-IL"/>
               <a:t>ערוך סגנונות טקסט של תבנית בסיס</a:t>
             </a:r>
           </a:p>
           <a:p>
             <a:pPr lvl="1"/>
             <a:r>
-              <a:rPr lang="he-IL" smtClean="0"/>
+              <a:rPr lang="he-IL"/>
               <a:t>רמה שניה</a:t>
             </a:r>
           </a:p>
           <a:p>
             <a:pPr lvl="2"/>
             <a:r>
-              <a:rPr lang="he-IL" smtClean="0"/>
+              <a:rPr lang="he-IL"/>
               <a:t>רמה שלישית</a:t>
             </a:r>
           </a:p>
           <a:p>
             <a:pPr lvl="3"/>
             <a:r>
-              <a:rPr lang="he-IL" smtClean="0"/>
+              <a:rPr lang="he-IL"/>
               <a:t>רמה רביעית</a:t>
             </a:r>
           </a:p>
           <a:p>
             <a:pPr lvl="4"/>
             <a:r>
-              <a:rPr lang="he-IL" smtClean="0"/>
+              <a:rPr lang="he-IL"/>
               <a:t>רמה חמישית</a:t>
             </a:r>
             <a:endParaRPr lang="en-US" dirty="0"/>
@@ -7717,35 +7717,35 @@
           <a:p>
             <a:pPr lvl="0"/>
             <a:r>
-              <a:rPr lang="he-IL" smtClean="0"/>
+              <a:rPr lang="he-IL"/>
               <a:t>ערוך סגנונות טקסט של תבנית בסיס</a:t>
             </a:r>
           </a:p>
           <a:p>
             <a:pPr lvl="1"/>
             <a:r>
-              <a:rPr lang="he-IL" smtClean="0"/>
+              <a:rPr lang="he-IL"/>
               <a:t>רמה שניה</a:t>
             </a:r>
           </a:p>
           <a:p>
             <a:pPr lvl="2"/>
             <a:r>
-              <a:rPr lang="he-IL" smtClean="0"/>
+              <a:rPr lang="he-IL"/>
               <a:t>רמה שלישית</a:t>
             </a:r>
           </a:p>
           <a:p>
             <a:pPr lvl="3"/>
             <a:r>
-              <a:rPr lang="he-IL" smtClean="0"/>
+              <a:rPr lang="he-IL"/>
               <a:t>רמה רביעית</a:t>
             </a:r>
           </a:p>
           <a:p>
             <a:pPr lvl="4"/>
             <a:r>
-              <a:rPr lang="he-IL" smtClean="0"/>
+              <a:rPr lang="he-IL"/>
               <a:t>רמה חמישית</a:t>
             </a:r>
             <a:endParaRPr lang="en-US" dirty="0"/>
@@ -7863,7 +7863,7 @@
           <a:lstStyle/>
           <a:p>
             <a:r>
-              <a:rPr lang="he-IL" smtClean="0"/>
+              <a:rPr lang="he-IL"/>
               <a:t>לחץ כדי לערוך סגנון כותרת של תבנית בסיס</a:t>
             </a:r>
             <a:endParaRPr lang="en-US" dirty="0"/>
@@ -7936,7 +7936,7 @@
           <a:p>
             <a:pPr lvl="0"/>
             <a:r>
-              <a:rPr lang="he-IL" smtClean="0"/>
+              <a:rPr lang="he-IL"/>
               <a:t>ערוך סגנונות טקסט של תבנית בסיס</a:t>
             </a:r>
           </a:p>
@@ -7964,35 +7964,35 @@
           <a:p>
             <a:pPr lvl="0"/>
             <a:r>
-              <a:rPr lang="he-IL" smtClean="0"/>
+              <a:rPr lang="he-IL"/>
               <a:t>ערוך סגנונות טקסט של תבנית בסיס</a:t>
             </a:r>
           </a:p>
           <a:p>
             <a:pPr lvl="1"/>
             <a:r>
-              <a:rPr lang="he-IL" smtClean="0"/>
+              <a:rPr lang="he-IL"/>
               <a:t>רמה שניה</a:t>
             </a:r>
           </a:p>
           <a:p>
             <a:pPr lvl="2"/>
             <a:r>
-              <a:rPr lang="he-IL" smtClean="0"/>
+              <a:rPr lang="he-IL"/>
               <a:t>רמה שלישית</a:t>
             </a:r>
           </a:p>
           <a:p>
             <a:pPr lvl="3"/>
             <a:r>
-              <a:rPr lang="he-IL" smtClean="0"/>
+              <a:rPr lang="he-IL"/>
               <a:t>רמה רביעית</a:t>
             </a:r>
           </a:p>
           <a:p>
             <a:pPr lvl="4"/>
             <a:r>
-              <a:rPr lang="he-IL" smtClean="0"/>
+              <a:rPr lang="he-IL"/>
               <a:t>רמה חמישית</a:t>
             </a:r>
             <a:endParaRPr lang="en-US" dirty="0"/>
@@ -8065,7 +8065,7 @@
           <a:p>
             <a:pPr lvl="0"/>
             <a:r>
-              <a:rPr lang="he-IL" smtClean="0"/>
+              <a:rPr lang="he-IL"/>
               <a:t>ערוך סגנונות טקסט של תבנית בסיס</a:t>
             </a:r>
           </a:p>
@@ -8093,35 +8093,35 @@
           <a:p>
             <a:pPr lvl="0"/>
             <a:r>
-              <a:rPr lang="he-IL" smtClean="0"/>
+              <a:rPr lang="he-IL"/>
               <a:t>ערוך סגנונות טקסט של תבנית בסיס</a:t>
             </a:r>
           </a:p>
           <a:p>
             <a:pPr lvl="1"/>
             <a:r>
-              <a:rPr lang="he-IL" smtClean="0"/>
+              <a:rPr lang="he-IL"/>
               <a:t>רמה שניה</a:t>
             </a:r>
           </a:p>
           <a:p>
             <a:pPr lvl="2"/>
             <a:r>
-              <a:rPr lang="he-IL" smtClean="0"/>
+              <a:rPr lang="he-IL"/>
               <a:t>רמה שלישית</a:t>
             </a:r>
           </a:p>
           <a:p>
             <a:pPr lvl="3"/>
             <a:r>
-              <a:rPr lang="he-IL" smtClean="0"/>
+              <a:rPr lang="he-IL"/>
               <a:t>רמה רביעית</a:t>
             </a:r>
           </a:p>
           <a:p>
             <a:pPr lvl="4"/>
             <a:r>
-              <a:rPr lang="he-IL" smtClean="0"/>
+              <a:rPr lang="he-IL"/>
               <a:t>רמה חמישית</a:t>
             </a:r>
             <a:endParaRPr lang="en-US" dirty="0"/>
@@ -8234,7 +8234,7 @@
           <a:lstStyle/>
           <a:p>
             <a:r>
-              <a:rPr lang="he-IL" smtClean="0"/>
+              <a:rPr lang="he-IL"/>
               <a:t>לחץ כדי לערוך סגנון כותרת של תבנית בסיס</a:t>
             </a:r>
             <a:endParaRPr lang="en-US" dirty="0"/>
@@ -8446,7 +8446,7 @@
           </a:lstStyle>
           <a:p>
             <a:r>
-              <a:rPr lang="he-IL" smtClean="0"/>
+              <a:rPr lang="he-IL"/>
               <a:t>לחץ כדי לערוך סגנון כותרת של תבנית בסיס</a:t>
             </a:r>
             <a:endParaRPr lang="en-US" dirty="0"/>
@@ -8475,35 +8475,35 @@
           <a:p>
             <a:pPr lvl="0"/>
             <a:r>
-              <a:rPr lang="he-IL" smtClean="0"/>
+              <a:rPr lang="he-IL"/>
               <a:t>ערוך סגנונות טקסט של תבנית בסיס</a:t>
             </a:r>
           </a:p>
           <a:p>
             <a:pPr lvl="1"/>
             <a:r>
-              <a:rPr lang="he-IL" smtClean="0"/>
+              <a:rPr lang="he-IL"/>
               <a:t>רמה שניה</a:t>
             </a:r>
           </a:p>
           <a:p>
             <a:pPr lvl="2"/>
             <a:r>
-              <a:rPr lang="he-IL" smtClean="0"/>
+              <a:rPr lang="he-IL"/>
               <a:t>רמה שלישית</a:t>
             </a:r>
           </a:p>
           <a:p>
             <a:pPr lvl="3"/>
             <a:r>
-              <a:rPr lang="he-IL" smtClean="0"/>
+              <a:rPr lang="he-IL"/>
               <a:t>רמה רביעית</a:t>
             </a:r>
           </a:p>
           <a:p>
             <a:pPr lvl="4"/>
             <a:r>
-              <a:rPr lang="he-IL" smtClean="0"/>
+              <a:rPr lang="he-IL"/>
               <a:t>רמה חמישית</a:t>
             </a:r>
             <a:endParaRPr lang="en-US" dirty="0"/>
@@ -8569,7 +8569,7 @@
           <a:p>
             <a:pPr lvl="0"/>
             <a:r>
-              <a:rPr lang="he-IL" smtClean="0"/>
+              <a:rPr lang="he-IL"/>
               <a:t>ערוך סגנונות טקסט של תבנית בסיס</a:t>
             </a:r>
           </a:p>
@@ -8690,7 +8690,7 @@
           </a:lstStyle>
           <a:p>
             <a:r>
-              <a:rPr lang="he-IL" smtClean="0"/>
+              <a:rPr lang="he-IL"/>
               <a:t>לחץ כדי לערוך סגנון כותרת של תבנית בסיס</a:t>
             </a:r>
             <a:endParaRPr lang="en-US" dirty="0"/>
@@ -8778,7 +8778,7 @@
           </a:lstStyle>
           <a:p>
             <a:r>
-              <a:rPr lang="he-IL" smtClean="0"/>
+              <a:rPr lang="he-IL"/>
               <a:t>לחץ על הסמל כדי להוסיף תמונה</a:t>
             </a:r>
             <a:endParaRPr lang="en-US" dirty="0"/>
@@ -8844,7 +8844,7 @@
           <a:p>
             <a:pPr lvl="0"/>
             <a:r>
-              <a:rPr lang="he-IL" smtClean="0"/>
+              <a:rPr lang="he-IL"/>
               <a:t>ערוך סגנונות טקסט של תבנית בסיס</a:t>
             </a:r>
           </a:p>
@@ -8978,7 +8978,7 @@
           <a:noFill/>
           <a:extLst>
             <a:ext uri="{909E8E84-426E-40dd-AFC4-6F175D3DCCD1}">
-              <a14:hiddenFill xmlns="" xmlns:a14="http://schemas.microsoft.com/office/drawing/2010/main">
+              <a14:hiddenFill xmlns:a14="http://schemas.microsoft.com/office/drawing/2010/main" xmlns="">
                 <a:solidFill>
                   <a:srgbClr val="FFFFFF"/>
                 </a:solidFill>
@@ -9052,7 +9052,7 @@
               </a:ln>
               <a:extLst>
                 <a:ext uri="{91240B29-F687-4f45-9708-019B960494DF}">
-                  <a14:hiddenLine xmlns="" xmlns:a14="http://schemas.microsoft.com/office/drawing/2010/main" w="9525">
+                  <a14:hiddenLine xmlns:a14="http://schemas.microsoft.com/office/drawing/2010/main" xmlns="" w="9525">
                     <a:solidFill>
                       <a:srgbClr val="000000"/>
                     </a:solidFill>
@@ -9142,7 +9142,7 @@
               </a:ln>
               <a:extLst>
                 <a:ext uri="{91240B29-F687-4f45-9708-019B960494DF}">
-                  <a14:hiddenLine xmlns="" xmlns:a14="http://schemas.microsoft.com/office/drawing/2010/main" w="9525">
+                  <a14:hiddenLine xmlns:a14="http://schemas.microsoft.com/office/drawing/2010/main" xmlns="" w="9525">
                     <a:solidFill>
                       <a:srgbClr val="000000"/>
                     </a:solidFill>
@@ -9232,7 +9232,7 @@
               </a:ln>
               <a:extLst>
                 <a:ext uri="{91240B29-F687-4f45-9708-019B960494DF}">
-                  <a14:hiddenLine xmlns="" xmlns:a14="http://schemas.microsoft.com/office/drawing/2010/main" w="9525">
+                  <a14:hiddenLine xmlns:a14="http://schemas.microsoft.com/office/drawing/2010/main" xmlns="" w="9525">
                     <a:solidFill>
                       <a:srgbClr val="000000"/>
                     </a:solidFill>
@@ -9294,7 +9294,7 @@
               </a:ln>
               <a:extLst>
                 <a:ext uri="{91240B29-F687-4f45-9708-019B960494DF}">
-                  <a14:hiddenLine xmlns="" xmlns:a14="http://schemas.microsoft.com/office/drawing/2010/main" w="9525">
+                  <a14:hiddenLine xmlns:a14="http://schemas.microsoft.com/office/drawing/2010/main" xmlns="" w="9525">
                     <a:solidFill>
                       <a:srgbClr val="000000"/>
                     </a:solidFill>
@@ -9384,7 +9384,7 @@
               </a:ln>
               <a:extLst>
                 <a:ext uri="{91240B29-F687-4f45-9708-019B960494DF}">
-                  <a14:hiddenLine xmlns="" xmlns:a14="http://schemas.microsoft.com/office/drawing/2010/main" w="9525">
+                  <a14:hiddenLine xmlns:a14="http://schemas.microsoft.com/office/drawing/2010/main" xmlns="" w="9525">
                     <a:solidFill>
                       <a:srgbClr val="000000"/>
                     </a:solidFill>
@@ -9446,7 +9446,7 @@
               </a:ln>
               <a:extLst>
                 <a:ext uri="{91240B29-F687-4f45-9708-019B960494DF}">
-                  <a14:hiddenLine xmlns="" xmlns:a14="http://schemas.microsoft.com/office/drawing/2010/main" w="9525">
+                  <a14:hiddenLine xmlns:a14="http://schemas.microsoft.com/office/drawing/2010/main" xmlns="" w="9525">
                     <a:solidFill>
                       <a:srgbClr val="000000"/>
                     </a:solidFill>
@@ -9508,7 +9508,7 @@
               </a:ln>
               <a:extLst>
                 <a:ext uri="{91240B29-F687-4f45-9708-019B960494DF}">
-                  <a14:hiddenLine xmlns="" xmlns:a14="http://schemas.microsoft.com/office/drawing/2010/main" w="9525">
+                  <a14:hiddenLine xmlns:a14="http://schemas.microsoft.com/office/drawing/2010/main" xmlns="" w="9525">
                     <a:solidFill>
                       <a:srgbClr val="000000"/>
                     </a:solidFill>
@@ -9598,7 +9598,7 @@
               </a:ln>
               <a:extLst>
                 <a:ext uri="{91240B29-F687-4f45-9708-019B960494DF}">
-                  <a14:hiddenLine xmlns="" xmlns:a14="http://schemas.microsoft.com/office/drawing/2010/main" w="9525">
+                  <a14:hiddenLine xmlns:a14="http://schemas.microsoft.com/office/drawing/2010/main" xmlns="" w="9525">
                     <a:solidFill>
                       <a:srgbClr val="000000"/>
                     </a:solidFill>
@@ -9688,7 +9688,7 @@
               </a:ln>
               <a:extLst>
                 <a:ext uri="{91240B29-F687-4f45-9708-019B960494DF}">
-                  <a14:hiddenLine xmlns="" xmlns:a14="http://schemas.microsoft.com/office/drawing/2010/main" w="9525">
+                  <a14:hiddenLine xmlns:a14="http://schemas.microsoft.com/office/drawing/2010/main" xmlns="" w="9525">
                     <a:solidFill>
                       <a:srgbClr val="000000"/>
                     </a:solidFill>
@@ -9750,7 +9750,7 @@
               </a:ln>
               <a:extLst>
                 <a:ext uri="{91240B29-F687-4f45-9708-019B960494DF}">
-                  <a14:hiddenLine xmlns="" xmlns:a14="http://schemas.microsoft.com/office/drawing/2010/main" w="9525">
+                  <a14:hiddenLine xmlns:a14="http://schemas.microsoft.com/office/drawing/2010/main" xmlns="" w="9525">
                     <a:solidFill>
                       <a:srgbClr val="000000"/>
                     </a:solidFill>
@@ -9860,7 +9860,7 @@
               </a:ln>
               <a:extLst>
                 <a:ext uri="{91240B29-F687-4f45-9708-019B960494DF}">
-                  <a14:hiddenLine xmlns="" xmlns:a14="http://schemas.microsoft.com/office/drawing/2010/main" w="9525">
+                  <a14:hiddenLine xmlns:a14="http://schemas.microsoft.com/office/drawing/2010/main" xmlns="" w="9525">
                     <a:solidFill>
                       <a:srgbClr val="000000"/>
                     </a:solidFill>
@@ -9944,7 +9944,7 @@
               </a:ln>
               <a:extLst>
                 <a:ext uri="{91240B29-F687-4f45-9708-019B960494DF}">
-                  <a14:hiddenLine xmlns="" xmlns:a14="http://schemas.microsoft.com/office/drawing/2010/main" w="9525">
+                  <a14:hiddenLine xmlns:a14="http://schemas.microsoft.com/office/drawing/2010/main" xmlns="" w="9525">
                     <a:solidFill>
                       <a:srgbClr val="000000"/>
                     </a:solidFill>
@@ -10006,7 +10006,7 @@
               </a:ln>
               <a:extLst>
                 <a:ext uri="{91240B29-F687-4f45-9708-019B960494DF}">
-                  <a14:hiddenLine xmlns="" xmlns:a14="http://schemas.microsoft.com/office/drawing/2010/main" w="9525">
+                  <a14:hiddenLine xmlns:a14="http://schemas.microsoft.com/office/drawing/2010/main" xmlns="" w="9525">
                     <a:solidFill>
                       <a:srgbClr val="000000"/>
                     </a:solidFill>
@@ -10068,7 +10068,7 @@
               </a:ln>
               <a:extLst>
                 <a:ext uri="{91240B29-F687-4f45-9708-019B960494DF}">
-                  <a14:hiddenLine xmlns="" xmlns:a14="http://schemas.microsoft.com/office/drawing/2010/main" w="9525">
+                  <a14:hiddenLine xmlns:a14="http://schemas.microsoft.com/office/drawing/2010/main" xmlns="" w="9525">
                     <a:solidFill>
                       <a:srgbClr val="000000"/>
                     </a:solidFill>
@@ -10158,7 +10158,7 @@
               </a:ln>
               <a:extLst>
                 <a:ext uri="{91240B29-F687-4f45-9708-019B960494DF}">
-                  <a14:hiddenLine xmlns="" xmlns:a14="http://schemas.microsoft.com/office/drawing/2010/main" w="9525">
+                  <a14:hiddenLine xmlns:a14="http://schemas.microsoft.com/office/drawing/2010/main" xmlns="" w="9525">
                     <a:solidFill>
                       <a:srgbClr val="000000"/>
                     </a:solidFill>
@@ -10192,7 +10192,7 @@
               </a:ln>
               <a:extLst>
                 <a:ext uri="{91240B29-F687-4f45-9708-019B960494DF}">
-                  <a14:hiddenLine xmlns="" xmlns:a14="http://schemas.microsoft.com/office/drawing/2010/main" w="9525">
+                  <a14:hiddenLine xmlns:a14="http://schemas.microsoft.com/office/drawing/2010/main" xmlns="" w="9525">
                     <a:solidFill>
                       <a:srgbClr val="000000"/>
                     </a:solidFill>
@@ -10257,7 +10257,7 @@
               </a:ln>
               <a:extLst>
                 <a:ext uri="{91240B29-F687-4f45-9708-019B960494DF}">
-                  <a14:hiddenLine xmlns="" xmlns:a14="http://schemas.microsoft.com/office/drawing/2010/main" w="9525">
+                  <a14:hiddenLine xmlns:a14="http://schemas.microsoft.com/office/drawing/2010/main" xmlns="" w="9525">
                     <a:solidFill>
                       <a:srgbClr val="000000"/>
                     </a:solidFill>
@@ -10347,7 +10347,7 @@
               </a:ln>
               <a:extLst>
                 <a:ext uri="{91240B29-F687-4f45-9708-019B960494DF}">
-                  <a14:hiddenLine xmlns="" xmlns:a14="http://schemas.microsoft.com/office/drawing/2010/main" w="9525">
+                  <a14:hiddenLine xmlns:a14="http://schemas.microsoft.com/office/drawing/2010/main" xmlns="" w="9525">
                     <a:solidFill>
                       <a:srgbClr val="000000"/>
                     </a:solidFill>
@@ -10409,7 +10409,7 @@
               </a:ln>
               <a:extLst>
                 <a:ext uri="{91240B29-F687-4f45-9708-019B960494DF}">
-                  <a14:hiddenLine xmlns="" xmlns:a14="http://schemas.microsoft.com/office/drawing/2010/main" w="9525">
+                  <a14:hiddenLine xmlns:a14="http://schemas.microsoft.com/office/drawing/2010/main" xmlns="" w="9525">
                     <a:solidFill>
                       <a:srgbClr val="000000"/>
                     </a:solidFill>
@@ -10499,7 +10499,7 @@
               </a:ln>
               <a:extLst>
                 <a:ext uri="{91240B29-F687-4f45-9708-019B960494DF}">
-                  <a14:hiddenLine xmlns="" xmlns:a14="http://schemas.microsoft.com/office/drawing/2010/main" w="9525">
+                  <a14:hiddenLine xmlns:a14="http://schemas.microsoft.com/office/drawing/2010/main" xmlns="" w="9525">
                     <a:solidFill>
                       <a:srgbClr val="000000"/>
                     </a:solidFill>
@@ -10564,7 +10564,7 @@
               </a:ln>
               <a:extLst>
                 <a:ext uri="{91240B29-F687-4f45-9708-019B960494DF}">
-                  <a14:hiddenLine xmlns="" xmlns:a14="http://schemas.microsoft.com/office/drawing/2010/main" w="9525">
+                  <a14:hiddenLine xmlns:a14="http://schemas.microsoft.com/office/drawing/2010/main" xmlns="" w="9525">
                     <a:solidFill>
                       <a:srgbClr val="000000"/>
                     </a:solidFill>
@@ -10626,7 +10626,7 @@
               </a:ln>
               <a:extLst>
                 <a:ext uri="{91240B29-F687-4f45-9708-019B960494DF}">
-                  <a14:hiddenLine xmlns="" xmlns:a14="http://schemas.microsoft.com/office/drawing/2010/main" w="9525">
+                  <a14:hiddenLine xmlns:a14="http://schemas.microsoft.com/office/drawing/2010/main" xmlns="" w="9525">
                     <a:solidFill>
                       <a:srgbClr val="000000"/>
                     </a:solidFill>
@@ -10716,7 +10716,7 @@
               </a:ln>
               <a:extLst>
                 <a:ext uri="{91240B29-F687-4f45-9708-019B960494DF}">
-                  <a14:hiddenLine xmlns="" xmlns:a14="http://schemas.microsoft.com/office/drawing/2010/main" w="9525">
+                  <a14:hiddenLine xmlns:a14="http://schemas.microsoft.com/office/drawing/2010/main" xmlns="" w="9525">
                     <a:solidFill>
                       <a:srgbClr val="000000"/>
                     </a:solidFill>
@@ -10806,7 +10806,7 @@
               </a:ln>
               <a:extLst>
                 <a:ext uri="{91240B29-F687-4f45-9708-019B960494DF}">
-                  <a14:hiddenLine xmlns="" xmlns:a14="http://schemas.microsoft.com/office/drawing/2010/main" w="9525">
+                  <a14:hiddenLine xmlns:a14="http://schemas.microsoft.com/office/drawing/2010/main" xmlns="" w="9525">
                     <a:solidFill>
                       <a:srgbClr val="000000"/>
                     </a:solidFill>
@@ -10871,7 +10871,7 @@
               </a:ln>
               <a:extLst>
                 <a:ext uri="{91240B29-F687-4f45-9708-019B960494DF}">
-                  <a14:hiddenLine xmlns="" xmlns:a14="http://schemas.microsoft.com/office/drawing/2010/main" w="9525">
+                  <a14:hiddenLine xmlns:a14="http://schemas.microsoft.com/office/drawing/2010/main" xmlns="" w="9525">
                     <a:solidFill>
                       <a:srgbClr val="000000"/>
                     </a:solidFill>
@@ -10991,7 +10991,7 @@
               </a:ln>
               <a:extLst>
                 <a:ext uri="{91240B29-F687-4f45-9708-019B960494DF}">
-                  <a14:hiddenLine xmlns="" xmlns:a14="http://schemas.microsoft.com/office/drawing/2010/main" w="9525">
+                  <a14:hiddenLine xmlns:a14="http://schemas.microsoft.com/office/drawing/2010/main" xmlns="" w="9525">
                     <a:solidFill>
                       <a:srgbClr val="000000"/>
                     </a:solidFill>
@@ -11089,7 +11089,7 @@
               </a:ln>
               <a:extLst>
                 <a:ext uri="{91240B29-F687-4f45-9708-019B960494DF}">
-                  <a14:hiddenLine xmlns="" xmlns:a14="http://schemas.microsoft.com/office/drawing/2010/main" w="9525">
+                  <a14:hiddenLine xmlns:a14="http://schemas.microsoft.com/office/drawing/2010/main" xmlns="" w="9525">
                     <a:solidFill>
                       <a:srgbClr val="000000"/>
                     </a:solidFill>
@@ -11204,7 +11204,7 @@
               </a:ln>
               <a:extLst>
                 <a:ext uri="{91240B29-F687-4f45-9708-019B960494DF}">
-                  <a14:hiddenLine xmlns="" xmlns:a14="http://schemas.microsoft.com/office/drawing/2010/main" w="9525">
+                  <a14:hiddenLine xmlns:a14="http://schemas.microsoft.com/office/drawing/2010/main" xmlns="" w="9525">
                     <a:solidFill>
                       <a:srgbClr val="000000"/>
                     </a:solidFill>
@@ -11294,7 +11294,7 @@
               </a:ln>
               <a:extLst>
                 <a:ext uri="{91240B29-F687-4f45-9708-019B960494DF}">
-                  <a14:hiddenLine xmlns="" xmlns:a14="http://schemas.microsoft.com/office/drawing/2010/main" w="9525">
+                  <a14:hiddenLine xmlns:a14="http://schemas.microsoft.com/office/drawing/2010/main" xmlns="" w="9525">
                     <a:solidFill>
                       <a:srgbClr val="000000"/>
                     </a:solidFill>
@@ -11359,7 +11359,7 @@
               </a:ln>
               <a:extLst>
                 <a:ext uri="{91240B29-F687-4f45-9708-019B960494DF}">
-                  <a14:hiddenLine xmlns="" xmlns:a14="http://schemas.microsoft.com/office/drawing/2010/main" w="9525">
+                  <a14:hiddenLine xmlns:a14="http://schemas.microsoft.com/office/drawing/2010/main" xmlns="" w="9525">
                     <a:solidFill>
                       <a:srgbClr val="000000"/>
                     </a:solidFill>
@@ -11449,7 +11449,7 @@
               </a:ln>
               <a:extLst>
                 <a:ext uri="{91240B29-F687-4f45-9708-019B960494DF}">
-                  <a14:hiddenLine xmlns="" xmlns:a14="http://schemas.microsoft.com/office/drawing/2010/main" w="9525">
+                  <a14:hiddenLine xmlns:a14="http://schemas.microsoft.com/office/drawing/2010/main" xmlns="" w="9525">
                     <a:solidFill>
                       <a:srgbClr val="000000"/>
                     </a:solidFill>
@@ -11517,7 +11517,7 @@
               </a:ln>
               <a:extLst>
                 <a:ext uri="{91240B29-F687-4f45-9708-019B960494DF}">
-                  <a14:hiddenLine xmlns="" xmlns:a14="http://schemas.microsoft.com/office/drawing/2010/main" w="9525">
+                  <a14:hiddenLine xmlns:a14="http://schemas.microsoft.com/office/drawing/2010/main" xmlns="" w="9525">
                     <a:solidFill>
                       <a:srgbClr val="000000"/>
                     </a:solidFill>
@@ -11607,7 +11607,7 @@
               </a:ln>
               <a:extLst>
                 <a:ext uri="{91240B29-F687-4f45-9708-019B960494DF}">
-                  <a14:hiddenLine xmlns="" xmlns:a14="http://schemas.microsoft.com/office/drawing/2010/main" w="9525">
+                  <a14:hiddenLine xmlns:a14="http://schemas.microsoft.com/office/drawing/2010/main" xmlns="" w="9525">
                     <a:solidFill>
                       <a:srgbClr val="000000"/>
                     </a:solidFill>
@@ -11675,7 +11675,7 @@
               </a:ln>
               <a:extLst>
                 <a:ext uri="{91240B29-F687-4f45-9708-019B960494DF}">
-                  <a14:hiddenLine xmlns="" xmlns:a14="http://schemas.microsoft.com/office/drawing/2010/main" w="9525">
+                  <a14:hiddenLine xmlns:a14="http://schemas.microsoft.com/office/drawing/2010/main" xmlns="" w="9525">
                     <a:solidFill>
                       <a:srgbClr val="000000"/>
                     </a:solidFill>
@@ -11765,7 +11765,7 @@
               </a:ln>
               <a:extLst>
                 <a:ext uri="{91240B29-F687-4f45-9708-019B960494DF}">
-                  <a14:hiddenLine xmlns="" xmlns:a14="http://schemas.microsoft.com/office/drawing/2010/main" w="9525">
+                  <a14:hiddenLine xmlns:a14="http://schemas.microsoft.com/office/drawing/2010/main" xmlns="" w="9525">
                     <a:solidFill>
                       <a:srgbClr val="000000"/>
                     </a:solidFill>
@@ -11799,7 +11799,7 @@
               </a:ln>
               <a:extLst>
                 <a:ext uri="{91240B29-F687-4f45-9708-019B960494DF}">
-                  <a14:hiddenLine xmlns="" xmlns:a14="http://schemas.microsoft.com/office/drawing/2010/main" w="9525">
+                  <a14:hiddenLine xmlns:a14="http://schemas.microsoft.com/office/drawing/2010/main" xmlns="" w="9525">
                     <a:solidFill>
                       <a:srgbClr val="000000"/>
                     </a:solidFill>
@@ -11869,35 +11869,35 @@
           <a:p>
             <a:pPr lvl="0"/>
             <a:r>
-              <a:rPr lang="he-IL" smtClean="0"/>
+              <a:rPr lang="he-IL"/>
               <a:t>ערוך סגנונות טקסט של תבנית בסיס</a:t>
             </a:r>
           </a:p>
           <a:p>
             <a:pPr lvl="1"/>
             <a:r>
-              <a:rPr lang="he-IL" smtClean="0"/>
+              <a:rPr lang="he-IL"/>
               <a:t>רמה שניה</a:t>
             </a:r>
           </a:p>
           <a:p>
             <a:pPr lvl="2"/>
             <a:r>
-              <a:rPr lang="he-IL" smtClean="0"/>
+              <a:rPr lang="he-IL"/>
               <a:t>רמה שלישית</a:t>
             </a:r>
           </a:p>
           <a:p>
             <a:pPr lvl="3"/>
             <a:r>
-              <a:rPr lang="he-IL" smtClean="0"/>
+              <a:rPr lang="he-IL"/>
               <a:t>רמה רביעית</a:t>
             </a:r>
           </a:p>
           <a:p>
             <a:pPr lvl="4"/>
             <a:r>
-              <a:rPr lang="he-IL" smtClean="0"/>
+              <a:rPr lang="he-IL"/>
               <a:t>רמה חמישית</a:t>
             </a:r>
             <a:endParaRPr lang="en-US" dirty="0"/>
@@ -12372,10 +12372,9 @@
           <a:lstStyle/>
           <a:p>
             <a:r>
-              <a:rPr lang="en-US" dirty="0" smtClean="0"/>
+              <a:rPr lang="en-US" dirty="0"/>
               <a:t>CSS Grid</a:t>
             </a:r>
-            <a:endParaRPr lang="en-US" dirty="0"/>
           </a:p>
         </p:txBody>
       </p:sp>
@@ -12408,13 +12407,6 @@
   <p:clrMapOvr>
     <a:masterClrMapping/>
   </p:clrMapOvr>
-  <p:timing>
-    <p:tnLst>
-      <p:par>
-        <p:cTn id="1" dur="indefinite" restart="never" nodeType="tmRoot"/>
-      </p:par>
-    </p:tnLst>
-  </p:timing>
 </p:sld>
 </file>
 
@@ -12451,10 +12443,9 @@
           <a:lstStyle/>
           <a:p>
             <a:r>
-              <a:rPr lang="en-US" dirty="0" smtClean="0"/>
+              <a:rPr lang="en-US" dirty="0"/>
               <a:t>flex</a:t>
             </a:r>
-            <a:endParaRPr lang="en-US" dirty="0"/>
           </a:p>
         </p:txBody>
       </p:sp>
@@ -12677,13 +12668,6 @@
   <p:clrMapOvr>
     <a:masterClrMapping/>
   </p:clrMapOvr>
-  <p:timing>
-    <p:tnLst>
-      <p:par>
-        <p:cTn id="1" dur="indefinite" restart="never" nodeType="tmRoot"/>
-      </p:par>
-    </p:tnLst>
-  </p:timing>
 </p:sld>
 </file>
 
@@ -12720,22 +12704,13 @@
           <a:lstStyle/>
           <a:p>
             <a:r>
-              <a:rPr lang="en-US" dirty="0" err="1" smtClean="0"/>
+              <a:rPr lang="en-US" dirty="0" err="1"/>
               <a:t>Css</a:t>
             </a:r>
             <a:r>
-              <a:rPr lang="en-US" dirty="0" smtClean="0"/>
-              <a:t> </a:t>
+              <a:rPr lang="en-US" dirty="0"/>
+              <a:t> grid layout (01-simple.html)</a:t>
             </a:r>
-            <a:r>
-              <a:rPr lang="en-US" dirty="0"/>
-              <a:t>grid layout (</a:t>
-            </a:r>
-            <a:r>
-              <a:rPr lang="en-US" dirty="0" smtClean="0"/>
-              <a:t>01-simple.html)</a:t>
-            </a:r>
-            <a:endParaRPr lang="en-US" dirty="0"/>
           </a:p>
         </p:txBody>
       </p:sp>
@@ -12821,13 +12796,6 @@
   <p:clrMapOvr>
     <a:masterClrMapping/>
   </p:clrMapOvr>
-  <p:timing>
-    <p:tnLst>
-      <p:par>
-        <p:cTn id="1" dur="indefinite" restart="never" nodeType="tmRoot"/>
-      </p:par>
-    </p:tnLst>
-  </p:timing>
 </p:sld>
 </file>
 
@@ -12987,10 +12955,9 @@
           <a:p>
             <a:pPr algn="ctr"/>
             <a:r>
-              <a:rPr lang="en-US" dirty="0" smtClean="0"/>
+              <a:rPr lang="en-US" dirty="0"/>
               <a:t>Like in flex, you have to wrap the cells in a container</a:t>
             </a:r>
-            <a:endParaRPr lang="en-US" dirty="0"/>
           </a:p>
         </p:txBody>
       </p:sp>
@@ -13004,13 +12971,6 @@
   <p:clrMapOvr>
     <a:masterClrMapping/>
   </p:clrMapOvr>
-  <p:timing>
-    <p:tnLst>
-      <p:par>
-        <p:cTn id="1" dur="indefinite" restart="never" nodeType="tmRoot"/>
-      </p:par>
-    </p:tnLst>
-  </p:timing>
 </p:sld>
 </file>
 
@@ -13047,11 +13007,11 @@
           <a:lstStyle/>
           <a:p>
             <a:r>
-              <a:rPr lang="en-US" dirty="0" err="1" smtClean="0"/>
+              <a:rPr lang="en-US" dirty="0" err="1"/>
               <a:t>Css</a:t>
             </a:r>
             <a:r>
-              <a:rPr lang="en-US" dirty="0" smtClean="0"/>
+              <a:rPr lang="en-US" dirty="0"/>
               <a:t> grid </a:t>
             </a:r>
             <a:r>
@@ -13178,10 +13138,9 @@
           <a:p>
             <a:pPr algn="ctr"/>
             <a:r>
-              <a:rPr lang="en-US" dirty="0" smtClean="0"/>
+              <a:rPr lang="en-US" dirty="0"/>
               <a:t>Like in flex, you have to wrap the cells in a container</a:t>
             </a:r>
-            <a:endParaRPr lang="en-US" dirty="0"/>
           </a:p>
         </p:txBody>
       </p:sp>
@@ -13226,10 +13185,9 @@
           <a:p>
             <a:pPr algn="ctr"/>
             <a:r>
-              <a:rPr lang="en-US" dirty="0" smtClean="0"/>
+              <a:rPr lang="en-US" dirty="0"/>
               <a:t>Like in flex, you have to wrap the cells in a container</a:t>
             </a:r>
-            <a:endParaRPr lang="en-US" dirty="0"/>
           </a:p>
         </p:txBody>
       </p:sp>
@@ -13243,13 +13201,6 @@
   <p:clrMapOvr>
     <a:masterClrMapping/>
   </p:clrMapOvr>
-  <p:timing>
-    <p:tnLst>
-      <p:par>
-        <p:cTn id="1" dur="indefinite" restart="never" nodeType="tmRoot"/>
-      </p:par>
-    </p:tnLst>
-  </p:timing>
 </p:sld>
 </file>
 
@@ -13409,24 +13360,23 @@
           <a:p>
             <a:pPr algn="ctr"/>
             <a:r>
-              <a:rPr lang="en-US" dirty="0" smtClean="0"/>
+              <a:rPr lang="en-US" dirty="0"/>
               <a:t>Grid-template-columns:</a:t>
             </a:r>
             <a:br>
-              <a:rPr lang="en-US" dirty="0" smtClean="0"/>
+              <a:rPr lang="en-US" dirty="0"/>
             </a:br>
             <a:r>
-              <a:rPr lang="en-US" dirty="0" smtClean="0"/>
+              <a:rPr lang="en-US" dirty="0"/>
               <a:t>the number of values set the number of columns.</a:t>
             </a:r>
             <a:br>
-              <a:rPr lang="en-US" dirty="0" smtClean="0"/>
+              <a:rPr lang="en-US" dirty="0"/>
             </a:br>
             <a:r>
-              <a:rPr lang="en-US" dirty="0" smtClean="0"/>
+              <a:rPr lang="en-US" dirty="0"/>
               <a:t>Every value is the width of the column</a:t>
             </a:r>
-            <a:endParaRPr lang="en-US" dirty="0"/>
           </a:p>
         </p:txBody>
       </p:sp>
@@ -13440,13 +13390,6 @@
   <p:clrMapOvr>
     <a:masterClrMapping/>
   </p:clrMapOvr>
-  <p:timing>
-    <p:tnLst>
-      <p:par>
-        <p:cTn id="1" dur="indefinite" restart="never" nodeType="tmRoot"/>
-      </p:par>
-    </p:tnLst>
-  </p:timing>
 </p:sld>
 </file>
 
@@ -13606,24 +13549,23 @@
           <a:p>
             <a:pPr algn="ctr"/>
             <a:r>
-              <a:rPr lang="en-US" dirty="0" smtClean="0"/>
+              <a:rPr lang="en-US" dirty="0"/>
               <a:t>Grid-template-columns:</a:t>
             </a:r>
             <a:br>
-              <a:rPr lang="en-US" dirty="0" smtClean="0"/>
+              <a:rPr lang="en-US" dirty="0"/>
             </a:br>
             <a:r>
-              <a:rPr lang="en-US" dirty="0" smtClean="0"/>
+              <a:rPr lang="en-US" dirty="0"/>
               <a:t>the number of values set the number of columns.</a:t>
             </a:r>
             <a:br>
-              <a:rPr lang="en-US" dirty="0" smtClean="0"/>
+              <a:rPr lang="en-US" dirty="0"/>
             </a:br>
             <a:r>
-              <a:rPr lang="en-US" dirty="0" smtClean="0"/>
+              <a:rPr lang="en-US" dirty="0"/>
               <a:t>Every value is the width of the column</a:t>
             </a:r>
-            <a:endParaRPr lang="en-US" dirty="0"/>
           </a:p>
         </p:txBody>
       </p:sp>
@@ -13637,13 +13579,6 @@
   <p:clrMapOvr>
     <a:masterClrMapping/>
   </p:clrMapOvr>
-  <p:timing>
-    <p:tnLst>
-      <p:par>
-        <p:cTn id="1" dur="indefinite" restart="never" nodeType="tmRoot"/>
-      </p:par>
-    </p:tnLst>
-  </p:timing>
 </p:sld>
 </file>
 
@@ -13680,16 +13615,12 @@
           <a:lstStyle/>
           <a:p>
             <a:r>
-              <a:rPr lang="en-US" dirty="0" err="1" smtClean="0"/>
+              <a:rPr lang="en-US" dirty="0" err="1"/>
               <a:t>Css</a:t>
             </a:r>
             <a:r>
-              <a:rPr lang="en-US" dirty="0" smtClean="0"/>
-              <a:t> </a:t>
-            </a:r>
-            <a:r>
               <a:rPr lang="en-US" dirty="0"/>
-              <a:t>grid layout (01-simple.html)</a:t>
+              <a:t> grid layout (01-simple.html)</a:t>
             </a:r>
           </a:p>
         </p:txBody>
@@ -13807,24 +13738,23 @@
           <a:p>
             <a:pPr algn="ctr"/>
             <a:r>
-              <a:rPr lang="en-US" dirty="0" smtClean="0"/>
+              <a:rPr lang="en-US" dirty="0"/>
               <a:t>Grid-template-rows:</a:t>
             </a:r>
             <a:br>
-              <a:rPr lang="en-US" dirty="0" smtClean="0"/>
+              <a:rPr lang="en-US" dirty="0"/>
             </a:br>
             <a:r>
-              <a:rPr lang="en-US" dirty="0" smtClean="0"/>
+              <a:rPr lang="en-US" dirty="0"/>
               <a:t>the number of values set the number of rows.</a:t>
             </a:r>
             <a:br>
-              <a:rPr lang="en-US" dirty="0" smtClean="0"/>
+              <a:rPr lang="en-US" dirty="0"/>
             </a:br>
             <a:r>
-              <a:rPr lang="en-US" dirty="0" smtClean="0"/>
+              <a:rPr lang="en-US" dirty="0"/>
               <a:t>Every value is the height of the column</a:t>
             </a:r>
-            <a:endParaRPr lang="en-US" dirty="0"/>
           </a:p>
         </p:txBody>
       </p:sp>
@@ -13838,13 +13768,6 @@
   <p:clrMapOvr>
     <a:masterClrMapping/>
   </p:clrMapOvr>
-  <p:timing>
-    <p:tnLst>
-      <p:par>
-        <p:cTn id="1" dur="indefinite" restart="never" nodeType="tmRoot"/>
-      </p:par>
-    </p:tnLst>
-  </p:timing>
 </p:sld>
 </file>
 
@@ -13881,16 +13804,12 @@
           <a:lstStyle/>
           <a:p>
             <a:r>
-              <a:rPr lang="en-US" dirty="0" err="1" smtClean="0"/>
+              <a:rPr lang="en-US" dirty="0" err="1"/>
               <a:t>Css</a:t>
             </a:r>
             <a:r>
-              <a:rPr lang="en-US" dirty="0" smtClean="0"/>
-              <a:t> </a:t>
-            </a:r>
-            <a:r>
               <a:rPr lang="en-US" dirty="0"/>
-              <a:t>grid layout (01-simple.html)</a:t>
+              <a:t> grid layout (01-simple.html)</a:t>
             </a:r>
           </a:p>
         </p:txBody>
@@ -14009,20 +13928,15 @@
             <a:pPr algn="ctr"/>
             <a:r>
               <a:rPr lang="en-US" dirty="0"/>
-              <a:t>g</a:t>
-            </a:r>
-            <a:r>
-              <a:rPr lang="en-US" dirty="0" smtClean="0"/>
-              <a:t>ap:</a:t>
+              <a:t>gap:</a:t>
             </a:r>
             <a:br>
-              <a:rPr lang="en-US" dirty="0" smtClean="0"/>
+              <a:rPr lang="en-US" dirty="0"/>
             </a:br>
             <a:r>
-              <a:rPr lang="en-US" dirty="0" smtClean="0"/>
+              <a:rPr lang="en-US" dirty="0"/>
               <a:t>set the size of the gaps between the boxes</a:t>
             </a:r>
-            <a:endParaRPr lang="en-US" dirty="0"/>
           </a:p>
         </p:txBody>
       </p:sp>
@@ -14036,13 +13950,6 @@
   <p:clrMapOvr>
     <a:masterClrMapping/>
   </p:clrMapOvr>
-  <p:timing>
-    <p:tnLst>
-      <p:par>
-        <p:cTn id="1" dur="indefinite" restart="never" nodeType="tmRoot"/>
-      </p:par>
-    </p:tnLst>
-  </p:timing>
 </p:sld>
 </file>
 

--- a/01-HTML-CSS/05-grid/CSS Grid.pptx
+++ b/01-HTML-CSS/05-grid/CSS Grid.pptx
@@ -14,6 +14,7 @@
     <p:sldId id="263" r:id="rId8"/>
     <p:sldId id="261" r:id="rId9"/>
     <p:sldId id="262" r:id="rId10"/>
+    <p:sldId id="265" r:id="rId11"/>
   </p:sldIdLst>
   <p:sldSz cx="12192000" cy="6858000"/>
   <p:notesSz cx="6858000" cy="9144000"/>
@@ -170,7 +171,7 @@
           <a:noFill/>
           <a:extLst>
             <a:ext uri="{909E8E84-426E-40dd-AFC4-6F175D3DCCD1}">
-              <a14:hiddenFill xmlns:a14="http://schemas.microsoft.com/office/drawing/2010/main" xmlns="">
+              <a14:hiddenFill xmlns="" xmlns:a14="http://schemas.microsoft.com/office/drawing/2010/main">
                 <a:solidFill>
                   <a:srgbClr val="FFFFFF"/>
                 </a:solidFill>
@@ -230,7 +231,7 @@
             </a:ln>
             <a:extLst>
               <a:ext uri="{91240B29-F687-4f45-9708-019B960494DF}">
-                <a14:hiddenLine xmlns:a14="http://schemas.microsoft.com/office/drawing/2010/main" xmlns="" w="9525">
+                <a14:hiddenLine xmlns="" xmlns:a14="http://schemas.microsoft.com/office/drawing/2010/main" w="9525">
                   <a:solidFill>
                     <a:srgbClr val="000000"/>
                   </a:solidFill>
@@ -320,7 +321,7 @@
             </a:ln>
             <a:extLst>
               <a:ext uri="{91240B29-F687-4f45-9708-019B960494DF}">
-                <a14:hiddenLine xmlns:a14="http://schemas.microsoft.com/office/drawing/2010/main" xmlns="" w="9525">
+                <a14:hiddenLine xmlns="" xmlns:a14="http://schemas.microsoft.com/office/drawing/2010/main" w="9525">
                   <a:solidFill>
                     <a:srgbClr val="000000"/>
                   </a:solidFill>
@@ -410,7 +411,7 @@
             </a:ln>
             <a:extLst>
               <a:ext uri="{91240B29-F687-4f45-9708-019B960494DF}">
-                <a14:hiddenLine xmlns:a14="http://schemas.microsoft.com/office/drawing/2010/main" xmlns="" w="9525">
+                <a14:hiddenLine xmlns="" xmlns:a14="http://schemas.microsoft.com/office/drawing/2010/main" w="9525">
                   <a:solidFill>
                     <a:srgbClr val="000000"/>
                   </a:solidFill>
@@ -444,7 +445,7 @@
             </a:ln>
             <a:extLst>
               <a:ext uri="{91240B29-F687-4f45-9708-019B960494DF}">
-                <a14:hiddenLine xmlns:a14="http://schemas.microsoft.com/office/drawing/2010/main" xmlns="" w="9525">
+                <a14:hiddenLine xmlns="" xmlns:a14="http://schemas.microsoft.com/office/drawing/2010/main" w="9525">
                   <a:solidFill>
                     <a:srgbClr val="000000"/>
                   </a:solidFill>
@@ -534,7 +535,7 @@
             </a:ln>
             <a:extLst>
               <a:ext uri="{91240B29-F687-4f45-9708-019B960494DF}">
-                <a14:hiddenLine xmlns:a14="http://schemas.microsoft.com/office/drawing/2010/main" xmlns="" w="9525">
+                <a14:hiddenLine xmlns="" xmlns:a14="http://schemas.microsoft.com/office/drawing/2010/main" w="9525">
                   <a:solidFill>
                     <a:srgbClr val="000000"/>
                   </a:solidFill>
@@ -596,7 +597,7 @@
             </a:ln>
             <a:extLst>
               <a:ext uri="{91240B29-F687-4f45-9708-019B960494DF}">
-                <a14:hiddenLine xmlns:a14="http://schemas.microsoft.com/office/drawing/2010/main" xmlns="" w="9525">
+                <a14:hiddenLine xmlns="" xmlns:a14="http://schemas.microsoft.com/office/drawing/2010/main" w="9525">
                   <a:solidFill>
                     <a:srgbClr val="000000"/>
                   </a:solidFill>
@@ -658,7 +659,7 @@
             </a:ln>
             <a:extLst>
               <a:ext uri="{91240B29-F687-4f45-9708-019B960494DF}">
-                <a14:hiddenLine xmlns:a14="http://schemas.microsoft.com/office/drawing/2010/main" xmlns="" w="9525">
+                <a14:hiddenLine xmlns="" xmlns:a14="http://schemas.microsoft.com/office/drawing/2010/main" w="9525">
                   <a:solidFill>
                     <a:srgbClr val="000000"/>
                   </a:solidFill>
@@ -748,7 +749,7 @@
             </a:ln>
             <a:extLst>
               <a:ext uri="{91240B29-F687-4f45-9708-019B960494DF}">
-                <a14:hiddenLine xmlns:a14="http://schemas.microsoft.com/office/drawing/2010/main" xmlns="" w="9525">
+                <a14:hiddenLine xmlns="" xmlns:a14="http://schemas.microsoft.com/office/drawing/2010/main" w="9525">
                   <a:solidFill>
                     <a:srgbClr val="000000"/>
                   </a:solidFill>
@@ -810,7 +811,7 @@
             </a:ln>
             <a:extLst>
               <a:ext uri="{91240B29-F687-4f45-9708-019B960494DF}">
-                <a14:hiddenLine xmlns:a14="http://schemas.microsoft.com/office/drawing/2010/main" xmlns="" w="9525">
+                <a14:hiddenLine xmlns="" xmlns:a14="http://schemas.microsoft.com/office/drawing/2010/main" w="9525">
                   <a:solidFill>
                     <a:srgbClr val="000000"/>
                   </a:solidFill>
@@ -872,7 +873,7 @@
             </a:ln>
             <a:extLst>
               <a:ext uri="{91240B29-F687-4f45-9708-019B960494DF}">
-                <a14:hiddenLine xmlns:a14="http://schemas.microsoft.com/office/drawing/2010/main" xmlns="" w="9525">
+                <a14:hiddenLine xmlns="" xmlns:a14="http://schemas.microsoft.com/office/drawing/2010/main" w="9525">
                   <a:solidFill>
                     <a:srgbClr val="000000"/>
                   </a:solidFill>
@@ -962,7 +963,7 @@
             </a:ln>
             <a:extLst>
               <a:ext uri="{91240B29-F687-4f45-9708-019B960494DF}">
-                <a14:hiddenLine xmlns:a14="http://schemas.microsoft.com/office/drawing/2010/main" xmlns="" w="9525">
+                <a14:hiddenLine xmlns="" xmlns:a14="http://schemas.microsoft.com/office/drawing/2010/main" w="9525">
                   <a:solidFill>
                     <a:srgbClr val="000000"/>
                   </a:solidFill>
@@ -1052,7 +1053,7 @@
             </a:ln>
             <a:extLst>
               <a:ext uri="{91240B29-F687-4f45-9708-019B960494DF}">
-                <a14:hiddenLine xmlns:a14="http://schemas.microsoft.com/office/drawing/2010/main" xmlns="" w="9525">
+                <a14:hiddenLine xmlns="" xmlns:a14="http://schemas.microsoft.com/office/drawing/2010/main" w="9525">
                   <a:solidFill>
                     <a:srgbClr val="000000"/>
                   </a:solidFill>
@@ -1114,7 +1115,7 @@
             </a:ln>
             <a:extLst>
               <a:ext uri="{91240B29-F687-4f45-9708-019B960494DF}">
-                <a14:hiddenLine xmlns:a14="http://schemas.microsoft.com/office/drawing/2010/main" xmlns="" w="9525">
+                <a14:hiddenLine xmlns="" xmlns:a14="http://schemas.microsoft.com/office/drawing/2010/main" w="9525">
                   <a:solidFill>
                     <a:srgbClr val="000000"/>
                   </a:solidFill>
@@ -1224,7 +1225,7 @@
             </a:ln>
             <a:extLst>
               <a:ext uri="{91240B29-F687-4f45-9708-019B960494DF}">
-                <a14:hiddenLine xmlns:a14="http://schemas.microsoft.com/office/drawing/2010/main" xmlns="" w="9525">
+                <a14:hiddenLine xmlns="" xmlns:a14="http://schemas.microsoft.com/office/drawing/2010/main" w="9525">
                   <a:solidFill>
                     <a:srgbClr val="000000"/>
                   </a:solidFill>
@@ -1286,7 +1287,7 @@
             </a:ln>
             <a:extLst>
               <a:ext uri="{91240B29-F687-4f45-9708-019B960494DF}">
-                <a14:hiddenLine xmlns:a14="http://schemas.microsoft.com/office/drawing/2010/main" xmlns="" w="9525">
+                <a14:hiddenLine xmlns="" xmlns:a14="http://schemas.microsoft.com/office/drawing/2010/main" w="9525">
                   <a:solidFill>
                     <a:srgbClr val="000000"/>
                   </a:solidFill>
@@ -1376,7 +1377,7 @@
             </a:ln>
             <a:extLst>
               <a:ext uri="{91240B29-F687-4f45-9708-019B960494DF}">
-                <a14:hiddenLine xmlns:a14="http://schemas.microsoft.com/office/drawing/2010/main" xmlns="" w="9525">
+                <a14:hiddenLine xmlns="" xmlns:a14="http://schemas.microsoft.com/office/drawing/2010/main" w="9525">
                   <a:solidFill>
                     <a:srgbClr val="000000"/>
                   </a:solidFill>
@@ -1466,7 +1467,7 @@
             </a:ln>
             <a:extLst>
               <a:ext uri="{91240B29-F687-4f45-9708-019B960494DF}">
-                <a14:hiddenLine xmlns:a14="http://schemas.microsoft.com/office/drawing/2010/main" xmlns="" w="9525">
+                <a14:hiddenLine xmlns="" xmlns:a14="http://schemas.microsoft.com/office/drawing/2010/main" w="9525">
                   <a:solidFill>
                     <a:srgbClr val="000000"/>
                   </a:solidFill>
@@ -1528,7 +1529,7 @@
             </a:ln>
             <a:extLst>
               <a:ext uri="{91240B29-F687-4f45-9708-019B960494DF}">
-                <a14:hiddenLine xmlns:a14="http://schemas.microsoft.com/office/drawing/2010/main" xmlns="" w="9525">
+                <a14:hiddenLine xmlns="" xmlns:a14="http://schemas.microsoft.com/office/drawing/2010/main" w="9525">
                   <a:solidFill>
                     <a:srgbClr val="000000"/>
                   </a:solidFill>
@@ -1618,7 +1619,7 @@
             </a:ln>
             <a:extLst>
               <a:ext uri="{91240B29-F687-4f45-9708-019B960494DF}">
-                <a14:hiddenLine xmlns:a14="http://schemas.microsoft.com/office/drawing/2010/main" xmlns="" w="9525">
+                <a14:hiddenLine xmlns="" xmlns:a14="http://schemas.microsoft.com/office/drawing/2010/main" w="9525">
                   <a:solidFill>
                     <a:srgbClr val="000000"/>
                   </a:solidFill>
@@ -1708,7 +1709,7 @@
             </a:ln>
             <a:extLst>
               <a:ext uri="{91240B29-F687-4f45-9708-019B960494DF}">
-                <a14:hiddenLine xmlns:a14="http://schemas.microsoft.com/office/drawing/2010/main" xmlns="" w="9525">
+                <a14:hiddenLine xmlns="" xmlns:a14="http://schemas.microsoft.com/office/drawing/2010/main" w="9525">
                   <a:solidFill>
                     <a:srgbClr val="000000"/>
                   </a:solidFill>
@@ -1764,7 +1765,7 @@
             </a:ln>
             <a:extLst>
               <a:ext uri="{91240B29-F687-4f45-9708-019B960494DF}">
-                <a14:hiddenLine xmlns:a14="http://schemas.microsoft.com/office/drawing/2010/main" xmlns="" w="9525">
+                <a14:hiddenLine xmlns="" xmlns:a14="http://schemas.microsoft.com/office/drawing/2010/main" w="9525">
                   <a:solidFill>
                     <a:srgbClr val="000000"/>
                   </a:solidFill>
@@ -1854,7 +1855,7 @@
             </a:ln>
             <a:extLst>
               <a:ext uri="{91240B29-F687-4f45-9708-019B960494DF}">
-                <a14:hiddenLine xmlns:a14="http://schemas.microsoft.com/office/drawing/2010/main" xmlns="" w="9525">
+                <a14:hiddenLine xmlns="" xmlns:a14="http://schemas.microsoft.com/office/drawing/2010/main" w="9525">
                   <a:solidFill>
                     <a:srgbClr val="000000"/>
                   </a:solidFill>
@@ -1910,7 +1911,7 @@
             </a:ln>
             <a:extLst>
               <a:ext uri="{91240B29-F687-4f45-9708-019B960494DF}">
-                <a14:hiddenLine xmlns:a14="http://schemas.microsoft.com/office/drawing/2010/main" xmlns="" w="9525">
+                <a14:hiddenLine xmlns="" xmlns:a14="http://schemas.microsoft.com/office/drawing/2010/main" w="9525">
                   <a:solidFill>
                     <a:srgbClr val="000000"/>
                   </a:solidFill>
@@ -2000,7 +2001,7 @@
             </a:ln>
             <a:extLst>
               <a:ext uri="{91240B29-F687-4f45-9708-019B960494DF}">
-                <a14:hiddenLine xmlns:a14="http://schemas.microsoft.com/office/drawing/2010/main" xmlns="" w="9525">
+                <a14:hiddenLine xmlns="" xmlns:a14="http://schemas.microsoft.com/office/drawing/2010/main" w="9525">
                   <a:solidFill>
                     <a:srgbClr val="000000"/>
                   </a:solidFill>
@@ -2068,7 +2069,7 @@
             </a:ln>
             <a:extLst>
               <a:ext uri="{91240B29-F687-4f45-9708-019B960494DF}">
-                <a14:hiddenLine xmlns:a14="http://schemas.microsoft.com/office/drawing/2010/main" xmlns="" w="9525">
+                <a14:hiddenLine xmlns="" xmlns:a14="http://schemas.microsoft.com/office/drawing/2010/main" w="9525">
                   <a:solidFill>
                     <a:srgbClr val="000000"/>
                   </a:solidFill>
@@ -2158,7 +2159,7 @@
             </a:ln>
             <a:extLst>
               <a:ext uri="{91240B29-F687-4f45-9708-019B960494DF}">
-                <a14:hiddenLine xmlns:a14="http://schemas.microsoft.com/office/drawing/2010/main" xmlns="" w="9525">
+                <a14:hiddenLine xmlns="" xmlns:a14="http://schemas.microsoft.com/office/drawing/2010/main" w="9525">
                   <a:solidFill>
                     <a:srgbClr val="000000"/>
                   </a:solidFill>
@@ -2226,7 +2227,7 @@
             </a:ln>
             <a:extLst>
               <a:ext uri="{91240B29-F687-4f45-9708-019B960494DF}">
-                <a14:hiddenLine xmlns:a14="http://schemas.microsoft.com/office/drawing/2010/main" xmlns="" w="9525">
+                <a14:hiddenLine xmlns="" xmlns:a14="http://schemas.microsoft.com/office/drawing/2010/main" w="9525">
                   <a:solidFill>
                     <a:srgbClr val="000000"/>
                   </a:solidFill>
@@ -2316,7 +2317,7 @@
             </a:ln>
             <a:extLst>
               <a:ext uri="{91240B29-F687-4f45-9708-019B960494DF}">
-                <a14:hiddenLine xmlns:a14="http://schemas.microsoft.com/office/drawing/2010/main" xmlns="" w="9525">
+                <a14:hiddenLine xmlns="" xmlns:a14="http://schemas.microsoft.com/office/drawing/2010/main" w="9525">
                   <a:solidFill>
                     <a:srgbClr val="000000"/>
                   </a:solidFill>
@@ -2350,7 +2351,7 @@
             </a:ln>
             <a:extLst>
               <a:ext uri="{91240B29-F687-4f45-9708-019B960494DF}">
-                <a14:hiddenLine xmlns:a14="http://schemas.microsoft.com/office/drawing/2010/main" xmlns="" w="9525">
+                <a14:hiddenLine xmlns="" xmlns:a14="http://schemas.microsoft.com/office/drawing/2010/main" w="9525">
                   <a:solidFill>
                     <a:srgbClr val="000000"/>
                   </a:solidFill>
@@ -2440,7 +2441,7 @@
             </a:ln>
             <a:extLst>
               <a:ext uri="{91240B29-F687-4f45-9708-019B960494DF}">
-                <a14:hiddenLine xmlns:a14="http://schemas.microsoft.com/office/drawing/2010/main" xmlns="" w="9525">
+                <a14:hiddenLine xmlns="" xmlns:a14="http://schemas.microsoft.com/office/drawing/2010/main" w="9525">
                   <a:solidFill>
                     <a:srgbClr val="000000"/>
                   </a:solidFill>
@@ -2502,7 +2503,7 @@
             </a:ln>
             <a:extLst>
               <a:ext uri="{91240B29-F687-4f45-9708-019B960494DF}">
-                <a14:hiddenLine xmlns:a14="http://schemas.microsoft.com/office/drawing/2010/main" xmlns="" w="9525">
+                <a14:hiddenLine xmlns="" xmlns:a14="http://schemas.microsoft.com/office/drawing/2010/main" w="9525">
                   <a:solidFill>
                     <a:srgbClr val="000000"/>
                   </a:solidFill>
@@ -2564,7 +2565,7 @@
             </a:ln>
             <a:extLst>
               <a:ext uri="{91240B29-F687-4f45-9708-019B960494DF}">
-                <a14:hiddenLine xmlns:a14="http://schemas.microsoft.com/office/drawing/2010/main" xmlns="" w="9525">
+                <a14:hiddenLine xmlns="" xmlns:a14="http://schemas.microsoft.com/office/drawing/2010/main" w="9525">
                   <a:solidFill>
                     <a:srgbClr val="000000"/>
                   </a:solidFill>
@@ -2654,7 +2655,7 @@
             </a:ln>
             <a:extLst>
               <a:ext uri="{91240B29-F687-4f45-9708-019B960494DF}">
-                <a14:hiddenLine xmlns:a14="http://schemas.microsoft.com/office/drawing/2010/main" xmlns="" w="9525">
+                <a14:hiddenLine xmlns="" xmlns:a14="http://schemas.microsoft.com/office/drawing/2010/main" w="9525">
                   <a:solidFill>
                     <a:srgbClr val="000000"/>
                   </a:solidFill>
@@ -2722,7 +2723,7 @@
             </a:ln>
             <a:extLst>
               <a:ext uri="{91240B29-F687-4f45-9708-019B960494DF}">
-                <a14:hiddenLine xmlns:a14="http://schemas.microsoft.com/office/drawing/2010/main" xmlns="" w="9525">
+                <a14:hiddenLine xmlns="" xmlns:a14="http://schemas.microsoft.com/office/drawing/2010/main" w="9525">
                   <a:solidFill>
                     <a:srgbClr val="000000"/>
                   </a:solidFill>
@@ -2784,7 +2785,7 @@
             </a:ln>
             <a:extLst>
               <a:ext uri="{91240B29-F687-4f45-9708-019B960494DF}">
-                <a14:hiddenLine xmlns:a14="http://schemas.microsoft.com/office/drawing/2010/main" xmlns="" w="9525">
+                <a14:hiddenLine xmlns="" xmlns:a14="http://schemas.microsoft.com/office/drawing/2010/main" w="9525">
                   <a:solidFill>
                     <a:srgbClr val="000000"/>
                   </a:solidFill>
@@ -2874,7 +2875,7 @@
             </a:ln>
             <a:extLst>
               <a:ext uri="{91240B29-F687-4f45-9708-019B960494DF}">
-                <a14:hiddenLine xmlns:a14="http://schemas.microsoft.com/office/drawing/2010/main" xmlns="" w="9525">
+                <a14:hiddenLine xmlns="" xmlns:a14="http://schemas.microsoft.com/office/drawing/2010/main" w="9525">
                   <a:solidFill>
                     <a:srgbClr val="000000"/>
                   </a:solidFill>
@@ -2936,7 +2937,7 @@
             </a:ln>
             <a:extLst>
               <a:ext uri="{91240B29-F687-4f45-9708-019B960494DF}">
-                <a14:hiddenLine xmlns:a14="http://schemas.microsoft.com/office/drawing/2010/main" xmlns="" w="9525">
+                <a14:hiddenLine xmlns="" xmlns:a14="http://schemas.microsoft.com/office/drawing/2010/main" w="9525">
                   <a:solidFill>
                     <a:srgbClr val="000000"/>
                   </a:solidFill>
@@ -3026,7 +3027,7 @@
             </a:ln>
             <a:extLst>
               <a:ext uri="{91240B29-F687-4f45-9708-019B960494DF}">
-                <a14:hiddenLine xmlns:a14="http://schemas.microsoft.com/office/drawing/2010/main" xmlns="" w="9525">
+                <a14:hiddenLine xmlns="" xmlns:a14="http://schemas.microsoft.com/office/drawing/2010/main" w="9525">
                   <a:solidFill>
                     <a:srgbClr val="000000"/>
                   </a:solidFill>
@@ -3088,7 +3089,7 @@
             </a:ln>
             <a:extLst>
               <a:ext uri="{91240B29-F687-4f45-9708-019B960494DF}">
-                <a14:hiddenLine xmlns:a14="http://schemas.microsoft.com/office/drawing/2010/main" xmlns="" w="9525">
+                <a14:hiddenLine xmlns="" xmlns:a14="http://schemas.microsoft.com/office/drawing/2010/main" w="9525">
                   <a:solidFill>
                     <a:srgbClr val="000000"/>
                   </a:solidFill>
@@ -3178,7 +3179,7 @@
             </a:ln>
             <a:extLst>
               <a:ext uri="{91240B29-F687-4f45-9708-019B960494DF}">
-                <a14:hiddenLine xmlns:a14="http://schemas.microsoft.com/office/drawing/2010/main" xmlns="" w="9525">
+                <a14:hiddenLine xmlns="" xmlns:a14="http://schemas.microsoft.com/office/drawing/2010/main" w="9525">
                   <a:solidFill>
                     <a:srgbClr val="000000"/>
                   </a:solidFill>
@@ -3212,7 +3213,7 @@
             </a:ln>
             <a:extLst>
               <a:ext uri="{91240B29-F687-4f45-9708-019B960494DF}">
-                <a14:hiddenLine xmlns:a14="http://schemas.microsoft.com/office/drawing/2010/main" xmlns="" w="9525">
+                <a14:hiddenLine xmlns="" xmlns:a14="http://schemas.microsoft.com/office/drawing/2010/main" w="9525">
                   <a:solidFill>
                     <a:srgbClr val="000000"/>
                   </a:solidFill>
@@ -3277,7 +3278,7 @@
             </a:ln>
             <a:extLst>
               <a:ext uri="{91240B29-F687-4f45-9708-019B960494DF}">
-                <a14:hiddenLine xmlns:a14="http://schemas.microsoft.com/office/drawing/2010/main" xmlns="" w="9525">
+                <a14:hiddenLine xmlns="" xmlns:a14="http://schemas.microsoft.com/office/drawing/2010/main" w="9525">
                   <a:solidFill>
                     <a:srgbClr val="000000"/>
                   </a:solidFill>
@@ -3367,7 +3368,7 @@
             </a:ln>
             <a:extLst>
               <a:ext uri="{91240B29-F687-4f45-9708-019B960494DF}">
-                <a14:hiddenLine xmlns:a14="http://schemas.microsoft.com/office/drawing/2010/main" xmlns="" w="9525">
+                <a14:hiddenLine xmlns="" xmlns:a14="http://schemas.microsoft.com/office/drawing/2010/main" w="9525">
                   <a:solidFill>
                     <a:srgbClr val="000000"/>
                   </a:solidFill>
@@ -3429,7 +3430,7 @@
             </a:ln>
             <a:extLst>
               <a:ext uri="{91240B29-F687-4f45-9708-019B960494DF}">
-                <a14:hiddenLine xmlns:a14="http://schemas.microsoft.com/office/drawing/2010/main" xmlns="" w="9525">
+                <a14:hiddenLine xmlns="" xmlns:a14="http://schemas.microsoft.com/office/drawing/2010/main" w="9525">
                   <a:solidFill>
                     <a:srgbClr val="000000"/>
                   </a:solidFill>
@@ -3519,7 +3520,7 @@
             </a:ln>
             <a:extLst>
               <a:ext uri="{91240B29-F687-4f45-9708-019B960494DF}">
-                <a14:hiddenLine xmlns:a14="http://schemas.microsoft.com/office/drawing/2010/main" xmlns="" w="9525">
+                <a14:hiddenLine xmlns="" xmlns:a14="http://schemas.microsoft.com/office/drawing/2010/main" w="9525">
                   <a:solidFill>
                     <a:srgbClr val="000000"/>
                   </a:solidFill>
@@ -3609,7 +3610,7 @@
             </a:ln>
             <a:extLst>
               <a:ext uri="{91240B29-F687-4f45-9708-019B960494DF}">
-                <a14:hiddenLine xmlns:a14="http://schemas.microsoft.com/office/drawing/2010/main" xmlns="" w="9525">
+                <a14:hiddenLine xmlns="" xmlns:a14="http://schemas.microsoft.com/office/drawing/2010/main" w="9525">
                   <a:solidFill>
                     <a:srgbClr val="000000"/>
                   </a:solidFill>
@@ -3674,7 +3675,7 @@
             </a:ln>
             <a:extLst>
               <a:ext uri="{91240B29-F687-4f45-9708-019B960494DF}">
-                <a14:hiddenLine xmlns:a14="http://schemas.microsoft.com/office/drawing/2010/main" xmlns="" w="9525">
+                <a14:hiddenLine xmlns="" xmlns:a14="http://schemas.microsoft.com/office/drawing/2010/main" w="9525">
                   <a:solidFill>
                     <a:srgbClr val="000000"/>
                   </a:solidFill>
@@ -3736,7 +3737,7 @@
             </a:ln>
             <a:extLst>
               <a:ext uri="{91240B29-F687-4f45-9708-019B960494DF}">
-                <a14:hiddenLine xmlns:a14="http://schemas.microsoft.com/office/drawing/2010/main" xmlns="" w="9525">
+                <a14:hiddenLine xmlns="" xmlns:a14="http://schemas.microsoft.com/office/drawing/2010/main" w="9525">
                   <a:solidFill>
                     <a:srgbClr val="000000"/>
                   </a:solidFill>
@@ -3826,7 +3827,7 @@
             </a:ln>
             <a:extLst>
               <a:ext uri="{91240B29-F687-4f45-9708-019B960494DF}">
-                <a14:hiddenLine xmlns:a14="http://schemas.microsoft.com/office/drawing/2010/main" xmlns="" w="9525">
+                <a14:hiddenLine xmlns="" xmlns:a14="http://schemas.microsoft.com/office/drawing/2010/main" w="9525">
                   <a:solidFill>
                     <a:srgbClr val="000000"/>
                   </a:solidFill>
@@ -3916,7 +3917,7 @@
             </a:ln>
             <a:extLst>
               <a:ext uri="{91240B29-F687-4f45-9708-019B960494DF}">
-                <a14:hiddenLine xmlns:a14="http://schemas.microsoft.com/office/drawing/2010/main" xmlns="" w="9525">
+                <a14:hiddenLine xmlns="" xmlns:a14="http://schemas.microsoft.com/office/drawing/2010/main" w="9525">
                   <a:solidFill>
                     <a:srgbClr val="000000"/>
                   </a:solidFill>
@@ -3978,7 +3979,7 @@
             </a:ln>
             <a:extLst>
               <a:ext uri="{91240B29-F687-4f45-9708-019B960494DF}">
-                <a14:hiddenLine xmlns:a14="http://schemas.microsoft.com/office/drawing/2010/main" xmlns="" w="9525">
+                <a14:hiddenLine xmlns="" xmlns:a14="http://schemas.microsoft.com/office/drawing/2010/main" w="9525">
                   <a:solidFill>
                     <a:srgbClr val="000000"/>
                   </a:solidFill>
@@ -4098,7 +4099,7 @@
             </a:ln>
             <a:extLst>
               <a:ext uri="{91240B29-F687-4f45-9708-019B960494DF}">
-                <a14:hiddenLine xmlns:a14="http://schemas.microsoft.com/office/drawing/2010/main" xmlns="" w="9525">
+                <a14:hiddenLine xmlns="" xmlns:a14="http://schemas.microsoft.com/office/drawing/2010/main" w="9525">
                   <a:solidFill>
                     <a:srgbClr val="000000"/>
                   </a:solidFill>
@@ -4166,7 +4167,7 @@
             </a:ln>
             <a:extLst>
               <a:ext uri="{91240B29-F687-4f45-9708-019B960494DF}">
-                <a14:hiddenLine xmlns:a14="http://schemas.microsoft.com/office/drawing/2010/main" xmlns="" w="9525">
+                <a14:hiddenLine xmlns="" xmlns:a14="http://schemas.microsoft.com/office/drawing/2010/main" w="9525">
                   <a:solidFill>
                     <a:srgbClr val="000000"/>
                   </a:solidFill>
@@ -4256,7 +4257,7 @@
             </a:ln>
             <a:extLst>
               <a:ext uri="{91240B29-F687-4f45-9708-019B960494DF}">
-                <a14:hiddenLine xmlns:a14="http://schemas.microsoft.com/office/drawing/2010/main" xmlns="" w="9525">
+                <a14:hiddenLine xmlns="" xmlns:a14="http://schemas.microsoft.com/office/drawing/2010/main" w="9525">
                   <a:solidFill>
                     <a:srgbClr val="000000"/>
                   </a:solidFill>
@@ -4396,7 +4397,7 @@
           <a:p>
             <a:fld id="{48A87A34-81AB-432B-8DAE-1953F412C126}" type="datetimeFigureOut">
               <a:rPr lang="en-US" dirty="0"/>
-              <a:t>11/22/2021</a:t>
+              <a:t>12/2/2021</a:t>
             </a:fld>
             <a:endParaRPr lang="en-US" dirty="0"/>
           </a:p>
@@ -4658,7 +4659,7 @@
           <a:p>
             <a:fld id="{48A87A34-81AB-432B-8DAE-1953F412C126}" type="datetimeFigureOut">
               <a:rPr lang="en-US" dirty="0"/>
-              <a:t>11/22/2021</a:t>
+              <a:t>12/2/2021</a:t>
             </a:fld>
             <a:endParaRPr lang="en-US" dirty="0"/>
           </a:p>
@@ -4849,7 +4850,7 @@
           <a:p>
             <a:fld id="{48A87A34-81AB-432B-8DAE-1953F412C126}" type="datetimeFigureOut">
               <a:rPr lang="en-US" dirty="0"/>
-              <a:t>11/22/2021</a:t>
+              <a:t>12/2/2021</a:t>
             </a:fld>
             <a:endParaRPr lang="en-US" dirty="0"/>
           </a:p>
@@ -5107,7 +5108,7 @@
           <a:p>
             <a:fld id="{48A87A34-81AB-432B-8DAE-1953F412C126}" type="datetimeFigureOut">
               <a:rPr lang="en-US" dirty="0"/>
-              <a:t>11/22/2021</a:t>
+              <a:t>12/2/2021</a:t>
             </a:fld>
             <a:endParaRPr lang="en-US" dirty="0"/>
           </a:p>
@@ -5536,7 +5537,7 @@
           <a:p>
             <a:fld id="{48A87A34-81AB-432B-8DAE-1953F412C126}" type="datetimeFigureOut">
               <a:rPr lang="en-US" dirty="0"/>
-              <a:t>11/22/2021</a:t>
+              <a:t>12/2/2021</a:t>
             </a:fld>
             <a:endParaRPr lang="en-US" dirty="0"/>
           </a:p>
@@ -6077,7 +6078,7 @@
           <a:p>
             <a:fld id="{48A87A34-81AB-432B-8DAE-1953F412C126}" type="datetimeFigureOut">
               <a:rPr lang="en-US" dirty="0"/>
-              <a:t>11/22/2021</a:t>
+              <a:t>12/2/2021</a:t>
             </a:fld>
             <a:endParaRPr lang="en-US" dirty="0"/>
           </a:p>
@@ -6792,7 +6793,7 @@
           <a:p>
             <a:fld id="{48A87A34-81AB-432B-8DAE-1953F412C126}" type="datetimeFigureOut">
               <a:rPr lang="en-US" dirty="0"/>
-              <a:t>11/22/2021</a:t>
+              <a:t>12/2/2021</a:t>
             </a:fld>
             <a:endParaRPr lang="en-US" dirty="0"/>
           </a:p>
@@ -6957,7 +6958,7 @@
           <a:p>
             <a:fld id="{48A87A34-81AB-432B-8DAE-1953F412C126}" type="datetimeFigureOut">
               <a:rPr lang="en-US" dirty="0"/>
-              <a:t>11/22/2021</a:t>
+              <a:t>12/2/2021</a:t>
             </a:fld>
             <a:endParaRPr lang="en-US" dirty="0"/>
           </a:p>
@@ -7132,7 +7133,7 @@
           <a:p>
             <a:fld id="{48A87A34-81AB-432B-8DAE-1953F412C126}" type="datetimeFigureOut">
               <a:rPr lang="en-US" dirty="0"/>
-              <a:t>11/22/2021</a:t>
+              <a:t>12/2/2021</a:t>
             </a:fld>
             <a:endParaRPr lang="en-US" dirty="0"/>
           </a:p>
@@ -7297,7 +7298,7 @@
           <a:p>
             <a:fld id="{48A87A34-81AB-432B-8DAE-1953F412C126}" type="datetimeFigureOut">
               <a:rPr lang="en-US" dirty="0"/>
-              <a:t>11/22/2021</a:t>
+              <a:t>12/2/2021</a:t>
             </a:fld>
             <a:endParaRPr lang="en-US" dirty="0"/>
           </a:p>
@@ -7542,7 +7543,7 @@
           <a:p>
             <a:fld id="{48A87A34-81AB-432B-8DAE-1953F412C126}" type="datetimeFigureOut">
               <a:rPr lang="en-US" dirty="0"/>
-              <a:t>11/22/2021</a:t>
+              <a:t>12/2/2021</a:t>
             </a:fld>
             <a:endParaRPr lang="en-US" dirty="0"/>
           </a:p>
@@ -7769,7 +7770,7 @@
           <a:p>
             <a:fld id="{48A87A34-81AB-432B-8DAE-1953F412C126}" type="datetimeFigureOut">
               <a:rPr lang="en-US" dirty="0"/>
-              <a:t>11/22/2021</a:t>
+              <a:t>12/2/2021</a:t>
             </a:fld>
             <a:endParaRPr lang="en-US" dirty="0"/>
           </a:p>
@@ -8145,7 +8146,7 @@
           <a:p>
             <a:fld id="{48A87A34-81AB-432B-8DAE-1953F412C126}" type="datetimeFigureOut">
               <a:rPr lang="en-US" dirty="0"/>
-              <a:t>11/22/2021</a:t>
+              <a:t>12/2/2021</a:t>
             </a:fld>
             <a:endParaRPr lang="en-US" dirty="0"/>
           </a:p>
@@ -8258,7 +8259,7 @@
           <a:p>
             <a:fld id="{48A87A34-81AB-432B-8DAE-1953F412C126}" type="datetimeFigureOut">
               <a:rPr lang="en-US" dirty="0"/>
-              <a:t>11/22/2021</a:t>
+              <a:t>12/2/2021</a:t>
             </a:fld>
             <a:endParaRPr lang="en-US" dirty="0"/>
           </a:p>
@@ -8348,7 +8349,7 @@
           <a:p>
             <a:fld id="{48A87A34-81AB-432B-8DAE-1953F412C126}" type="datetimeFigureOut">
               <a:rPr lang="en-US" dirty="0"/>
-              <a:t>11/22/2021</a:t>
+              <a:t>12/2/2021</a:t>
             </a:fld>
             <a:endParaRPr lang="en-US" dirty="0"/>
           </a:p>
@@ -8592,7 +8593,7 @@
           <a:p>
             <a:fld id="{48A87A34-81AB-432B-8DAE-1953F412C126}" type="datetimeFigureOut">
               <a:rPr lang="en-US" dirty="0"/>
-              <a:t>11/22/2021</a:t>
+              <a:t>12/2/2021</a:t>
             </a:fld>
             <a:endParaRPr lang="en-US" dirty="0"/>
           </a:p>
@@ -8867,7 +8868,7 @@
           <a:p>
             <a:fld id="{48A87A34-81AB-432B-8DAE-1953F412C126}" type="datetimeFigureOut">
               <a:rPr lang="en-US" dirty="0"/>
-              <a:t>11/22/2021</a:t>
+              <a:t>12/2/2021</a:t>
             </a:fld>
             <a:endParaRPr lang="en-US" dirty="0"/>
           </a:p>
@@ -8978,7 +8979,7 @@
           <a:noFill/>
           <a:extLst>
             <a:ext uri="{909E8E84-426E-40dd-AFC4-6F175D3DCCD1}">
-              <a14:hiddenFill xmlns:a14="http://schemas.microsoft.com/office/drawing/2010/main" xmlns="">
+              <a14:hiddenFill xmlns="" xmlns:a14="http://schemas.microsoft.com/office/drawing/2010/main">
                 <a:solidFill>
                   <a:srgbClr val="FFFFFF"/>
                 </a:solidFill>
@@ -9052,7 +9053,7 @@
               </a:ln>
               <a:extLst>
                 <a:ext uri="{91240B29-F687-4f45-9708-019B960494DF}">
-                  <a14:hiddenLine xmlns:a14="http://schemas.microsoft.com/office/drawing/2010/main" xmlns="" w="9525">
+                  <a14:hiddenLine xmlns="" xmlns:a14="http://schemas.microsoft.com/office/drawing/2010/main" w="9525">
                     <a:solidFill>
                       <a:srgbClr val="000000"/>
                     </a:solidFill>
@@ -9142,7 +9143,7 @@
               </a:ln>
               <a:extLst>
                 <a:ext uri="{91240B29-F687-4f45-9708-019B960494DF}">
-                  <a14:hiddenLine xmlns:a14="http://schemas.microsoft.com/office/drawing/2010/main" xmlns="" w="9525">
+                  <a14:hiddenLine xmlns="" xmlns:a14="http://schemas.microsoft.com/office/drawing/2010/main" w="9525">
                     <a:solidFill>
                       <a:srgbClr val="000000"/>
                     </a:solidFill>
@@ -9232,7 +9233,7 @@
               </a:ln>
               <a:extLst>
                 <a:ext uri="{91240B29-F687-4f45-9708-019B960494DF}">
-                  <a14:hiddenLine xmlns:a14="http://schemas.microsoft.com/office/drawing/2010/main" xmlns="" w="9525">
+                  <a14:hiddenLine xmlns="" xmlns:a14="http://schemas.microsoft.com/office/drawing/2010/main" w="9525">
                     <a:solidFill>
                       <a:srgbClr val="000000"/>
                     </a:solidFill>
@@ -9294,7 +9295,7 @@
               </a:ln>
               <a:extLst>
                 <a:ext uri="{91240B29-F687-4f45-9708-019B960494DF}">
-                  <a14:hiddenLine xmlns:a14="http://schemas.microsoft.com/office/drawing/2010/main" xmlns="" w="9525">
+                  <a14:hiddenLine xmlns="" xmlns:a14="http://schemas.microsoft.com/office/drawing/2010/main" w="9525">
                     <a:solidFill>
                       <a:srgbClr val="000000"/>
                     </a:solidFill>
@@ -9384,7 +9385,7 @@
               </a:ln>
               <a:extLst>
                 <a:ext uri="{91240B29-F687-4f45-9708-019B960494DF}">
-                  <a14:hiddenLine xmlns:a14="http://schemas.microsoft.com/office/drawing/2010/main" xmlns="" w="9525">
+                  <a14:hiddenLine xmlns="" xmlns:a14="http://schemas.microsoft.com/office/drawing/2010/main" w="9525">
                     <a:solidFill>
                       <a:srgbClr val="000000"/>
                     </a:solidFill>
@@ -9446,7 +9447,7 @@
               </a:ln>
               <a:extLst>
                 <a:ext uri="{91240B29-F687-4f45-9708-019B960494DF}">
-                  <a14:hiddenLine xmlns:a14="http://schemas.microsoft.com/office/drawing/2010/main" xmlns="" w="9525">
+                  <a14:hiddenLine xmlns="" xmlns:a14="http://schemas.microsoft.com/office/drawing/2010/main" w="9525">
                     <a:solidFill>
                       <a:srgbClr val="000000"/>
                     </a:solidFill>
@@ -9508,7 +9509,7 @@
               </a:ln>
               <a:extLst>
                 <a:ext uri="{91240B29-F687-4f45-9708-019B960494DF}">
-                  <a14:hiddenLine xmlns:a14="http://schemas.microsoft.com/office/drawing/2010/main" xmlns="" w="9525">
+                  <a14:hiddenLine xmlns="" xmlns:a14="http://schemas.microsoft.com/office/drawing/2010/main" w="9525">
                     <a:solidFill>
                       <a:srgbClr val="000000"/>
                     </a:solidFill>
@@ -9598,7 +9599,7 @@
               </a:ln>
               <a:extLst>
                 <a:ext uri="{91240B29-F687-4f45-9708-019B960494DF}">
-                  <a14:hiddenLine xmlns:a14="http://schemas.microsoft.com/office/drawing/2010/main" xmlns="" w="9525">
+                  <a14:hiddenLine xmlns="" xmlns:a14="http://schemas.microsoft.com/office/drawing/2010/main" w="9525">
                     <a:solidFill>
                       <a:srgbClr val="000000"/>
                     </a:solidFill>
@@ -9688,7 +9689,7 @@
               </a:ln>
               <a:extLst>
                 <a:ext uri="{91240B29-F687-4f45-9708-019B960494DF}">
-                  <a14:hiddenLine xmlns:a14="http://schemas.microsoft.com/office/drawing/2010/main" xmlns="" w="9525">
+                  <a14:hiddenLine xmlns="" xmlns:a14="http://schemas.microsoft.com/office/drawing/2010/main" w="9525">
                     <a:solidFill>
                       <a:srgbClr val="000000"/>
                     </a:solidFill>
@@ -9750,7 +9751,7 @@
               </a:ln>
               <a:extLst>
                 <a:ext uri="{91240B29-F687-4f45-9708-019B960494DF}">
-                  <a14:hiddenLine xmlns:a14="http://schemas.microsoft.com/office/drawing/2010/main" xmlns="" w="9525">
+                  <a14:hiddenLine xmlns="" xmlns:a14="http://schemas.microsoft.com/office/drawing/2010/main" w="9525">
                     <a:solidFill>
                       <a:srgbClr val="000000"/>
                     </a:solidFill>
@@ -9860,7 +9861,7 @@
               </a:ln>
               <a:extLst>
                 <a:ext uri="{91240B29-F687-4f45-9708-019B960494DF}">
-                  <a14:hiddenLine xmlns:a14="http://schemas.microsoft.com/office/drawing/2010/main" xmlns="" w="9525">
+                  <a14:hiddenLine xmlns="" xmlns:a14="http://schemas.microsoft.com/office/drawing/2010/main" w="9525">
                     <a:solidFill>
                       <a:srgbClr val="000000"/>
                     </a:solidFill>
@@ -9944,7 +9945,7 @@
               </a:ln>
               <a:extLst>
                 <a:ext uri="{91240B29-F687-4f45-9708-019B960494DF}">
-                  <a14:hiddenLine xmlns:a14="http://schemas.microsoft.com/office/drawing/2010/main" xmlns="" w="9525">
+                  <a14:hiddenLine xmlns="" xmlns:a14="http://schemas.microsoft.com/office/drawing/2010/main" w="9525">
                     <a:solidFill>
                       <a:srgbClr val="000000"/>
                     </a:solidFill>
@@ -10006,7 +10007,7 @@
               </a:ln>
               <a:extLst>
                 <a:ext uri="{91240B29-F687-4f45-9708-019B960494DF}">
-                  <a14:hiddenLine xmlns:a14="http://schemas.microsoft.com/office/drawing/2010/main" xmlns="" w="9525">
+                  <a14:hiddenLine xmlns="" xmlns:a14="http://schemas.microsoft.com/office/drawing/2010/main" w="9525">
                     <a:solidFill>
                       <a:srgbClr val="000000"/>
                     </a:solidFill>
@@ -10068,7 +10069,7 @@
               </a:ln>
               <a:extLst>
                 <a:ext uri="{91240B29-F687-4f45-9708-019B960494DF}">
-                  <a14:hiddenLine xmlns:a14="http://schemas.microsoft.com/office/drawing/2010/main" xmlns="" w="9525">
+                  <a14:hiddenLine xmlns="" xmlns:a14="http://schemas.microsoft.com/office/drawing/2010/main" w="9525">
                     <a:solidFill>
                       <a:srgbClr val="000000"/>
                     </a:solidFill>
@@ -10158,7 +10159,7 @@
               </a:ln>
               <a:extLst>
                 <a:ext uri="{91240B29-F687-4f45-9708-019B960494DF}">
-                  <a14:hiddenLine xmlns:a14="http://schemas.microsoft.com/office/drawing/2010/main" xmlns="" w="9525">
+                  <a14:hiddenLine xmlns="" xmlns:a14="http://schemas.microsoft.com/office/drawing/2010/main" w="9525">
                     <a:solidFill>
                       <a:srgbClr val="000000"/>
                     </a:solidFill>
@@ -10192,7 +10193,7 @@
               </a:ln>
               <a:extLst>
                 <a:ext uri="{91240B29-F687-4f45-9708-019B960494DF}">
-                  <a14:hiddenLine xmlns:a14="http://schemas.microsoft.com/office/drawing/2010/main" xmlns="" w="9525">
+                  <a14:hiddenLine xmlns="" xmlns:a14="http://schemas.microsoft.com/office/drawing/2010/main" w="9525">
                     <a:solidFill>
                       <a:srgbClr val="000000"/>
                     </a:solidFill>
@@ -10257,7 +10258,7 @@
               </a:ln>
               <a:extLst>
                 <a:ext uri="{91240B29-F687-4f45-9708-019B960494DF}">
-                  <a14:hiddenLine xmlns:a14="http://schemas.microsoft.com/office/drawing/2010/main" xmlns="" w="9525">
+                  <a14:hiddenLine xmlns="" xmlns:a14="http://schemas.microsoft.com/office/drawing/2010/main" w="9525">
                     <a:solidFill>
                       <a:srgbClr val="000000"/>
                     </a:solidFill>
@@ -10347,7 +10348,7 @@
               </a:ln>
               <a:extLst>
                 <a:ext uri="{91240B29-F687-4f45-9708-019B960494DF}">
-                  <a14:hiddenLine xmlns:a14="http://schemas.microsoft.com/office/drawing/2010/main" xmlns="" w="9525">
+                  <a14:hiddenLine xmlns="" xmlns:a14="http://schemas.microsoft.com/office/drawing/2010/main" w="9525">
                     <a:solidFill>
                       <a:srgbClr val="000000"/>
                     </a:solidFill>
@@ -10409,7 +10410,7 @@
               </a:ln>
               <a:extLst>
                 <a:ext uri="{91240B29-F687-4f45-9708-019B960494DF}">
-                  <a14:hiddenLine xmlns:a14="http://schemas.microsoft.com/office/drawing/2010/main" xmlns="" w="9525">
+                  <a14:hiddenLine xmlns="" xmlns:a14="http://schemas.microsoft.com/office/drawing/2010/main" w="9525">
                     <a:solidFill>
                       <a:srgbClr val="000000"/>
                     </a:solidFill>
@@ -10499,7 +10500,7 @@
               </a:ln>
               <a:extLst>
                 <a:ext uri="{91240B29-F687-4f45-9708-019B960494DF}">
-                  <a14:hiddenLine xmlns:a14="http://schemas.microsoft.com/office/drawing/2010/main" xmlns="" w="9525">
+                  <a14:hiddenLine xmlns="" xmlns:a14="http://schemas.microsoft.com/office/drawing/2010/main" w="9525">
                     <a:solidFill>
                       <a:srgbClr val="000000"/>
                     </a:solidFill>
@@ -10564,7 +10565,7 @@
               </a:ln>
               <a:extLst>
                 <a:ext uri="{91240B29-F687-4f45-9708-019B960494DF}">
-                  <a14:hiddenLine xmlns:a14="http://schemas.microsoft.com/office/drawing/2010/main" xmlns="" w="9525">
+                  <a14:hiddenLine xmlns="" xmlns:a14="http://schemas.microsoft.com/office/drawing/2010/main" w="9525">
                     <a:solidFill>
                       <a:srgbClr val="000000"/>
                     </a:solidFill>
@@ -10626,7 +10627,7 @@
               </a:ln>
               <a:extLst>
                 <a:ext uri="{91240B29-F687-4f45-9708-019B960494DF}">
-                  <a14:hiddenLine xmlns:a14="http://schemas.microsoft.com/office/drawing/2010/main" xmlns="" w="9525">
+                  <a14:hiddenLine xmlns="" xmlns:a14="http://schemas.microsoft.com/office/drawing/2010/main" w="9525">
                     <a:solidFill>
                       <a:srgbClr val="000000"/>
                     </a:solidFill>
@@ -10716,7 +10717,7 @@
               </a:ln>
               <a:extLst>
                 <a:ext uri="{91240B29-F687-4f45-9708-019B960494DF}">
-                  <a14:hiddenLine xmlns:a14="http://schemas.microsoft.com/office/drawing/2010/main" xmlns="" w="9525">
+                  <a14:hiddenLine xmlns="" xmlns:a14="http://schemas.microsoft.com/office/drawing/2010/main" w="9525">
                     <a:solidFill>
                       <a:srgbClr val="000000"/>
                     </a:solidFill>
@@ -10806,7 +10807,7 @@
               </a:ln>
               <a:extLst>
                 <a:ext uri="{91240B29-F687-4f45-9708-019B960494DF}">
-                  <a14:hiddenLine xmlns:a14="http://schemas.microsoft.com/office/drawing/2010/main" xmlns="" w="9525">
+                  <a14:hiddenLine xmlns="" xmlns:a14="http://schemas.microsoft.com/office/drawing/2010/main" w="9525">
                     <a:solidFill>
                       <a:srgbClr val="000000"/>
                     </a:solidFill>
@@ -10871,7 +10872,7 @@
               </a:ln>
               <a:extLst>
                 <a:ext uri="{91240B29-F687-4f45-9708-019B960494DF}">
-                  <a14:hiddenLine xmlns:a14="http://schemas.microsoft.com/office/drawing/2010/main" xmlns="" w="9525">
+                  <a14:hiddenLine xmlns="" xmlns:a14="http://schemas.microsoft.com/office/drawing/2010/main" w="9525">
                     <a:solidFill>
                       <a:srgbClr val="000000"/>
                     </a:solidFill>
@@ -10991,7 +10992,7 @@
               </a:ln>
               <a:extLst>
                 <a:ext uri="{91240B29-F687-4f45-9708-019B960494DF}">
-                  <a14:hiddenLine xmlns:a14="http://schemas.microsoft.com/office/drawing/2010/main" xmlns="" w="9525">
+                  <a14:hiddenLine xmlns="" xmlns:a14="http://schemas.microsoft.com/office/drawing/2010/main" w="9525">
                     <a:solidFill>
                       <a:srgbClr val="000000"/>
                     </a:solidFill>
@@ -11089,7 +11090,7 @@
               </a:ln>
               <a:extLst>
                 <a:ext uri="{91240B29-F687-4f45-9708-019B960494DF}">
-                  <a14:hiddenLine xmlns:a14="http://schemas.microsoft.com/office/drawing/2010/main" xmlns="" w="9525">
+                  <a14:hiddenLine xmlns="" xmlns:a14="http://schemas.microsoft.com/office/drawing/2010/main" w="9525">
                     <a:solidFill>
                       <a:srgbClr val="000000"/>
                     </a:solidFill>
@@ -11204,7 +11205,7 @@
               </a:ln>
               <a:extLst>
                 <a:ext uri="{91240B29-F687-4f45-9708-019B960494DF}">
-                  <a14:hiddenLine xmlns:a14="http://schemas.microsoft.com/office/drawing/2010/main" xmlns="" w="9525">
+                  <a14:hiddenLine xmlns="" xmlns:a14="http://schemas.microsoft.com/office/drawing/2010/main" w="9525">
                     <a:solidFill>
                       <a:srgbClr val="000000"/>
                     </a:solidFill>
@@ -11294,7 +11295,7 @@
               </a:ln>
               <a:extLst>
                 <a:ext uri="{91240B29-F687-4f45-9708-019B960494DF}">
-                  <a14:hiddenLine xmlns:a14="http://schemas.microsoft.com/office/drawing/2010/main" xmlns="" w="9525">
+                  <a14:hiddenLine xmlns="" xmlns:a14="http://schemas.microsoft.com/office/drawing/2010/main" w="9525">
                     <a:solidFill>
                       <a:srgbClr val="000000"/>
                     </a:solidFill>
@@ -11359,7 +11360,7 @@
               </a:ln>
               <a:extLst>
                 <a:ext uri="{91240B29-F687-4f45-9708-019B960494DF}">
-                  <a14:hiddenLine xmlns:a14="http://schemas.microsoft.com/office/drawing/2010/main" xmlns="" w="9525">
+                  <a14:hiddenLine xmlns="" xmlns:a14="http://schemas.microsoft.com/office/drawing/2010/main" w="9525">
                     <a:solidFill>
                       <a:srgbClr val="000000"/>
                     </a:solidFill>
@@ -11449,7 +11450,7 @@
               </a:ln>
               <a:extLst>
                 <a:ext uri="{91240B29-F687-4f45-9708-019B960494DF}">
-                  <a14:hiddenLine xmlns:a14="http://schemas.microsoft.com/office/drawing/2010/main" xmlns="" w="9525">
+                  <a14:hiddenLine xmlns="" xmlns:a14="http://schemas.microsoft.com/office/drawing/2010/main" w="9525">
                     <a:solidFill>
                       <a:srgbClr val="000000"/>
                     </a:solidFill>
@@ -11517,7 +11518,7 @@
               </a:ln>
               <a:extLst>
                 <a:ext uri="{91240B29-F687-4f45-9708-019B960494DF}">
-                  <a14:hiddenLine xmlns:a14="http://schemas.microsoft.com/office/drawing/2010/main" xmlns="" w="9525">
+                  <a14:hiddenLine xmlns="" xmlns:a14="http://schemas.microsoft.com/office/drawing/2010/main" w="9525">
                     <a:solidFill>
                       <a:srgbClr val="000000"/>
                     </a:solidFill>
@@ -11607,7 +11608,7 @@
               </a:ln>
               <a:extLst>
                 <a:ext uri="{91240B29-F687-4f45-9708-019B960494DF}">
-                  <a14:hiddenLine xmlns:a14="http://schemas.microsoft.com/office/drawing/2010/main" xmlns="" w="9525">
+                  <a14:hiddenLine xmlns="" xmlns:a14="http://schemas.microsoft.com/office/drawing/2010/main" w="9525">
                     <a:solidFill>
                       <a:srgbClr val="000000"/>
                     </a:solidFill>
@@ -11675,7 +11676,7 @@
               </a:ln>
               <a:extLst>
                 <a:ext uri="{91240B29-F687-4f45-9708-019B960494DF}">
-                  <a14:hiddenLine xmlns:a14="http://schemas.microsoft.com/office/drawing/2010/main" xmlns="" w="9525">
+                  <a14:hiddenLine xmlns="" xmlns:a14="http://schemas.microsoft.com/office/drawing/2010/main" w="9525">
                     <a:solidFill>
                       <a:srgbClr val="000000"/>
                     </a:solidFill>
@@ -11765,7 +11766,7 @@
               </a:ln>
               <a:extLst>
                 <a:ext uri="{91240B29-F687-4f45-9708-019B960494DF}">
-                  <a14:hiddenLine xmlns:a14="http://schemas.microsoft.com/office/drawing/2010/main" xmlns="" w="9525">
+                  <a14:hiddenLine xmlns="" xmlns:a14="http://schemas.microsoft.com/office/drawing/2010/main" w="9525">
                     <a:solidFill>
                       <a:srgbClr val="000000"/>
                     </a:solidFill>
@@ -11799,7 +11800,7 @@
               </a:ln>
               <a:extLst>
                 <a:ext uri="{91240B29-F687-4f45-9708-019B960494DF}">
-                  <a14:hiddenLine xmlns:a14="http://schemas.microsoft.com/office/drawing/2010/main" xmlns="" w="9525">
+                  <a14:hiddenLine xmlns="" xmlns:a14="http://schemas.microsoft.com/office/drawing/2010/main" w="9525">
                     <a:solidFill>
                       <a:srgbClr val="000000"/>
                     </a:solidFill>
@@ -11940,7 +11941,7 @@
             <a:fld id="{48A87A34-81AB-432B-8DAE-1953F412C126}" type="datetimeFigureOut">
               <a:rPr lang="en-US" dirty="0"/>
               <a:pPr/>
-              <a:t>11/22/2021</a:t>
+              <a:t>12/2/2021</a:t>
             </a:fld>
             <a:endParaRPr lang="en-US" dirty="0"/>
           </a:p>
@@ -12410,6 +12411,137 @@
 </p:sld>
 </file>
 
+<file path=ppt/slides/slide10.xml><?xml version="1.0" encoding="utf-8"?>
+<p:sld xmlns:a="http://schemas.openxmlformats.org/drawingml/2006/main" xmlns:r="http://schemas.openxmlformats.org/officeDocument/2006/relationships" xmlns:p="http://schemas.openxmlformats.org/presentationml/2006/main">
+  <p:cSld>
+    <p:spTree>
+      <p:nvGrpSpPr>
+        <p:cNvPr id="1" name=""/>
+        <p:cNvGrpSpPr/>
+        <p:nvPr/>
+      </p:nvGrpSpPr>
+      <p:grpSpPr>
+        <a:xfrm>
+          <a:off x="0" y="0"/>
+          <a:ext cx="0" cy="0"/>
+          <a:chOff x="0" y="0"/>
+          <a:chExt cx="0" cy="0"/>
+        </a:xfrm>
+      </p:grpSpPr>
+      <p:sp>
+        <p:nvSpPr>
+          <p:cNvPr id="2" name="Title 1">
+            <a:extLst>
+              <a:ext uri="{FF2B5EF4-FFF2-40B4-BE49-F238E27FC236}">
+                <a16:creationId xmlns:a16="http://schemas.microsoft.com/office/drawing/2014/main" id="{E792E361-2F3E-4503-AF27-B19D3463C936}"/>
+              </a:ext>
+            </a:extLst>
+          </p:cNvPr>
+          <p:cNvSpPr>
+            <a:spLocks noGrp="1"/>
+          </p:cNvSpPr>
+          <p:nvPr>
+            <p:ph type="title"/>
+          </p:nvPr>
+        </p:nvSpPr>
+        <p:spPr/>
+        <p:txBody>
+          <a:bodyPr/>
+          <a:lstStyle/>
+          <a:p>
+            <a:r>
+              <a:rPr lang="en-US" dirty="0"/>
+              <a:t>sites</a:t>
+            </a:r>
+            <a:endParaRPr lang="en-IL" dirty="0"/>
+          </a:p>
+        </p:txBody>
+      </p:sp>
+      <p:sp>
+        <p:nvSpPr>
+          <p:cNvPr id="3" name="Content Placeholder 2">
+            <a:extLst>
+              <a:ext uri="{FF2B5EF4-FFF2-40B4-BE49-F238E27FC236}">
+                <a16:creationId xmlns:a16="http://schemas.microsoft.com/office/drawing/2014/main" id="{CE84197C-1C1F-4406-B64C-3B7C3AEE2D36}"/>
+              </a:ext>
+            </a:extLst>
+          </p:cNvPr>
+          <p:cNvSpPr>
+            <a:spLocks noGrp="1"/>
+          </p:cNvSpPr>
+          <p:nvPr>
+            <p:ph idx="1"/>
+          </p:nvPr>
+        </p:nvSpPr>
+        <p:spPr/>
+        <p:txBody>
+          <a:bodyPr/>
+          <a:lstStyle/>
+          <a:p>
+            <a:pPr algn="r" rtl="1"/>
+            <a:r>
+              <a:rPr lang="he-IL" dirty="0">
+                <a:hlinkClick r:id="rId2"/>
+              </a:rPr>
+              <a:t>אתר מעולה לתרגול </a:t>
+            </a:r>
+            <a:r>
+              <a:rPr lang="en-US" dirty="0">
+                <a:hlinkClick r:id="rId2"/>
+              </a:rPr>
+              <a:t>grid</a:t>
+            </a:r>
+            <a:r>
+              <a:rPr lang="he-IL" dirty="0"/>
+              <a:t> (אלכס)</a:t>
+            </a:r>
+            <a:endParaRPr lang="en-IL" dirty="0"/>
+          </a:p>
+        </p:txBody>
+      </p:sp>
+      <p:pic>
+        <p:nvPicPr>
+          <p:cNvPr id="5" name="Picture 4">
+            <a:extLst>
+              <a:ext uri="{FF2B5EF4-FFF2-40B4-BE49-F238E27FC236}">
+                <a16:creationId xmlns:a16="http://schemas.microsoft.com/office/drawing/2014/main" id="{AF46490E-0935-49EC-8F50-2CD958471870}"/>
+              </a:ext>
+            </a:extLst>
+          </p:cNvPr>
+          <p:cNvPicPr>
+            <a:picLocks noChangeAspect="1"/>
+          </p:cNvPicPr>
+          <p:nvPr/>
+        </p:nvPicPr>
+        <p:blipFill>
+          <a:blip r:embed="rId3"/>
+          <a:stretch>
+            <a:fillRect/>
+          </a:stretch>
+        </p:blipFill>
+        <p:spPr>
+          <a:xfrm>
+            <a:off x="1411774" y="3006342"/>
+            <a:ext cx="9365274" cy="3038690"/>
+          </a:xfrm>
+          <a:prstGeom prst="rect">
+            <a:avLst/>
+          </a:prstGeom>
+        </p:spPr>
+      </p:pic>
+    </p:spTree>
+    <p:extLst>
+      <p:ext uri="{BB962C8B-B14F-4D97-AF65-F5344CB8AC3E}">
+        <p14:creationId xmlns:p14="http://schemas.microsoft.com/office/powerpoint/2010/main" val="2687503568"/>
+      </p:ext>
+    </p:extLst>
+  </p:cSld>
+  <p:clrMapOvr>
+    <a:masterClrMapping/>
+  </p:clrMapOvr>
+</p:sld>
+</file>
+
 <file path=ppt/slides/slide2.xml><?xml version="1.0" encoding="utf-8"?>
 <p:sld xmlns:a="http://schemas.openxmlformats.org/drawingml/2006/main" xmlns:r="http://schemas.openxmlformats.org/officeDocument/2006/relationships" xmlns:p="http://schemas.openxmlformats.org/presentationml/2006/main">
   <p:cSld>
